--- a/2Dproject/20180925_2DprojectPPT_ver6_ppt.pptx
+++ b/2Dproject/20180925_2DprojectPPT_ver6_ppt.pptx
@@ -10,8 +10,12 @@
     <p:sldId id="260" r:id="rId4"/>
     <p:sldId id="262" r:id="rId5"/>
     <p:sldId id="261" r:id="rId6"/>
-    <p:sldId id="258" r:id="rId7"/>
-    <p:sldId id="259" r:id="rId8"/>
+    <p:sldId id="263" r:id="rId7"/>
+    <p:sldId id="258" r:id="rId8"/>
+    <p:sldId id="264" r:id="rId9"/>
+    <p:sldId id="259" r:id="rId10"/>
+    <p:sldId id="265" r:id="rId11"/>
+    <p:sldId id="266" r:id="rId12"/>
   </p:sldIdLst>
   <p:sldSz cx="12192000" cy="6858000"/>
   <p:notesSz cx="6858000" cy="9144000"/>
@@ -265,7 +269,7 @@
           <a:p>
             <a:fld id="{964CAA8C-415F-4A2C-9257-CF39A0F5FBAD}" type="datetimeFigureOut">
               <a:rPr lang="ko-KR" altLang="en-US" smtClean="0"/>
-              <a:t>2018-10-01</a:t>
+              <a:t>2018-10-23</a:t>
             </a:fld>
             <a:endParaRPr lang="ko-KR" altLang="en-US"/>
           </a:p>
@@ -463,7 +467,7 @@
           <a:p>
             <a:fld id="{964CAA8C-415F-4A2C-9257-CF39A0F5FBAD}" type="datetimeFigureOut">
               <a:rPr lang="ko-KR" altLang="en-US" smtClean="0"/>
-              <a:t>2018-10-01</a:t>
+              <a:t>2018-10-23</a:t>
             </a:fld>
             <a:endParaRPr lang="ko-KR" altLang="en-US"/>
           </a:p>
@@ -671,7 +675,7 @@
           <a:p>
             <a:fld id="{964CAA8C-415F-4A2C-9257-CF39A0F5FBAD}" type="datetimeFigureOut">
               <a:rPr lang="ko-KR" altLang="en-US" smtClean="0"/>
-              <a:t>2018-10-01</a:t>
+              <a:t>2018-10-23</a:t>
             </a:fld>
             <a:endParaRPr lang="ko-KR" altLang="en-US"/>
           </a:p>
@@ -869,7 +873,7 @@
           <a:p>
             <a:fld id="{964CAA8C-415F-4A2C-9257-CF39A0F5FBAD}" type="datetimeFigureOut">
               <a:rPr lang="ko-KR" altLang="en-US" smtClean="0"/>
-              <a:t>2018-10-01</a:t>
+              <a:t>2018-10-23</a:t>
             </a:fld>
             <a:endParaRPr lang="ko-KR" altLang="en-US"/>
           </a:p>
@@ -1144,7 +1148,7 @@
           <a:p>
             <a:fld id="{964CAA8C-415F-4A2C-9257-CF39A0F5FBAD}" type="datetimeFigureOut">
               <a:rPr lang="ko-KR" altLang="en-US" smtClean="0"/>
-              <a:t>2018-10-01</a:t>
+              <a:t>2018-10-23</a:t>
             </a:fld>
             <a:endParaRPr lang="ko-KR" altLang="en-US"/>
           </a:p>
@@ -1409,7 +1413,7 @@
           <a:p>
             <a:fld id="{964CAA8C-415F-4A2C-9257-CF39A0F5FBAD}" type="datetimeFigureOut">
               <a:rPr lang="ko-KR" altLang="en-US" smtClean="0"/>
-              <a:t>2018-10-01</a:t>
+              <a:t>2018-10-23</a:t>
             </a:fld>
             <a:endParaRPr lang="ko-KR" altLang="en-US"/>
           </a:p>
@@ -1821,7 +1825,7 @@
           <a:p>
             <a:fld id="{964CAA8C-415F-4A2C-9257-CF39A0F5FBAD}" type="datetimeFigureOut">
               <a:rPr lang="ko-KR" altLang="en-US" smtClean="0"/>
-              <a:t>2018-10-01</a:t>
+              <a:t>2018-10-23</a:t>
             </a:fld>
             <a:endParaRPr lang="ko-KR" altLang="en-US"/>
           </a:p>
@@ -1962,7 +1966,7 @@
           <a:p>
             <a:fld id="{964CAA8C-415F-4A2C-9257-CF39A0F5FBAD}" type="datetimeFigureOut">
               <a:rPr lang="ko-KR" altLang="en-US" smtClean="0"/>
-              <a:t>2018-10-01</a:t>
+              <a:t>2018-10-23</a:t>
             </a:fld>
             <a:endParaRPr lang="ko-KR" altLang="en-US"/>
           </a:p>
@@ -2075,7 +2079,7 @@
           <a:p>
             <a:fld id="{964CAA8C-415F-4A2C-9257-CF39A0F5FBAD}" type="datetimeFigureOut">
               <a:rPr lang="ko-KR" altLang="en-US" smtClean="0"/>
-              <a:t>2018-10-01</a:t>
+              <a:t>2018-10-23</a:t>
             </a:fld>
             <a:endParaRPr lang="ko-KR" altLang="en-US"/>
           </a:p>
@@ -2386,7 +2390,7 @@
           <a:p>
             <a:fld id="{964CAA8C-415F-4A2C-9257-CF39A0F5FBAD}" type="datetimeFigureOut">
               <a:rPr lang="ko-KR" altLang="en-US" smtClean="0"/>
-              <a:t>2018-10-01</a:t>
+              <a:t>2018-10-23</a:t>
             </a:fld>
             <a:endParaRPr lang="ko-KR" altLang="en-US"/>
           </a:p>
@@ -2674,7 +2678,7 @@
           <a:p>
             <a:fld id="{964CAA8C-415F-4A2C-9257-CF39A0F5FBAD}" type="datetimeFigureOut">
               <a:rPr lang="ko-KR" altLang="en-US" smtClean="0"/>
-              <a:t>2018-10-01</a:t>
+              <a:t>2018-10-23</a:t>
             </a:fld>
             <a:endParaRPr lang="ko-KR" altLang="en-US"/>
           </a:p>
@@ -2915,7 +2919,7 @@
           <a:p>
             <a:fld id="{964CAA8C-415F-4A2C-9257-CF39A0F5FBAD}" type="datetimeFigureOut">
               <a:rPr lang="ko-KR" altLang="en-US" smtClean="0"/>
-              <a:t>2018-10-01</a:t>
+              <a:t>2018-10-23</a:t>
             </a:fld>
             <a:endParaRPr lang="ko-KR" altLang="en-US"/>
           </a:p>
@@ -4501,6 +4505,1396 @@
     <p:extLst>
       <p:ext uri="{BB962C8B-B14F-4D97-AF65-F5344CB8AC3E}">
         <p14:creationId xmlns:p14="http://schemas.microsoft.com/office/powerpoint/2010/main" val="3738898696"/>
+      </p:ext>
+    </p:extLst>
+  </p:cSld>
+  <p:clrMapOvr>
+    <a:masterClrMapping/>
+  </p:clrMapOvr>
+</p:sld>
+</file>
+
+<file path=ppt/slides/slide10.xml><?xml version="1.0" encoding="utf-8"?>
+<p:sld xmlns:a="http://schemas.openxmlformats.org/drawingml/2006/main" xmlns:r="http://schemas.openxmlformats.org/officeDocument/2006/relationships" xmlns:p="http://schemas.openxmlformats.org/presentationml/2006/main">
+  <p:cSld>
+    <p:spTree>
+      <p:nvGrpSpPr>
+        <p:cNvPr id="1" name=""/>
+        <p:cNvGrpSpPr/>
+        <p:nvPr/>
+      </p:nvGrpSpPr>
+      <p:grpSpPr>
+        <a:xfrm>
+          <a:off x="0" y="0"/>
+          <a:ext cx="0" cy="0"/>
+          <a:chOff x="0" y="0"/>
+          <a:chExt cx="0" cy="0"/>
+        </a:xfrm>
+      </p:grpSpPr>
+      <p:graphicFrame>
+        <p:nvGraphicFramePr>
+          <p:cNvPr id="4" name="내용 개체 틀 3">
+            <a:extLst>
+              <a:ext uri="{FF2B5EF4-FFF2-40B4-BE49-F238E27FC236}">
+                <a16:creationId xmlns:a16="http://schemas.microsoft.com/office/drawing/2014/main" id="{2DF29D72-A198-4AAC-B340-7E4C866D057C}"/>
+              </a:ext>
+            </a:extLst>
+          </p:cNvPr>
+          <p:cNvGraphicFramePr>
+            <a:graphicFrameLocks noGrp="1"/>
+          </p:cNvGraphicFramePr>
+          <p:nvPr>
+            <p:ph idx="1"/>
+            <p:extLst>
+              <p:ext uri="{D42A27DB-BD31-4B8C-83A1-F6EECF244321}">
+                <p14:modId xmlns:p14="http://schemas.microsoft.com/office/powerpoint/2010/main" val="2941824261"/>
+              </p:ext>
+            </p:extLst>
+          </p:nvPr>
+        </p:nvGraphicFramePr>
+        <p:xfrm>
+          <a:off x="0" y="1"/>
+          <a:ext cx="12192000" cy="6857999"/>
+        </p:xfrm>
+        <a:graphic>
+          <a:graphicData uri="http://schemas.openxmlformats.org/drawingml/2006/table">
+            <a:tbl>
+              <a:tblPr firstRow="1" bandRow="1">
+                <a:tableStyleId>{5C22544A-7EE6-4342-B048-85BDC9FD1C3A}</a:tableStyleId>
+              </a:tblPr>
+              <a:tblGrid>
+                <a:gridCol w="914400">
+                  <a:extLst>
+                    <a:ext uri="{9D8B030D-6E8A-4147-A177-3AD203B41FA5}">
+                      <a16:colId xmlns:a16="http://schemas.microsoft.com/office/drawing/2014/main" val="1543662002"/>
+                    </a:ext>
+                  </a:extLst>
+                </a:gridCol>
+                <a:gridCol w="2009274">
+                  <a:extLst>
+                    <a:ext uri="{9D8B030D-6E8A-4147-A177-3AD203B41FA5}">
+                      <a16:colId xmlns:a16="http://schemas.microsoft.com/office/drawing/2014/main" val="2752765954"/>
+                    </a:ext>
+                  </a:extLst>
+                </a:gridCol>
+                <a:gridCol w="9268326">
+                  <a:extLst>
+                    <a:ext uri="{9D8B030D-6E8A-4147-A177-3AD203B41FA5}">
+                      <a16:colId xmlns:a16="http://schemas.microsoft.com/office/drawing/2014/main" val="3417986816"/>
+                    </a:ext>
+                  </a:extLst>
+                </a:gridCol>
+              </a:tblGrid>
+              <a:tr h="966197">
+                <a:tc>
+                  <a:txBody>
+                    <a:bodyPr/>
+                    <a:lstStyle/>
+                    <a:p>
+                      <a:pPr algn="ctr" latinLnBrk="1"/>
+                      <a:endParaRPr lang="en-US" altLang="ko-KR" dirty="0"/>
+                    </a:p>
+                    <a:p>
+                      <a:pPr algn="ctr" latinLnBrk="1"/>
+                      <a:r>
+                        <a:rPr lang="en-US" altLang="ko-KR" dirty="0"/>
+                        <a:t>1,2</a:t>
+                      </a:r>
+                      <a:r>
+                        <a:rPr lang="ko-KR" altLang="en-US" dirty="0"/>
+                        <a:t>주차</a:t>
+                      </a:r>
+                    </a:p>
+                  </a:txBody>
+                  <a:tcPr/>
+                </a:tc>
+                <a:tc>
+                  <a:txBody>
+                    <a:bodyPr/>
+                    <a:lstStyle/>
+                    <a:p>
+                      <a:pPr algn="ctr" latinLnBrk="1"/>
+                      <a:r>
+                        <a:rPr lang="ko-KR" altLang="en-US" sz="1400" dirty="0"/>
+                        <a:t>클래스 구성 및 기획</a:t>
+                      </a:r>
+                      <a:endParaRPr lang="en-US" altLang="ko-KR" sz="1400" dirty="0"/>
+                    </a:p>
+                    <a:p>
+                      <a:pPr algn="ctr" latinLnBrk="1"/>
+                      <a:r>
+                        <a:rPr lang="ko-KR" altLang="en-US" sz="1400" dirty="0"/>
+                        <a:t>기본적인 리소스 기획</a:t>
+                      </a:r>
+                    </a:p>
+                  </a:txBody>
+                  <a:tcPr/>
+                </a:tc>
+                <a:tc>
+                  <a:txBody>
+                    <a:bodyPr/>
+                    <a:lstStyle/>
+                    <a:p>
+                      <a:pPr marL="342900" indent="-342900" algn="ctr" latinLnBrk="1">
+                        <a:buAutoNum type="arabicPeriod"/>
+                      </a:pPr>
+                      <a:r>
+                        <a:rPr lang="ko-KR" altLang="en-US" sz="1400" dirty="0"/>
+                        <a:t>필요한 변수들 정리</a:t>
+                      </a:r>
+                      <a:endParaRPr lang="en-US" altLang="ko-KR" sz="1400" dirty="0"/>
+                    </a:p>
+                    <a:p>
+                      <a:pPr marL="342900" indent="-342900" algn="ctr" latinLnBrk="1">
+                        <a:buAutoNum type="arabicPeriod"/>
+                      </a:pPr>
+                      <a:r>
+                        <a:rPr lang="ko-KR" altLang="en-US" sz="1400" dirty="0"/>
+                        <a:t>적캐릭터 및 스테이지 클래스 구상</a:t>
+                      </a:r>
+                      <a:endParaRPr lang="en-US" altLang="ko-KR" sz="1400" dirty="0"/>
+                    </a:p>
+                    <a:p>
+                      <a:pPr marL="342900" indent="-342900" algn="ctr" latinLnBrk="1">
+                        <a:buAutoNum type="arabicPeriod"/>
+                      </a:pPr>
+                      <a:r>
+                        <a:rPr lang="ko-KR" altLang="en-US" sz="1400" dirty="0"/>
+                        <a:t>실질적인 클래스 구성</a:t>
+                      </a:r>
+                      <a:endParaRPr lang="en-US" altLang="ko-KR" sz="1400" dirty="0"/>
+                    </a:p>
+                    <a:p>
+                      <a:pPr marL="342900" indent="-342900" algn="ctr" latinLnBrk="1">
+                        <a:buAutoNum type="arabicPeriod"/>
+                      </a:pPr>
+                      <a:r>
+                        <a:rPr lang="ko-KR" altLang="en-US" sz="1400" dirty="0"/>
+                        <a:t>기본적인 아군 리소스 생성 </a:t>
+                      </a:r>
+                      <a:r>
+                        <a:rPr lang="en-US" altLang="ko-KR" sz="1400" dirty="0">
+                          <a:solidFill>
+                            <a:srgbClr val="C00000"/>
+                          </a:solidFill>
+                        </a:rPr>
+                        <a:t>–</a:t>
+                      </a:r>
+                      <a:r>
+                        <a:rPr lang="en-US" altLang="ko-KR" sz="1400" dirty="0"/>
+                        <a:t> </a:t>
+                      </a:r>
+                      <a:r>
+                        <a:rPr lang="ko-KR" altLang="en-US" sz="1400" dirty="0">
+                          <a:solidFill>
+                            <a:srgbClr val="FF1919"/>
+                          </a:solidFill>
+                        </a:rPr>
+                        <a:t>픽셀크기확인</a:t>
+                      </a:r>
+                    </a:p>
+                  </a:txBody>
+                  <a:tcPr/>
+                </a:tc>
+                <a:extLst>
+                  <a:ext uri="{0D108BD9-81ED-4DB2-BD59-A6C34878D82A}">
+                    <a16:rowId xmlns:a16="http://schemas.microsoft.com/office/drawing/2014/main" val="2873166632"/>
+                  </a:ext>
+                </a:extLst>
+              </a:tr>
+              <a:tr h="1184370">
+                <a:tc>
+                  <a:txBody>
+                    <a:bodyPr/>
+                    <a:lstStyle/>
+                    <a:p>
+                      <a:pPr algn="ctr" latinLnBrk="1"/>
+                      <a:endParaRPr lang="en-US" altLang="ko-KR" dirty="0"/>
+                    </a:p>
+                    <a:p>
+                      <a:pPr algn="ctr" latinLnBrk="1"/>
+                      <a:r>
+                        <a:rPr lang="en-US" altLang="ko-KR" dirty="0"/>
+                        <a:t>3</a:t>
+                      </a:r>
+                      <a:r>
+                        <a:rPr lang="ko-KR" altLang="en-US" dirty="0"/>
+                        <a:t>주차</a:t>
+                      </a:r>
+                    </a:p>
+                  </a:txBody>
+                  <a:tcPr/>
+                </a:tc>
+                <a:tc>
+                  <a:txBody>
+                    <a:bodyPr/>
+                    <a:lstStyle/>
+                    <a:p>
+                      <a:pPr algn="ctr" latinLnBrk="1"/>
+                      <a:r>
+                        <a:rPr lang="ko-KR" altLang="en-US" sz="1400" dirty="0"/>
+                        <a:t>스테이지 구성 및 캐릭터 움직임 구성</a:t>
+                      </a:r>
+                    </a:p>
+                  </a:txBody>
+                  <a:tcPr/>
+                </a:tc>
+                <a:tc>
+                  <a:txBody>
+                    <a:bodyPr/>
+                    <a:lstStyle/>
+                    <a:p>
+                      <a:pPr marL="342900" indent="-342900" algn="ctr" latinLnBrk="1">
+                        <a:buAutoNum type="arabicPeriod"/>
+                      </a:pPr>
+                      <a:r>
+                        <a:rPr lang="ko-KR" altLang="en-US" sz="1400" dirty="0"/>
+                        <a:t>실질적인 스테이지 클래스 생성</a:t>
+                      </a:r>
+                      <a:r>
+                        <a:rPr lang="en-US" altLang="ko-KR" sz="1400" dirty="0">
+                          <a:solidFill>
+                            <a:srgbClr val="C00000"/>
+                          </a:solidFill>
+                        </a:rPr>
+                        <a:t>– </a:t>
+                      </a:r>
+                      <a:r>
+                        <a:rPr lang="ko-KR" altLang="en-US" sz="1400" dirty="0">
+                          <a:solidFill>
+                            <a:srgbClr val="C00000"/>
+                          </a:solidFill>
+                        </a:rPr>
+                        <a:t>게임 프레임 워크 공부</a:t>
+                      </a:r>
+                      <a:endParaRPr lang="en-US" altLang="ko-KR" sz="1400" dirty="0"/>
+                    </a:p>
+                    <a:p>
+                      <a:pPr marL="342900" indent="-342900" algn="ctr" latinLnBrk="1">
+                        <a:buAutoNum type="arabicPeriod"/>
+                      </a:pPr>
+                      <a:r>
+                        <a:rPr lang="ko-KR" altLang="en-US" sz="1400" dirty="0"/>
+                        <a:t>아군 캐릭터 생성 </a:t>
+                      </a:r>
+                      <a:r>
+                        <a:rPr lang="en-US" altLang="ko-KR" sz="1400" dirty="0"/>
+                        <a:t> </a:t>
+                      </a:r>
+                      <a:r>
+                        <a:rPr lang="en-US" altLang="ko-KR" sz="1400" dirty="0">
+                          <a:solidFill>
+                            <a:srgbClr val="C00000"/>
+                          </a:solidFill>
+                        </a:rPr>
+                        <a:t>- </a:t>
+                      </a:r>
+                      <a:r>
+                        <a:rPr lang="ko-KR" altLang="en-US" sz="1400" dirty="0">
+                          <a:solidFill>
+                            <a:srgbClr val="C00000"/>
+                          </a:solidFill>
+                        </a:rPr>
+                        <a:t>예비군</a:t>
+                      </a:r>
+                      <a:r>
+                        <a:rPr lang="en-US" altLang="ko-KR" sz="1400" dirty="0">
+                          <a:solidFill>
+                            <a:srgbClr val="C00000"/>
+                          </a:solidFill>
+                        </a:rPr>
+                        <a:t>…</a:t>
+                      </a:r>
+                    </a:p>
+                    <a:p>
+                      <a:pPr marL="342900" indent="-342900" algn="ctr" latinLnBrk="1">
+                        <a:buAutoNum type="arabicPeriod"/>
+                      </a:pPr>
+                      <a:r>
+                        <a:rPr lang="ko-KR" altLang="en-US" sz="1400" dirty="0"/>
+                        <a:t>움직임 함수 구상 및 테스트</a:t>
+                      </a:r>
+                      <a:r>
+                        <a:rPr lang="en-US" altLang="ko-KR" sz="1400" dirty="0"/>
+                        <a:t>, </a:t>
+                      </a:r>
+                      <a:r>
+                        <a:rPr lang="ko-KR" altLang="en-US" sz="1400" dirty="0"/>
+                        <a:t>선정</a:t>
+                      </a:r>
+                      <a:endParaRPr lang="en-US" altLang="ko-KR" sz="1400" dirty="0"/>
+                    </a:p>
+                    <a:p>
+                      <a:pPr marL="342900" indent="-342900" algn="ctr" latinLnBrk="1">
+                        <a:buAutoNum type="arabicPeriod"/>
+                      </a:pPr>
+                      <a:r>
+                        <a:rPr lang="ko-KR" altLang="en-US" sz="1400" dirty="0"/>
+                        <a:t>스테이지 분류</a:t>
+                      </a:r>
+                      <a:endParaRPr lang="en-US" altLang="ko-KR" sz="1400" dirty="0"/>
+                    </a:p>
+                    <a:p>
+                      <a:pPr marL="342900" indent="-342900" algn="ctr" latinLnBrk="1">
+                        <a:buAutoNum type="arabicPeriod"/>
+                      </a:pPr>
+                      <a:r>
+                        <a:rPr lang="ko-KR" altLang="en-US" sz="1400" dirty="0"/>
+                        <a:t>기초적인 적군 리소스 생성</a:t>
+                      </a:r>
+                    </a:p>
+                  </a:txBody>
+                  <a:tcPr/>
+                </a:tc>
+                <a:extLst>
+                  <a:ext uri="{0D108BD9-81ED-4DB2-BD59-A6C34878D82A}">
+                    <a16:rowId xmlns:a16="http://schemas.microsoft.com/office/drawing/2014/main" val="1848708509"/>
+                  </a:ext>
+                </a:extLst>
+              </a:tr>
+              <a:tr h="966197">
+                <a:tc>
+                  <a:txBody>
+                    <a:bodyPr/>
+                    <a:lstStyle/>
+                    <a:p>
+                      <a:pPr algn="ctr" latinLnBrk="1"/>
+                      <a:endParaRPr lang="en-US" altLang="ko-KR" dirty="0"/>
+                    </a:p>
+                    <a:p>
+                      <a:pPr algn="ctr" latinLnBrk="1"/>
+                      <a:r>
+                        <a:rPr lang="en-US" altLang="ko-KR" dirty="0"/>
+                        <a:t>4</a:t>
+                      </a:r>
+                      <a:r>
+                        <a:rPr lang="ko-KR" altLang="en-US" dirty="0"/>
+                        <a:t>주차</a:t>
+                      </a:r>
+                    </a:p>
+                  </a:txBody>
+                  <a:tcPr/>
+                </a:tc>
+                <a:tc>
+                  <a:txBody>
+                    <a:bodyPr/>
+                    <a:lstStyle/>
+                    <a:p>
+                      <a:pPr algn="ctr" latinLnBrk="1"/>
+                      <a:r>
+                        <a:rPr lang="ko-KR" altLang="en-US" sz="1400" dirty="0"/>
+                        <a:t>기본적인 스테이지 구성</a:t>
+                      </a:r>
+                    </a:p>
+                  </a:txBody>
+                  <a:tcPr/>
+                </a:tc>
+                <a:tc>
+                  <a:txBody>
+                    <a:bodyPr/>
+                    <a:lstStyle/>
+                    <a:p>
+                      <a:pPr marL="342900" indent="-342900" algn="ctr" latinLnBrk="1">
+                        <a:buAutoNum type="arabicPeriod"/>
+                      </a:pPr>
+                      <a:r>
+                        <a:rPr lang="ko-KR" altLang="en-US" sz="1400" dirty="0"/>
+                        <a:t>스테이지 필요 클래스 생성</a:t>
+                      </a:r>
+                      <a:endParaRPr lang="en-US" altLang="ko-KR" sz="1400" dirty="0"/>
+                    </a:p>
+                    <a:p>
+                      <a:pPr marL="342900" indent="-342900" algn="ctr" latinLnBrk="1">
+                        <a:buAutoNum type="arabicPeriod"/>
+                      </a:pPr>
+                      <a:r>
+                        <a:rPr lang="ko-KR" altLang="en-US" sz="1400" dirty="0"/>
+                        <a:t>기본적인 스테이지 테스트</a:t>
+                      </a:r>
+                      <a:endParaRPr lang="en-US" altLang="ko-KR" sz="1400" dirty="0"/>
+                    </a:p>
+                    <a:p>
+                      <a:pPr marL="342900" indent="-342900" algn="ctr" latinLnBrk="1">
+                        <a:buAutoNum type="arabicPeriod"/>
+                      </a:pPr>
+                      <a:r>
+                        <a:rPr lang="ko-KR" altLang="en-US" sz="1400" dirty="0"/>
+                        <a:t>엄폐물에 대한 구상</a:t>
+                      </a:r>
+                      <a:endParaRPr lang="en-US" altLang="ko-KR" sz="1400" dirty="0"/>
+                    </a:p>
+                    <a:p>
+                      <a:pPr marL="342900" indent="-342900" algn="ctr" latinLnBrk="1">
+                        <a:buAutoNum type="arabicPeriod"/>
+                      </a:pPr>
+                      <a:r>
+                        <a:rPr lang="ko-KR" altLang="en-US" sz="1400" dirty="0"/>
+                        <a:t>기초적인 스테이지 리소스 생성</a:t>
+                      </a:r>
+                      <a:endParaRPr lang="en-US" altLang="ko-KR" sz="1400" dirty="0"/>
+                    </a:p>
+                  </a:txBody>
+                  <a:tcPr/>
+                </a:tc>
+                <a:extLst>
+                  <a:ext uri="{0D108BD9-81ED-4DB2-BD59-A6C34878D82A}">
+                    <a16:rowId xmlns:a16="http://schemas.microsoft.com/office/drawing/2014/main" val="2166319886"/>
+                  </a:ext>
+                </a:extLst>
+              </a:tr>
+              <a:tr h="748247">
+                <a:tc>
+                  <a:txBody>
+                    <a:bodyPr/>
+                    <a:lstStyle/>
+                    <a:p>
+                      <a:pPr algn="ctr" latinLnBrk="1"/>
+                      <a:endParaRPr lang="en-US" altLang="ko-KR" dirty="0"/>
+                    </a:p>
+                    <a:p>
+                      <a:pPr algn="ctr" latinLnBrk="1"/>
+                      <a:r>
+                        <a:rPr lang="en-US" altLang="ko-KR" dirty="0"/>
+                        <a:t>5</a:t>
+                      </a:r>
+                      <a:r>
+                        <a:rPr lang="ko-KR" altLang="en-US" dirty="0"/>
+                        <a:t>주차</a:t>
+                      </a:r>
+                    </a:p>
+                  </a:txBody>
+                  <a:tcPr/>
+                </a:tc>
+                <a:tc rowSpan="2">
+                  <a:txBody>
+                    <a:bodyPr/>
+                    <a:lstStyle/>
+                    <a:p>
+                      <a:pPr algn="ctr" latinLnBrk="1"/>
+                      <a:endParaRPr lang="en-US" altLang="ko-KR" sz="1400" dirty="0"/>
+                    </a:p>
+                    <a:p>
+                      <a:pPr algn="ctr" latinLnBrk="1"/>
+                      <a:endParaRPr lang="en-US" altLang="ko-KR" sz="1400" dirty="0"/>
+                    </a:p>
+                    <a:p>
+                      <a:pPr algn="ctr" latinLnBrk="1"/>
+                      <a:r>
+                        <a:rPr lang="ko-KR" altLang="en-US" sz="1400" dirty="0"/>
+                        <a:t>리소스 증대 및 이전 부분 보완</a:t>
+                      </a:r>
+                    </a:p>
+                  </a:txBody>
+                  <a:tcPr/>
+                </a:tc>
+                <a:tc rowSpan="2">
+                  <a:txBody>
+                    <a:bodyPr/>
+                    <a:lstStyle/>
+                    <a:p>
+                      <a:pPr marL="342900" indent="-342900" algn="ctr" latinLnBrk="1">
+                        <a:buAutoNum type="arabicPeriod"/>
+                      </a:pPr>
+                      <a:r>
+                        <a:rPr lang="ko-KR" altLang="en-US" sz="1400" dirty="0"/>
+                        <a:t>아군 캐릭터 리소스 구상 및 그리기</a:t>
+                      </a:r>
+                      <a:endParaRPr lang="en-US" altLang="ko-KR" sz="1400" dirty="0"/>
+                    </a:p>
+                    <a:p>
+                      <a:pPr marL="342900" indent="-342900" algn="ctr" latinLnBrk="1">
+                        <a:buAutoNum type="arabicPeriod"/>
+                      </a:pPr>
+                      <a:r>
+                        <a:rPr lang="ko-KR" altLang="en-US" sz="1400" dirty="0"/>
+                        <a:t>적군 리소스 구상 및 그리기</a:t>
+                      </a:r>
+                      <a:endParaRPr lang="en-US" altLang="ko-KR" sz="1400" dirty="0"/>
+                    </a:p>
+                    <a:p>
+                      <a:pPr marL="342900" indent="-342900" algn="ctr" latinLnBrk="1">
+                        <a:buAutoNum type="arabicPeriod"/>
+                      </a:pPr>
+                      <a:r>
+                        <a:rPr lang="ko-KR" altLang="en-US" sz="1400" dirty="0"/>
+                        <a:t>이펙트 효과 생성 추가</a:t>
+                      </a:r>
+                      <a:endParaRPr lang="en-US" altLang="ko-KR" sz="1400" dirty="0"/>
+                    </a:p>
+                    <a:p>
+                      <a:pPr marL="342900" indent="-342900" algn="ctr" latinLnBrk="1">
+                        <a:buAutoNum type="arabicPeriod"/>
+                      </a:pPr>
+                      <a:r>
+                        <a:rPr lang="ko-KR" altLang="en-US" sz="1400" dirty="0"/>
+                        <a:t>스테이지 생성 및 메뉴 생성</a:t>
+                      </a:r>
+                      <a:endParaRPr lang="en-US" altLang="ko-KR" sz="1400" dirty="0"/>
+                    </a:p>
+                    <a:p>
+                      <a:pPr marL="342900" indent="-342900" algn="ctr" latinLnBrk="1">
+                        <a:buAutoNum type="arabicPeriod"/>
+                      </a:pPr>
+                      <a:r>
+                        <a:rPr lang="ko-KR" altLang="en-US" sz="1400" dirty="0"/>
+                        <a:t>스테이지 구성 및 그리기</a:t>
+                      </a:r>
+                      <a:endParaRPr lang="en-US" altLang="ko-KR" sz="1400" dirty="0"/>
+                    </a:p>
+                    <a:p>
+                      <a:pPr marL="342900" indent="-342900" algn="ctr" latinLnBrk="1">
+                        <a:buAutoNum type="arabicPeriod"/>
+                      </a:pPr>
+                      <a:r>
+                        <a:rPr lang="ko-KR" altLang="en-US" sz="1400" dirty="0"/>
+                        <a:t>무기 추가 및 미흡한 부분 증대</a:t>
+                      </a:r>
+                    </a:p>
+                  </a:txBody>
+                  <a:tcPr/>
+                </a:tc>
+                <a:extLst>
+                  <a:ext uri="{0D108BD9-81ED-4DB2-BD59-A6C34878D82A}">
+                    <a16:rowId xmlns:a16="http://schemas.microsoft.com/office/drawing/2014/main" val="908790523"/>
+                  </a:ext>
+                </a:extLst>
+              </a:tr>
+              <a:tr h="748247">
+                <a:tc>
+                  <a:txBody>
+                    <a:bodyPr/>
+                    <a:lstStyle/>
+                    <a:p>
+                      <a:pPr algn="ctr" latinLnBrk="1"/>
+                      <a:endParaRPr lang="en-US" altLang="ko-KR" dirty="0"/>
+                    </a:p>
+                    <a:p>
+                      <a:pPr algn="ctr" latinLnBrk="1"/>
+                      <a:r>
+                        <a:rPr lang="en-US" altLang="ko-KR" dirty="0"/>
+                        <a:t>6</a:t>
+                      </a:r>
+                      <a:r>
+                        <a:rPr lang="ko-KR" altLang="en-US" dirty="0"/>
+                        <a:t>주차</a:t>
+                      </a:r>
+                    </a:p>
+                  </a:txBody>
+                  <a:tcPr/>
+                </a:tc>
+                <a:tc vMerge="1">
+                  <a:txBody>
+                    <a:bodyPr/>
+                    <a:lstStyle/>
+                    <a:p>
+                      <a:pPr algn="ctr" latinLnBrk="1"/>
+                      <a:endParaRPr lang="ko-KR" altLang="en-US" sz="1400" dirty="0"/>
+                    </a:p>
+                  </a:txBody>
+                  <a:tcPr/>
+                </a:tc>
+                <a:tc vMerge="1">
+                  <a:txBody>
+                    <a:bodyPr/>
+                    <a:lstStyle/>
+                    <a:p>
+                      <a:pPr algn="ctr" latinLnBrk="1"/>
+                      <a:endParaRPr lang="ko-KR" altLang="en-US" sz="1400" dirty="0"/>
+                    </a:p>
+                  </a:txBody>
+                  <a:tcPr/>
+                </a:tc>
+                <a:extLst>
+                  <a:ext uri="{0D108BD9-81ED-4DB2-BD59-A6C34878D82A}">
+                    <a16:rowId xmlns:a16="http://schemas.microsoft.com/office/drawing/2014/main" val="4092310206"/>
+                  </a:ext>
+                </a:extLst>
+              </a:tr>
+              <a:tr h="748247">
+                <a:tc>
+                  <a:txBody>
+                    <a:bodyPr/>
+                    <a:lstStyle/>
+                    <a:p>
+                      <a:pPr algn="ctr" latinLnBrk="1"/>
+                      <a:endParaRPr lang="en-US" altLang="ko-KR" dirty="0"/>
+                    </a:p>
+                    <a:p>
+                      <a:pPr algn="ctr" latinLnBrk="1"/>
+                      <a:r>
+                        <a:rPr lang="en-US" altLang="ko-KR" dirty="0"/>
+                        <a:t>7</a:t>
+                      </a:r>
+                      <a:r>
+                        <a:rPr lang="ko-KR" altLang="en-US" dirty="0"/>
+                        <a:t>주차</a:t>
+                      </a:r>
+                    </a:p>
+                  </a:txBody>
+                  <a:tcPr/>
+                </a:tc>
+                <a:tc>
+                  <a:txBody>
+                    <a:bodyPr/>
+                    <a:lstStyle/>
+                    <a:p>
+                      <a:pPr algn="ctr" latinLnBrk="1"/>
+                      <a:r>
+                        <a:rPr lang="ko-KR" altLang="en-US" sz="1400" dirty="0"/>
+                        <a:t>아군 오브젝트 완성 및 적군 오브젝트 구상</a:t>
+                      </a:r>
+                    </a:p>
+                  </a:txBody>
+                  <a:tcPr/>
+                </a:tc>
+                <a:tc>
+                  <a:txBody>
+                    <a:bodyPr/>
+                    <a:lstStyle/>
+                    <a:p>
+                      <a:pPr marL="342900" indent="-342900" algn="ctr" latinLnBrk="1">
+                        <a:buAutoNum type="arabicPeriod"/>
+                      </a:pPr>
+                      <a:r>
+                        <a:rPr lang="ko-KR" altLang="en-US" sz="1400" dirty="0"/>
+                        <a:t>아군 오브젝트 증대 및 미흡한 부분 추가</a:t>
+                      </a:r>
+                      <a:endParaRPr lang="en-US" altLang="ko-KR" sz="1400" dirty="0"/>
+                    </a:p>
+                    <a:p>
+                      <a:pPr marL="342900" indent="-342900" algn="ctr" latinLnBrk="1">
+                        <a:buAutoNum type="arabicPeriod"/>
+                      </a:pPr>
+                      <a:r>
+                        <a:rPr lang="ko-KR" altLang="en-US" sz="1400" dirty="0"/>
+                        <a:t>적군 오브젝트 추가 및 미흡한 수정 및 추가</a:t>
+                      </a:r>
+                    </a:p>
+                  </a:txBody>
+                  <a:tcPr/>
+                </a:tc>
+                <a:extLst>
+                  <a:ext uri="{0D108BD9-81ED-4DB2-BD59-A6C34878D82A}">
+                    <a16:rowId xmlns:a16="http://schemas.microsoft.com/office/drawing/2014/main" val="1131134885"/>
+                  </a:ext>
+                </a:extLst>
+              </a:tr>
+              <a:tr h="748247">
+                <a:tc>
+                  <a:txBody>
+                    <a:bodyPr/>
+                    <a:lstStyle/>
+                    <a:p>
+                      <a:pPr algn="ctr" latinLnBrk="1"/>
+                      <a:endParaRPr lang="en-US" altLang="ko-KR" dirty="0"/>
+                    </a:p>
+                    <a:p>
+                      <a:pPr algn="ctr" latinLnBrk="1"/>
+                      <a:r>
+                        <a:rPr lang="en-US" altLang="ko-KR" dirty="0"/>
+                        <a:t>8</a:t>
+                      </a:r>
+                      <a:r>
+                        <a:rPr lang="ko-KR" altLang="en-US" dirty="0"/>
+                        <a:t>주차</a:t>
+                      </a:r>
+                    </a:p>
+                  </a:txBody>
+                  <a:tcPr/>
+                </a:tc>
+                <a:tc>
+                  <a:txBody>
+                    <a:bodyPr/>
+                    <a:lstStyle/>
+                    <a:p>
+                      <a:pPr algn="ctr" latinLnBrk="1"/>
+                      <a:r>
+                        <a:rPr lang="ko-KR" altLang="en-US" sz="1400" dirty="0"/>
+                        <a:t>적군 및 파츠 구성</a:t>
+                      </a:r>
+                    </a:p>
+                  </a:txBody>
+                  <a:tcPr/>
+                </a:tc>
+                <a:tc>
+                  <a:txBody>
+                    <a:bodyPr/>
+                    <a:lstStyle/>
+                    <a:p>
+                      <a:pPr marL="342900" indent="-342900" algn="ctr" latinLnBrk="1">
+                        <a:buAutoNum type="arabicPeriod"/>
+                      </a:pPr>
+                      <a:r>
+                        <a:rPr lang="ko-KR" altLang="en-US" sz="1400" dirty="0"/>
+                        <a:t>파츠 구성 추가 및 밸런스 조정</a:t>
+                      </a:r>
+                      <a:endParaRPr lang="en-US" altLang="ko-KR" sz="1400" dirty="0"/>
+                    </a:p>
+                    <a:p>
+                      <a:pPr marL="342900" indent="-342900" algn="ctr" latinLnBrk="1">
+                        <a:buAutoNum type="arabicPeriod"/>
+                      </a:pPr>
+                      <a:r>
+                        <a:rPr lang="ko-KR" altLang="en-US" sz="1400" dirty="0"/>
+                        <a:t>적군 밸런스 조정 및 </a:t>
+                      </a:r>
+                      <a:r>
+                        <a:rPr lang="en-US" altLang="ko-KR" sz="1400" dirty="0"/>
+                        <a:t>AI</a:t>
+                      </a:r>
+                      <a:r>
+                        <a:rPr lang="ko-KR" altLang="en-US" sz="1400" dirty="0"/>
+                        <a:t>향상</a:t>
+                      </a:r>
+                    </a:p>
+                  </a:txBody>
+                  <a:tcPr/>
+                </a:tc>
+                <a:extLst>
+                  <a:ext uri="{0D108BD9-81ED-4DB2-BD59-A6C34878D82A}">
+                    <a16:rowId xmlns:a16="http://schemas.microsoft.com/office/drawing/2014/main" val="2666822459"/>
+                  </a:ext>
+                </a:extLst>
+              </a:tr>
+              <a:tr h="748247">
+                <a:tc>
+                  <a:txBody>
+                    <a:bodyPr/>
+                    <a:lstStyle/>
+                    <a:p>
+                      <a:pPr algn="ctr" latinLnBrk="1"/>
+                      <a:endParaRPr lang="en-US" altLang="ko-KR" dirty="0"/>
+                    </a:p>
+                    <a:p>
+                      <a:pPr algn="ctr" latinLnBrk="1"/>
+                      <a:r>
+                        <a:rPr lang="en-US" altLang="ko-KR" dirty="0"/>
+                        <a:t>9</a:t>
+                      </a:r>
+                      <a:r>
+                        <a:rPr lang="ko-KR" altLang="en-US" dirty="0"/>
+                        <a:t>주차</a:t>
+                      </a:r>
+                    </a:p>
+                  </a:txBody>
+                  <a:tcPr/>
+                </a:tc>
+                <a:tc>
+                  <a:txBody>
+                    <a:bodyPr/>
+                    <a:lstStyle/>
+                    <a:p>
+                      <a:pPr algn="ctr" latinLnBrk="1"/>
+                      <a:r>
+                        <a:rPr lang="ko-KR" altLang="en-US" sz="1400" dirty="0"/>
+                        <a:t>사운드 추가 및 리소스 추가</a:t>
+                      </a:r>
+                    </a:p>
+                  </a:txBody>
+                  <a:tcPr/>
+                </a:tc>
+                <a:tc>
+                  <a:txBody>
+                    <a:bodyPr/>
+                    <a:lstStyle/>
+                    <a:p>
+                      <a:pPr marL="342900" indent="-342900" algn="ctr" latinLnBrk="1">
+                        <a:buAutoNum type="arabicPeriod"/>
+                      </a:pPr>
+                      <a:r>
+                        <a:rPr lang="ko-KR" altLang="en-US" sz="1400" dirty="0"/>
+                        <a:t>사운드 추가 및 미흡한 점 수정</a:t>
+                      </a:r>
+                      <a:endParaRPr lang="en-US" altLang="ko-KR" sz="1400" dirty="0"/>
+                    </a:p>
+                    <a:p>
+                      <a:pPr marL="342900" indent="-342900" algn="ctr" latinLnBrk="1">
+                        <a:buAutoNum type="arabicPeriod"/>
+                      </a:pPr>
+                      <a:r>
+                        <a:rPr lang="ko-KR" altLang="en-US" sz="1400" dirty="0"/>
+                        <a:t>리소스 수정 및 보완</a:t>
+                      </a:r>
+                      <a:endParaRPr lang="en-US" altLang="ko-KR" sz="1400" dirty="0"/>
+                    </a:p>
+                    <a:p>
+                      <a:pPr marL="342900" indent="-342900" algn="ctr" latinLnBrk="1">
+                        <a:buAutoNum type="arabicPeriod"/>
+                      </a:pPr>
+                      <a:r>
+                        <a:rPr lang="ko-KR" altLang="en-US" sz="1400" dirty="0"/>
+                        <a:t>전체적인 완성도 올리기</a:t>
+                      </a:r>
+                    </a:p>
+                  </a:txBody>
+                  <a:tcPr/>
+                </a:tc>
+                <a:extLst>
+                  <a:ext uri="{0D108BD9-81ED-4DB2-BD59-A6C34878D82A}">
+                    <a16:rowId xmlns:a16="http://schemas.microsoft.com/office/drawing/2014/main" val="1576682330"/>
+                  </a:ext>
+                </a:extLst>
+              </a:tr>
+            </a:tbl>
+          </a:graphicData>
+        </a:graphic>
+      </p:graphicFrame>
+    </p:spTree>
+    <p:extLst>
+      <p:ext uri="{BB962C8B-B14F-4D97-AF65-F5344CB8AC3E}">
+        <p14:creationId xmlns:p14="http://schemas.microsoft.com/office/powerpoint/2010/main" val="1916104561"/>
+      </p:ext>
+    </p:extLst>
+  </p:cSld>
+  <p:clrMapOvr>
+    <a:masterClrMapping/>
+  </p:clrMapOvr>
+</p:sld>
+</file>
+
+<file path=ppt/slides/slide11.xml><?xml version="1.0" encoding="utf-8"?>
+<p:sld xmlns:a="http://schemas.openxmlformats.org/drawingml/2006/main" xmlns:r="http://schemas.openxmlformats.org/officeDocument/2006/relationships" xmlns:p="http://schemas.openxmlformats.org/presentationml/2006/main">
+  <p:cSld>
+    <p:spTree>
+      <p:nvGrpSpPr>
+        <p:cNvPr id="1" name=""/>
+        <p:cNvGrpSpPr/>
+        <p:nvPr/>
+      </p:nvGrpSpPr>
+      <p:grpSpPr>
+        <a:xfrm>
+          <a:off x="0" y="0"/>
+          <a:ext cx="0" cy="0"/>
+          <a:chOff x="0" y="0"/>
+          <a:chExt cx="0" cy="0"/>
+        </a:xfrm>
+      </p:grpSpPr>
+      <p:sp>
+        <p:nvSpPr>
+          <p:cNvPr id="4" name="TextBox 3">
+            <a:extLst>
+              <a:ext uri="{FF2B5EF4-FFF2-40B4-BE49-F238E27FC236}">
+                <a16:creationId xmlns:a16="http://schemas.microsoft.com/office/drawing/2014/main" id="{438C94A5-204F-45B0-ADC6-766E247B8053}"/>
+              </a:ext>
+            </a:extLst>
+          </p:cNvPr>
+          <p:cNvSpPr txBox="1"/>
+          <p:nvPr/>
+        </p:nvSpPr>
+        <p:spPr>
+          <a:xfrm>
+            <a:off x="0" y="0"/>
+            <a:ext cx="5065295" cy="6740307"/>
+          </a:xfrm>
+          <a:prstGeom prst="rect">
+            <a:avLst/>
+          </a:prstGeom>
+          <a:noFill/>
+        </p:spPr>
+        <p:txBody>
+          <a:bodyPr wrap="square" rtlCol="0">
+            <a:spAutoFit/>
+          </a:bodyPr>
+          <a:lstStyle/>
+          <a:p>
+            <a:r>
+              <a:rPr lang="en-US" altLang="ko-KR" dirty="0"/>
+              <a:t>==1</a:t>
+            </a:r>
+            <a:r>
+              <a:rPr lang="ko-KR" altLang="en-US" dirty="0"/>
+              <a:t>주차</a:t>
+            </a:r>
+          </a:p>
+          <a:p>
+            <a:r>
+              <a:rPr lang="ko-KR" altLang="en-US" dirty="0"/>
+              <a:t>폴더구성		</a:t>
+            </a:r>
+            <a:r>
+              <a:rPr lang="en-US" altLang="ko-KR" dirty="0"/>
+              <a:t>0	</a:t>
+            </a:r>
+          </a:p>
+          <a:p>
+            <a:r>
+              <a:rPr lang="ko-KR" altLang="en-US" dirty="0"/>
+              <a:t>기본 아군 클래스 구상	</a:t>
+            </a:r>
+            <a:r>
+              <a:rPr lang="en-US" altLang="ko-KR" dirty="0"/>
+              <a:t>o</a:t>
+            </a:r>
+          </a:p>
+          <a:p>
+            <a:r>
+              <a:rPr lang="ko-KR" altLang="en-US" dirty="0"/>
+              <a:t>전체 흐름 구상	</a:t>
+            </a:r>
+            <a:r>
+              <a:rPr lang="en-US" altLang="ko-KR" dirty="0"/>
+              <a:t>o</a:t>
+            </a:r>
+          </a:p>
+          <a:p>
+            <a:r>
+              <a:rPr lang="ko-KR" altLang="en-US" dirty="0"/>
+              <a:t>개발용 리소스 생성	</a:t>
+            </a:r>
+            <a:r>
+              <a:rPr lang="en-US" altLang="ko-KR" dirty="0"/>
+              <a:t>x</a:t>
+            </a:r>
+          </a:p>
+          <a:p>
+            <a:r>
+              <a:rPr lang="en-US" altLang="ko-KR" dirty="0"/>
+              <a:t>==2</a:t>
+            </a:r>
+            <a:r>
+              <a:rPr lang="ko-KR" altLang="en-US" dirty="0"/>
+              <a:t>주차</a:t>
+            </a:r>
+            <a:r>
+              <a:rPr lang="en-US" altLang="ko-KR" dirty="0"/>
+              <a:t>---</a:t>
+            </a:r>
+            <a:r>
+              <a:rPr lang="ko-KR" altLang="en-US" dirty="0"/>
+              <a:t>시험주차</a:t>
+            </a:r>
+            <a:r>
+              <a:rPr lang="en-US" altLang="ko-KR" dirty="0"/>
+              <a:t>---</a:t>
+            </a:r>
+          </a:p>
+          <a:p>
+            <a:r>
+              <a:rPr lang="ko-KR" altLang="en-US" dirty="0"/>
+              <a:t>기본 적군 클래스 구상 </a:t>
+            </a:r>
+            <a:r>
+              <a:rPr lang="en-US" altLang="ko-KR" dirty="0"/>
+              <a:t>O</a:t>
+            </a:r>
+          </a:p>
+          <a:p>
+            <a:r>
+              <a:rPr lang="ko-KR" altLang="en-US" dirty="0"/>
+              <a:t>기본 아군 클래스 생성 </a:t>
+            </a:r>
+            <a:r>
+              <a:rPr lang="en-US" altLang="ko-KR" dirty="0"/>
+              <a:t>X</a:t>
+            </a:r>
+          </a:p>
+          <a:p>
+            <a:r>
+              <a:rPr lang="ko-KR" altLang="en-US" dirty="0"/>
+              <a:t>기본 적군 클래스 생성 </a:t>
+            </a:r>
+            <a:r>
+              <a:rPr lang="en-US" altLang="ko-KR" dirty="0"/>
+              <a:t>X</a:t>
+            </a:r>
+          </a:p>
+          <a:p>
+            <a:r>
+              <a:rPr lang="ko-KR" altLang="en-US" dirty="0"/>
+              <a:t>추가적으로 </a:t>
+            </a:r>
+            <a:r>
+              <a:rPr lang="en-US" altLang="ko-KR" dirty="0" err="1"/>
+              <a:t>openCV</a:t>
+            </a:r>
+            <a:r>
+              <a:rPr lang="ko-KR" altLang="en-US" dirty="0"/>
+              <a:t>를 통한 </a:t>
+            </a:r>
+            <a:r>
+              <a:rPr lang="ko-KR" altLang="en-US" dirty="0" err="1"/>
+              <a:t>로테이트를</a:t>
+            </a:r>
+            <a:r>
+              <a:rPr lang="ko-KR" altLang="en-US" dirty="0"/>
+              <a:t> 구현하기 위한 </a:t>
+            </a:r>
+            <a:r>
+              <a:rPr lang="en-US" altLang="ko-KR" dirty="0"/>
+              <a:t>- SDL</a:t>
+            </a:r>
+            <a:r>
+              <a:rPr lang="ko-KR" altLang="en-US" dirty="0"/>
+              <a:t>로 변경 </a:t>
+            </a:r>
+            <a:r>
+              <a:rPr lang="en-US" altLang="ko-KR" dirty="0"/>
+              <a:t>- composite </a:t>
+            </a:r>
+            <a:r>
+              <a:rPr lang="ko-KR" altLang="en-US" dirty="0"/>
+              <a:t>함수로 해결</a:t>
+            </a:r>
+            <a:r>
+              <a:rPr lang="en-US" altLang="ko-KR" dirty="0"/>
+              <a:t>!</a:t>
+            </a:r>
+          </a:p>
+          <a:p>
+            <a:r>
+              <a:rPr lang="en-US" altLang="ko-KR" dirty="0"/>
+              <a:t>==3</a:t>
+            </a:r>
+            <a:r>
+              <a:rPr lang="ko-KR" altLang="en-US" dirty="0"/>
+              <a:t>주차 </a:t>
+            </a:r>
+            <a:r>
+              <a:rPr lang="en-US" altLang="ko-KR" dirty="0"/>
+              <a:t>: public 2</a:t>
+            </a:r>
+            <a:r>
+              <a:rPr lang="ko-KR" altLang="en-US" dirty="0"/>
+              <a:t>주차 </a:t>
+            </a:r>
+            <a:r>
+              <a:rPr lang="en-US" altLang="ko-KR" dirty="0"/>
+              <a:t>--</a:t>
+            </a:r>
+            <a:r>
+              <a:rPr lang="ko-KR" altLang="en-US" dirty="0"/>
+              <a:t>예비군</a:t>
+            </a:r>
+            <a:r>
+              <a:rPr lang="en-US" altLang="ko-KR" dirty="0"/>
+              <a:t>....--</a:t>
+            </a:r>
+          </a:p>
+          <a:p>
+            <a:r>
+              <a:rPr lang="ko-KR" altLang="en-US" dirty="0"/>
+              <a:t>기본 움직임 함수 구상 </a:t>
+            </a:r>
+            <a:r>
+              <a:rPr lang="en-US" altLang="ko-KR" dirty="0"/>
+              <a:t>- </a:t>
+            </a:r>
+            <a:r>
+              <a:rPr lang="ko-KR" altLang="en-US" dirty="0"/>
+              <a:t>주말에 예정</a:t>
+            </a:r>
+          </a:p>
+          <a:p>
+            <a:r>
+              <a:rPr lang="ko-KR" altLang="en-US" dirty="0"/>
+              <a:t>기본 움직임 함수 테스트 </a:t>
+            </a:r>
+            <a:r>
+              <a:rPr lang="en-US" altLang="ko-KR" dirty="0"/>
+              <a:t>- </a:t>
+            </a:r>
+            <a:r>
+              <a:rPr lang="ko-KR" altLang="en-US" dirty="0"/>
+              <a:t>주말에 예정</a:t>
+            </a:r>
+          </a:p>
+          <a:p>
+            <a:r>
+              <a:rPr lang="ko-KR" altLang="en-US" dirty="0"/>
+              <a:t>아군캐릭터 테스트 </a:t>
+            </a:r>
+            <a:r>
+              <a:rPr lang="en-US" altLang="ko-KR" dirty="0"/>
+              <a:t>- </a:t>
+            </a:r>
+            <a:r>
+              <a:rPr lang="ko-KR" altLang="en-US" dirty="0"/>
+              <a:t>주말에 예정</a:t>
+            </a:r>
+          </a:p>
+          <a:p>
+            <a:r>
+              <a:rPr lang="ko-KR" altLang="en-US" dirty="0"/>
+              <a:t>스테이지 분류 </a:t>
+            </a:r>
+            <a:r>
+              <a:rPr lang="en-US" altLang="ko-KR" dirty="0"/>
+              <a:t>- </a:t>
+            </a:r>
+            <a:r>
+              <a:rPr lang="ko-KR" altLang="en-US" dirty="0"/>
+              <a:t>테스트</a:t>
+            </a:r>
+          </a:p>
+          <a:p>
+            <a:r>
+              <a:rPr lang="ko-KR" altLang="en-US" dirty="0"/>
+              <a:t>적군 리소스 분류 </a:t>
+            </a:r>
+            <a:r>
+              <a:rPr lang="en-US" altLang="ko-KR" dirty="0"/>
+              <a:t>x </a:t>
+            </a:r>
+          </a:p>
+          <a:p>
+            <a:r>
+              <a:rPr lang="ko-KR" altLang="en-US" dirty="0"/>
+              <a:t>클래스 상속에 대한 공부</a:t>
+            </a:r>
+          </a:p>
+          <a:p>
+            <a:r>
+              <a:rPr lang="en-US" altLang="ko-KR" dirty="0"/>
+              <a:t>==4</a:t>
+            </a:r>
+            <a:r>
+              <a:rPr lang="ko-KR" altLang="en-US" dirty="0"/>
+              <a:t>주차</a:t>
+            </a:r>
+          </a:p>
+          <a:p>
+            <a:r>
+              <a:rPr lang="ko-KR" altLang="en-US" dirty="0"/>
+              <a:t>스테이지 클래스 생성</a:t>
+            </a:r>
+          </a:p>
+          <a:p>
+            <a:r>
+              <a:rPr lang="ko-KR" altLang="en-US" dirty="0"/>
+              <a:t>기본 테스트</a:t>
+            </a:r>
+          </a:p>
+          <a:p>
+            <a:r>
+              <a:rPr lang="ko-KR" altLang="en-US" dirty="0"/>
+              <a:t>엄폐물 구상</a:t>
+            </a:r>
+          </a:p>
+          <a:p>
+            <a:r>
+              <a:rPr lang="ko-KR" altLang="en-US" dirty="0"/>
+              <a:t>기초적인 스테이지 리소스 생성</a:t>
+            </a:r>
+          </a:p>
+          <a:p>
+            <a:endParaRPr lang="ko-KR" altLang="en-US" dirty="0"/>
+          </a:p>
+        </p:txBody>
+      </p:sp>
+      <p:sp>
+        <p:nvSpPr>
+          <p:cNvPr id="5" name="TextBox 4">
+            <a:extLst>
+              <a:ext uri="{FF2B5EF4-FFF2-40B4-BE49-F238E27FC236}">
+                <a16:creationId xmlns:a16="http://schemas.microsoft.com/office/drawing/2014/main" id="{85E43504-895C-4D8B-8222-FBAAE18800A7}"/>
+              </a:ext>
+            </a:extLst>
+          </p:cNvPr>
+          <p:cNvSpPr txBox="1"/>
+          <p:nvPr/>
+        </p:nvSpPr>
+        <p:spPr>
+          <a:xfrm>
+            <a:off x="5065295" y="-20806"/>
+            <a:ext cx="7126705" cy="7294305"/>
+          </a:xfrm>
+          <a:prstGeom prst="rect">
+            <a:avLst/>
+          </a:prstGeom>
+          <a:noFill/>
+        </p:spPr>
+        <p:txBody>
+          <a:bodyPr wrap="square" rtlCol="0">
+            <a:spAutoFit/>
+          </a:bodyPr>
+          <a:lstStyle/>
+          <a:p>
+            <a:r>
+              <a:rPr lang="en-US" altLang="ko-KR" dirty="0"/>
+              <a:t>==5</a:t>
+            </a:r>
+            <a:r>
+              <a:rPr lang="ko-KR" altLang="en-US" dirty="0"/>
+              <a:t>주차</a:t>
+            </a:r>
+          </a:p>
+          <a:p>
+            <a:r>
+              <a:rPr lang="ko-KR" altLang="en-US" dirty="0"/>
+              <a:t>보강 아군 캐릭터 리소스 생성</a:t>
+            </a:r>
+          </a:p>
+          <a:p>
+            <a:r>
+              <a:rPr lang="ko-KR" altLang="en-US" dirty="0"/>
+              <a:t>보강 적군 리소스들 생성</a:t>
+            </a:r>
+          </a:p>
+          <a:p>
+            <a:r>
+              <a:rPr lang="ko-KR" altLang="en-US" dirty="0"/>
+              <a:t>이펙트 함수 생성</a:t>
+            </a:r>
+          </a:p>
+          <a:p>
+            <a:r>
+              <a:rPr lang="en-US" altLang="ko-KR" dirty="0"/>
+              <a:t>==6</a:t>
+            </a:r>
+            <a:r>
+              <a:rPr lang="ko-KR" altLang="en-US" dirty="0"/>
+              <a:t>주차</a:t>
+            </a:r>
+          </a:p>
+          <a:p>
+            <a:r>
+              <a:rPr lang="ko-KR" altLang="en-US" dirty="0"/>
+              <a:t>스테이지 생성</a:t>
+            </a:r>
+          </a:p>
+          <a:p>
+            <a:r>
+              <a:rPr lang="ko-KR" altLang="en-US" dirty="0"/>
+              <a:t>공격 추가</a:t>
+            </a:r>
+          </a:p>
+          <a:p>
+            <a:r>
+              <a:rPr lang="ko-KR" altLang="en-US" dirty="0"/>
+              <a:t>무기 추가</a:t>
+            </a:r>
+          </a:p>
+          <a:p>
+            <a:r>
+              <a:rPr lang="ko-KR" altLang="en-US" dirty="0"/>
+              <a:t>아군캐릭터 보강</a:t>
+            </a:r>
+          </a:p>
+          <a:p>
+            <a:r>
+              <a:rPr lang="ko-KR" altLang="en-US" dirty="0"/>
+              <a:t>적군캐릭터 보강</a:t>
+            </a:r>
+          </a:p>
+          <a:p>
+            <a:r>
+              <a:rPr lang="ko-KR" altLang="en-US" dirty="0"/>
+              <a:t>함수 재 테스트</a:t>
+            </a:r>
+          </a:p>
+          <a:p>
+            <a:r>
+              <a:rPr lang="en-US" altLang="ko-KR" dirty="0"/>
+              <a:t>==7</a:t>
+            </a:r>
+            <a:r>
+              <a:rPr lang="ko-KR" altLang="en-US" dirty="0"/>
+              <a:t>주차</a:t>
+            </a:r>
+          </a:p>
+          <a:p>
+            <a:r>
+              <a:rPr lang="ko-KR" altLang="en-US" dirty="0"/>
+              <a:t>아군 클래스 심화</a:t>
+            </a:r>
+          </a:p>
+          <a:p>
+            <a:r>
+              <a:rPr lang="ko-KR" altLang="en-US" dirty="0"/>
+              <a:t>아군 클래스 보강</a:t>
+            </a:r>
+          </a:p>
+          <a:p>
+            <a:r>
+              <a:rPr lang="ko-KR" altLang="en-US" dirty="0"/>
+              <a:t>적군 클래스 심화</a:t>
+            </a:r>
+          </a:p>
+          <a:p>
+            <a:r>
+              <a:rPr lang="ko-KR" altLang="en-US" dirty="0"/>
+              <a:t>적군 클래스 보강</a:t>
+            </a:r>
+          </a:p>
+          <a:p>
+            <a:r>
+              <a:rPr lang="en-US" altLang="ko-KR" dirty="0"/>
+              <a:t>==8</a:t>
+            </a:r>
+            <a:r>
+              <a:rPr lang="ko-KR" altLang="en-US" dirty="0"/>
+              <a:t>주차</a:t>
+            </a:r>
+          </a:p>
+          <a:p>
+            <a:r>
+              <a:rPr lang="ko-KR" altLang="en-US" dirty="0"/>
+              <a:t>파츠 클래스 구상</a:t>
+            </a:r>
+          </a:p>
+          <a:p>
+            <a:r>
+              <a:rPr lang="ko-KR" altLang="en-US" dirty="0" err="1"/>
+              <a:t>파츠클래스</a:t>
+            </a:r>
+            <a:r>
+              <a:rPr lang="ko-KR" altLang="en-US" dirty="0"/>
+              <a:t> 생성</a:t>
+            </a:r>
+          </a:p>
+          <a:p>
+            <a:r>
+              <a:rPr lang="en-US" altLang="ko-KR" dirty="0"/>
+              <a:t>AI</a:t>
+            </a:r>
+            <a:r>
+              <a:rPr lang="ko-KR" altLang="en-US" dirty="0"/>
+              <a:t>함수 추가</a:t>
+            </a:r>
+          </a:p>
+          <a:p>
+            <a:r>
+              <a:rPr lang="ko-KR" altLang="en-US" dirty="0"/>
+              <a:t>밸런스 조정</a:t>
+            </a:r>
+          </a:p>
+          <a:p>
+            <a:r>
+              <a:rPr lang="en-US" altLang="ko-KR" dirty="0"/>
+              <a:t>==9</a:t>
+            </a:r>
+            <a:r>
+              <a:rPr lang="ko-KR" altLang="en-US" dirty="0"/>
+              <a:t>주차</a:t>
+            </a:r>
+          </a:p>
+          <a:p>
+            <a:r>
+              <a:rPr lang="ko-KR" altLang="en-US" dirty="0"/>
+              <a:t>사운드 리소스 수집</a:t>
+            </a:r>
+          </a:p>
+          <a:p>
+            <a:r>
+              <a:rPr lang="ko-KR" altLang="en-US" dirty="0"/>
+              <a:t>사운드 리소스 추가</a:t>
+            </a:r>
+          </a:p>
+          <a:p>
+            <a:r>
+              <a:rPr lang="ko-KR" altLang="en-US" dirty="0"/>
+              <a:t>완성도 개선</a:t>
+            </a:r>
+          </a:p>
+          <a:p>
+            <a:endParaRPr lang="ko-KR" altLang="en-US" dirty="0"/>
+          </a:p>
+        </p:txBody>
+      </p:sp>
+    </p:spTree>
+    <p:extLst>
+      <p:ext uri="{BB962C8B-B14F-4D97-AF65-F5344CB8AC3E}">
+        <p14:creationId xmlns:p14="http://schemas.microsoft.com/office/powerpoint/2010/main" val="4180705532"/>
       </p:ext>
     </p:extLst>
   </p:cSld>
@@ -19135,6 +20529,3095 @@
           <a:chExt cx="0" cy="0"/>
         </a:xfrm>
       </p:grpSpPr>
+      <p:sp>
+        <p:nvSpPr>
+          <p:cNvPr id="23" name="TextBox 22">
+            <a:extLst>
+              <a:ext uri="{FF2B5EF4-FFF2-40B4-BE49-F238E27FC236}">
+                <a16:creationId xmlns:a16="http://schemas.microsoft.com/office/drawing/2014/main" id="{13CA28C3-F8D9-4CBD-BB84-3F25B8FB6F73}"/>
+              </a:ext>
+            </a:extLst>
+          </p:cNvPr>
+          <p:cNvSpPr txBox="1"/>
+          <p:nvPr/>
+        </p:nvSpPr>
+        <p:spPr>
+          <a:xfrm>
+            <a:off x="-296789" y="1322638"/>
+            <a:ext cx="2634916" cy="707886"/>
+          </a:xfrm>
+          <a:prstGeom prst="rect">
+            <a:avLst/>
+          </a:prstGeom>
+          <a:noFill/>
+        </p:spPr>
+        <p:txBody>
+          <a:bodyPr wrap="square" rtlCol="0">
+            <a:spAutoFit/>
+          </a:bodyPr>
+          <a:lstStyle/>
+          <a:p>
+            <a:pPr algn="ctr"/>
+            <a:r>
+              <a:rPr lang="en-US" altLang="ko-KR" sz="4000" dirty="0"/>
+              <a:t>Scenes :</a:t>
+            </a:r>
+            <a:endParaRPr lang="ko-KR" altLang="en-US" sz="4000" dirty="0"/>
+          </a:p>
+        </p:txBody>
+      </p:sp>
+      <p:sp>
+        <p:nvSpPr>
+          <p:cNvPr id="25" name="TextBox 24">
+            <a:extLst>
+              <a:ext uri="{FF2B5EF4-FFF2-40B4-BE49-F238E27FC236}">
+                <a16:creationId xmlns:a16="http://schemas.microsoft.com/office/drawing/2014/main" id="{3FAF379E-B431-43E4-B4FB-EFEC29B8AEA1}"/>
+              </a:ext>
+            </a:extLst>
+          </p:cNvPr>
+          <p:cNvSpPr txBox="1"/>
+          <p:nvPr/>
+        </p:nvSpPr>
+        <p:spPr>
+          <a:xfrm>
+            <a:off x="2095503" y="1461268"/>
+            <a:ext cx="956511" cy="523220"/>
+          </a:xfrm>
+          <a:prstGeom prst="rect">
+            <a:avLst/>
+          </a:prstGeom>
+          <a:noFill/>
+          <a:ln w="38100">
+            <a:solidFill>
+              <a:schemeClr val="tx1"/>
+            </a:solidFill>
+          </a:ln>
+        </p:spPr>
+        <p:txBody>
+          <a:bodyPr wrap="square" rtlCol="0">
+            <a:spAutoFit/>
+          </a:bodyPr>
+          <a:lstStyle/>
+          <a:p>
+            <a:r>
+              <a:rPr lang="ko-KR" altLang="en-US" sz="2800"/>
+              <a:t>로고</a:t>
+            </a:r>
+            <a:endParaRPr lang="ko-KR" altLang="en-US" sz="2800" dirty="0"/>
+          </a:p>
+        </p:txBody>
+      </p:sp>
+      <p:sp>
+        <p:nvSpPr>
+          <p:cNvPr id="26" name="TextBox 25">
+            <a:extLst>
+              <a:ext uri="{FF2B5EF4-FFF2-40B4-BE49-F238E27FC236}">
+                <a16:creationId xmlns:a16="http://schemas.microsoft.com/office/drawing/2014/main" id="{63C83004-5D96-4800-BB14-35428D1CD6DE}"/>
+              </a:ext>
+            </a:extLst>
+          </p:cNvPr>
+          <p:cNvSpPr txBox="1"/>
+          <p:nvPr/>
+        </p:nvSpPr>
+        <p:spPr>
+          <a:xfrm>
+            <a:off x="3272590" y="1444796"/>
+            <a:ext cx="956511" cy="523220"/>
+          </a:xfrm>
+          <a:prstGeom prst="rect">
+            <a:avLst/>
+          </a:prstGeom>
+          <a:noFill/>
+          <a:ln w="38100">
+            <a:solidFill>
+              <a:schemeClr val="tx1"/>
+            </a:solidFill>
+          </a:ln>
+        </p:spPr>
+        <p:txBody>
+          <a:bodyPr wrap="square" rtlCol="0">
+            <a:spAutoFit/>
+          </a:bodyPr>
+          <a:lstStyle/>
+          <a:p>
+            <a:r>
+              <a:rPr lang="ko-KR" altLang="en-US" sz="2800"/>
+              <a:t>로딩</a:t>
+            </a:r>
+            <a:endParaRPr lang="ko-KR" altLang="en-US" sz="2800" dirty="0"/>
+          </a:p>
+        </p:txBody>
+      </p:sp>
+      <p:sp>
+        <p:nvSpPr>
+          <p:cNvPr id="27" name="TextBox 26">
+            <a:extLst>
+              <a:ext uri="{FF2B5EF4-FFF2-40B4-BE49-F238E27FC236}">
+                <a16:creationId xmlns:a16="http://schemas.microsoft.com/office/drawing/2014/main" id="{07F09809-8E82-4726-8029-20F5F9D53AD5}"/>
+              </a:ext>
+            </a:extLst>
+          </p:cNvPr>
+          <p:cNvSpPr txBox="1"/>
+          <p:nvPr/>
+        </p:nvSpPr>
+        <p:spPr>
+          <a:xfrm>
+            <a:off x="4449677" y="1461268"/>
+            <a:ext cx="956511" cy="523220"/>
+          </a:xfrm>
+          <a:prstGeom prst="rect">
+            <a:avLst/>
+          </a:prstGeom>
+          <a:noFill/>
+          <a:ln w="38100">
+            <a:solidFill>
+              <a:schemeClr val="tx1"/>
+            </a:solidFill>
+          </a:ln>
+        </p:spPr>
+        <p:txBody>
+          <a:bodyPr wrap="square" rtlCol="0">
+            <a:spAutoFit/>
+          </a:bodyPr>
+          <a:lstStyle/>
+          <a:p>
+            <a:r>
+              <a:rPr lang="ko-KR" altLang="en-US" sz="2800" dirty="0"/>
+              <a:t>메인</a:t>
+            </a:r>
+          </a:p>
+        </p:txBody>
+      </p:sp>
+      <p:sp>
+        <p:nvSpPr>
+          <p:cNvPr id="29" name="TextBox 28">
+            <a:extLst>
+              <a:ext uri="{FF2B5EF4-FFF2-40B4-BE49-F238E27FC236}">
+                <a16:creationId xmlns:a16="http://schemas.microsoft.com/office/drawing/2014/main" id="{2D979012-2C0C-4270-A3F4-6035EC6DD2DC}"/>
+              </a:ext>
+            </a:extLst>
+          </p:cNvPr>
+          <p:cNvSpPr txBox="1"/>
+          <p:nvPr/>
+        </p:nvSpPr>
+        <p:spPr>
+          <a:xfrm>
+            <a:off x="5625323" y="1454506"/>
+            <a:ext cx="1649308" cy="523220"/>
+          </a:xfrm>
+          <a:prstGeom prst="rect">
+            <a:avLst/>
+          </a:prstGeom>
+          <a:noFill/>
+          <a:ln w="38100">
+            <a:solidFill>
+              <a:schemeClr val="tx1"/>
+            </a:solidFill>
+          </a:ln>
+        </p:spPr>
+        <p:txBody>
+          <a:bodyPr wrap="square" rtlCol="0">
+            <a:spAutoFit/>
+          </a:bodyPr>
+          <a:lstStyle/>
+          <a:p>
+            <a:r>
+              <a:rPr lang="ko-KR" altLang="en-US" sz="2800" dirty="0"/>
+              <a:t>스테이지</a:t>
+            </a:r>
+          </a:p>
+        </p:txBody>
+      </p:sp>
+      <p:sp>
+        <p:nvSpPr>
+          <p:cNvPr id="30" name="TextBox 29">
+            <a:extLst>
+              <a:ext uri="{FF2B5EF4-FFF2-40B4-BE49-F238E27FC236}">
+                <a16:creationId xmlns:a16="http://schemas.microsoft.com/office/drawing/2014/main" id="{FFE4FFEE-B414-4D34-B0AC-21E67D233820}"/>
+              </a:ext>
+            </a:extLst>
+          </p:cNvPr>
+          <p:cNvSpPr txBox="1"/>
+          <p:nvPr/>
+        </p:nvSpPr>
+        <p:spPr>
+          <a:xfrm>
+            <a:off x="7493766" y="1444796"/>
+            <a:ext cx="1660358" cy="523220"/>
+          </a:xfrm>
+          <a:prstGeom prst="rect">
+            <a:avLst/>
+          </a:prstGeom>
+          <a:noFill/>
+          <a:ln w="38100">
+            <a:solidFill>
+              <a:schemeClr val="tx1"/>
+            </a:solidFill>
+          </a:ln>
+        </p:spPr>
+        <p:txBody>
+          <a:bodyPr wrap="square" rtlCol="0">
+            <a:spAutoFit/>
+          </a:bodyPr>
+          <a:lstStyle/>
+          <a:p>
+            <a:r>
+              <a:rPr lang="ko-KR" altLang="en-US" sz="2800"/>
+              <a:t>게임화면</a:t>
+            </a:r>
+            <a:endParaRPr lang="ko-KR" altLang="en-US" sz="2800" dirty="0"/>
+          </a:p>
+        </p:txBody>
+      </p:sp>
+      <p:sp>
+        <p:nvSpPr>
+          <p:cNvPr id="31" name="TextBox 30">
+            <a:extLst>
+              <a:ext uri="{FF2B5EF4-FFF2-40B4-BE49-F238E27FC236}">
+                <a16:creationId xmlns:a16="http://schemas.microsoft.com/office/drawing/2014/main" id="{F0D3B466-B19F-437E-8606-3D65406E7030}"/>
+              </a:ext>
+            </a:extLst>
+          </p:cNvPr>
+          <p:cNvSpPr txBox="1"/>
+          <p:nvPr/>
+        </p:nvSpPr>
+        <p:spPr>
+          <a:xfrm>
+            <a:off x="9431942" y="1446915"/>
+            <a:ext cx="928437" cy="523220"/>
+          </a:xfrm>
+          <a:prstGeom prst="rect">
+            <a:avLst/>
+          </a:prstGeom>
+          <a:noFill/>
+          <a:ln w="38100">
+            <a:solidFill>
+              <a:schemeClr val="tx1"/>
+            </a:solidFill>
+          </a:ln>
+        </p:spPr>
+        <p:txBody>
+          <a:bodyPr wrap="square" rtlCol="0">
+            <a:spAutoFit/>
+          </a:bodyPr>
+          <a:lstStyle/>
+          <a:p>
+            <a:r>
+              <a:rPr lang="ko-KR" altLang="en-US" sz="2800"/>
+              <a:t>설정</a:t>
+            </a:r>
+            <a:endParaRPr lang="ko-KR" altLang="en-US" sz="2800" dirty="0"/>
+          </a:p>
+        </p:txBody>
+      </p:sp>
+      <p:sp>
+        <p:nvSpPr>
+          <p:cNvPr id="33" name="TextBox 32">
+            <a:extLst>
+              <a:ext uri="{FF2B5EF4-FFF2-40B4-BE49-F238E27FC236}">
+                <a16:creationId xmlns:a16="http://schemas.microsoft.com/office/drawing/2014/main" id="{FDCFC359-8E92-453E-9F6B-D6BBAD6C08C6}"/>
+              </a:ext>
+            </a:extLst>
+          </p:cNvPr>
+          <p:cNvSpPr txBox="1"/>
+          <p:nvPr/>
+        </p:nvSpPr>
+        <p:spPr>
+          <a:xfrm>
+            <a:off x="4376749" y="2351782"/>
+            <a:ext cx="1102367" cy="1077218"/>
+          </a:xfrm>
+          <a:prstGeom prst="rect">
+            <a:avLst/>
+          </a:prstGeom>
+          <a:noFill/>
+          <a:ln w="19050">
+            <a:solidFill>
+              <a:schemeClr val="bg2">
+                <a:lumMod val="10000"/>
+              </a:schemeClr>
+            </a:solidFill>
+          </a:ln>
+        </p:spPr>
+        <p:txBody>
+          <a:bodyPr wrap="square" rtlCol="0">
+            <a:spAutoFit/>
+          </a:bodyPr>
+          <a:lstStyle/>
+          <a:p>
+            <a:r>
+              <a:rPr lang="ko-KR" altLang="en-US" sz="1600" dirty="0"/>
+              <a:t>게임시작</a:t>
+            </a:r>
+            <a:endParaRPr lang="en-US" altLang="ko-KR" sz="1600" dirty="0"/>
+          </a:p>
+          <a:p>
+            <a:r>
+              <a:rPr lang="ko-KR" altLang="en-US" sz="1600" dirty="0"/>
+              <a:t>점수확인</a:t>
+            </a:r>
+            <a:endParaRPr lang="en-US" altLang="ko-KR" sz="1600" dirty="0"/>
+          </a:p>
+          <a:p>
+            <a:r>
+              <a:rPr lang="ko-KR" altLang="en-US" sz="1600" dirty="0"/>
+              <a:t>환경설정</a:t>
+            </a:r>
+            <a:endParaRPr lang="en-US" altLang="ko-KR" sz="1600" dirty="0"/>
+          </a:p>
+          <a:p>
+            <a:r>
+              <a:rPr lang="ko-KR" altLang="en-US" sz="1600" dirty="0"/>
+              <a:t>게임종료</a:t>
+            </a:r>
+            <a:endParaRPr lang="ko-KR" altLang="en-US" dirty="0"/>
+          </a:p>
+        </p:txBody>
+      </p:sp>
+      <p:sp>
+        <p:nvSpPr>
+          <p:cNvPr id="34" name="TextBox 33">
+            <a:extLst>
+              <a:ext uri="{FF2B5EF4-FFF2-40B4-BE49-F238E27FC236}">
+                <a16:creationId xmlns:a16="http://schemas.microsoft.com/office/drawing/2014/main" id="{9B2DBFF7-4711-42D9-A016-CA2E4A79BD12}"/>
+              </a:ext>
+            </a:extLst>
+          </p:cNvPr>
+          <p:cNvSpPr txBox="1"/>
+          <p:nvPr/>
+        </p:nvSpPr>
+        <p:spPr>
+          <a:xfrm>
+            <a:off x="0" y="2600288"/>
+            <a:ext cx="1740578" cy="707886"/>
+          </a:xfrm>
+          <a:prstGeom prst="rect">
+            <a:avLst/>
+          </a:prstGeom>
+          <a:noFill/>
+        </p:spPr>
+        <p:txBody>
+          <a:bodyPr wrap="square" rtlCol="0">
+            <a:spAutoFit/>
+          </a:bodyPr>
+          <a:lstStyle/>
+          <a:p>
+            <a:pPr algn="ctr"/>
+            <a:r>
+              <a:rPr lang="en-US" altLang="ko-KR" sz="4000" dirty="0"/>
+              <a:t>Menu :</a:t>
+            </a:r>
+            <a:endParaRPr lang="ko-KR" altLang="en-US" sz="4000" dirty="0"/>
+          </a:p>
+        </p:txBody>
+      </p:sp>
+      <p:sp>
+        <p:nvSpPr>
+          <p:cNvPr id="35" name="TextBox 34">
+            <a:extLst>
+              <a:ext uri="{FF2B5EF4-FFF2-40B4-BE49-F238E27FC236}">
+                <a16:creationId xmlns:a16="http://schemas.microsoft.com/office/drawing/2014/main" id="{BC3A5C2A-6E95-47E2-9B1A-23AA447418D1}"/>
+              </a:ext>
+            </a:extLst>
+          </p:cNvPr>
+          <p:cNvSpPr txBox="1"/>
+          <p:nvPr/>
+        </p:nvSpPr>
+        <p:spPr>
+          <a:xfrm>
+            <a:off x="10753435" y="1462097"/>
+            <a:ext cx="928437" cy="523220"/>
+          </a:xfrm>
+          <a:prstGeom prst="rect">
+            <a:avLst/>
+          </a:prstGeom>
+          <a:noFill/>
+          <a:ln w="38100">
+            <a:solidFill>
+              <a:schemeClr val="tx1"/>
+            </a:solidFill>
+          </a:ln>
+        </p:spPr>
+        <p:txBody>
+          <a:bodyPr wrap="square" rtlCol="0">
+            <a:spAutoFit/>
+          </a:bodyPr>
+          <a:lstStyle/>
+          <a:p>
+            <a:r>
+              <a:rPr lang="ko-KR" altLang="en-US" sz="2800"/>
+              <a:t>점수</a:t>
+            </a:r>
+            <a:endParaRPr lang="ko-KR" altLang="en-US" sz="2800" dirty="0"/>
+          </a:p>
+        </p:txBody>
+      </p:sp>
+      <p:sp>
+        <p:nvSpPr>
+          <p:cNvPr id="36" name="TextBox 35">
+            <a:extLst>
+              <a:ext uri="{FF2B5EF4-FFF2-40B4-BE49-F238E27FC236}">
+                <a16:creationId xmlns:a16="http://schemas.microsoft.com/office/drawing/2014/main" id="{AD75DD54-9CE9-4965-98E6-D606967D61E2}"/>
+              </a:ext>
+            </a:extLst>
+          </p:cNvPr>
+          <p:cNvSpPr txBox="1"/>
+          <p:nvPr/>
+        </p:nvSpPr>
+        <p:spPr>
+          <a:xfrm>
+            <a:off x="5625323" y="2357609"/>
+            <a:ext cx="1649308" cy="861774"/>
+          </a:xfrm>
+          <a:prstGeom prst="rect">
+            <a:avLst/>
+          </a:prstGeom>
+          <a:noFill/>
+          <a:ln w="19050">
+            <a:solidFill>
+              <a:schemeClr val="bg2">
+                <a:lumMod val="10000"/>
+              </a:schemeClr>
+            </a:solidFill>
+          </a:ln>
+        </p:spPr>
+        <p:txBody>
+          <a:bodyPr wrap="square" rtlCol="0">
+            <a:spAutoFit/>
+          </a:bodyPr>
+          <a:lstStyle/>
+          <a:p>
+            <a:r>
+              <a:rPr lang="ko-KR" altLang="en-US" sz="1600" dirty="0"/>
+              <a:t>난이도 선택</a:t>
+            </a:r>
+            <a:endParaRPr lang="en-US" altLang="ko-KR" sz="1600" dirty="0"/>
+          </a:p>
+          <a:p>
+            <a:r>
+              <a:rPr lang="ko-KR" altLang="en-US" sz="1600" dirty="0"/>
+              <a:t>스테이지 번호</a:t>
+            </a:r>
+            <a:endParaRPr lang="en-US" altLang="ko-KR" sz="1600" dirty="0"/>
+          </a:p>
+          <a:p>
+            <a:r>
+              <a:rPr lang="ko-KR" altLang="en-US" sz="1600" dirty="0" err="1"/>
+              <a:t>뒤로가기</a:t>
+            </a:r>
+            <a:endParaRPr lang="ko-KR" altLang="en-US" sz="1600" dirty="0"/>
+          </a:p>
+        </p:txBody>
+      </p:sp>
+      <p:sp>
+        <p:nvSpPr>
+          <p:cNvPr id="37" name="TextBox 36">
+            <a:extLst>
+              <a:ext uri="{FF2B5EF4-FFF2-40B4-BE49-F238E27FC236}">
+                <a16:creationId xmlns:a16="http://schemas.microsoft.com/office/drawing/2014/main" id="{0BEE14C2-24C6-4DE2-8E19-5C9A9FE9BFE7}"/>
+              </a:ext>
+            </a:extLst>
+          </p:cNvPr>
+          <p:cNvSpPr txBox="1"/>
+          <p:nvPr/>
+        </p:nvSpPr>
+        <p:spPr>
+          <a:xfrm>
+            <a:off x="7551266" y="2351782"/>
+            <a:ext cx="1545358" cy="1077218"/>
+          </a:xfrm>
+          <a:prstGeom prst="rect">
+            <a:avLst/>
+          </a:prstGeom>
+          <a:noFill/>
+          <a:ln w="19050">
+            <a:solidFill>
+              <a:schemeClr val="bg2">
+                <a:lumMod val="10000"/>
+              </a:schemeClr>
+            </a:solidFill>
+          </a:ln>
+        </p:spPr>
+        <p:txBody>
+          <a:bodyPr wrap="square" rtlCol="0">
+            <a:spAutoFit/>
+          </a:bodyPr>
+          <a:lstStyle/>
+          <a:p>
+            <a:r>
+              <a:rPr lang="ko-KR" altLang="en-US" sz="1600" dirty="0"/>
+              <a:t>난이도 선택</a:t>
+            </a:r>
+            <a:endParaRPr lang="en-US" altLang="ko-KR" sz="1600" dirty="0"/>
+          </a:p>
+          <a:p>
+            <a:r>
+              <a:rPr lang="ko-KR" altLang="en-US" sz="1600" dirty="0"/>
+              <a:t>스테이지 번호</a:t>
+            </a:r>
+            <a:endParaRPr lang="en-US" altLang="ko-KR" sz="1600" dirty="0"/>
+          </a:p>
+          <a:p>
+            <a:r>
+              <a:rPr lang="ko-KR" altLang="en-US" sz="1600" dirty="0"/>
+              <a:t>설정</a:t>
+            </a:r>
+            <a:endParaRPr lang="en-US" altLang="ko-KR" sz="1600" dirty="0"/>
+          </a:p>
+          <a:p>
+            <a:r>
+              <a:rPr lang="ko-KR" altLang="en-US" sz="1600" dirty="0" err="1"/>
+              <a:t>뒤로가기</a:t>
+            </a:r>
+            <a:endParaRPr lang="ko-KR" altLang="en-US" sz="1600" dirty="0"/>
+          </a:p>
+        </p:txBody>
+      </p:sp>
+      <p:sp>
+        <p:nvSpPr>
+          <p:cNvPr id="39" name="TextBox 38">
+            <a:extLst>
+              <a:ext uri="{FF2B5EF4-FFF2-40B4-BE49-F238E27FC236}">
+                <a16:creationId xmlns:a16="http://schemas.microsoft.com/office/drawing/2014/main" id="{5303A7F5-E827-49AC-8C20-C9FBCD6126E1}"/>
+              </a:ext>
+            </a:extLst>
+          </p:cNvPr>
+          <p:cNvSpPr txBox="1"/>
+          <p:nvPr/>
+        </p:nvSpPr>
+        <p:spPr>
+          <a:xfrm>
+            <a:off x="9274315" y="2351782"/>
+            <a:ext cx="1289411" cy="830997"/>
+          </a:xfrm>
+          <a:prstGeom prst="rect">
+            <a:avLst/>
+          </a:prstGeom>
+          <a:noFill/>
+          <a:ln w="19050">
+            <a:solidFill>
+              <a:schemeClr val="bg2">
+                <a:lumMod val="10000"/>
+              </a:schemeClr>
+            </a:solidFill>
+          </a:ln>
+        </p:spPr>
+        <p:txBody>
+          <a:bodyPr wrap="square" rtlCol="0">
+            <a:spAutoFit/>
+          </a:bodyPr>
+          <a:lstStyle/>
+          <a:p>
+            <a:r>
+              <a:rPr lang="ko-KR" altLang="en-US" sz="1600" dirty="0"/>
+              <a:t>소리조절</a:t>
+            </a:r>
+            <a:endParaRPr lang="en-US" altLang="ko-KR" sz="1600" dirty="0"/>
+          </a:p>
+          <a:p>
+            <a:r>
+              <a:rPr lang="ko-KR" altLang="en-US" sz="1600" dirty="0" err="1"/>
+              <a:t>이펙트조절</a:t>
+            </a:r>
+            <a:endParaRPr lang="en-US" altLang="ko-KR" sz="1600" dirty="0"/>
+          </a:p>
+          <a:p>
+            <a:r>
+              <a:rPr lang="ko-KR" altLang="en-US" sz="1600" dirty="0" err="1"/>
+              <a:t>뒤로가기</a:t>
+            </a:r>
+            <a:endParaRPr lang="ko-KR" altLang="en-US" sz="1600" dirty="0"/>
+          </a:p>
+        </p:txBody>
+      </p:sp>
+      <p:sp>
+        <p:nvSpPr>
+          <p:cNvPr id="40" name="TextBox 39">
+            <a:extLst>
+              <a:ext uri="{FF2B5EF4-FFF2-40B4-BE49-F238E27FC236}">
+                <a16:creationId xmlns:a16="http://schemas.microsoft.com/office/drawing/2014/main" id="{E009CC29-EC1D-4BA9-B88E-8872DB16AA3A}"/>
+              </a:ext>
+            </a:extLst>
+          </p:cNvPr>
+          <p:cNvSpPr txBox="1"/>
+          <p:nvPr/>
+        </p:nvSpPr>
+        <p:spPr>
+          <a:xfrm>
+            <a:off x="10753435" y="2360966"/>
+            <a:ext cx="997954" cy="338554"/>
+          </a:xfrm>
+          <a:prstGeom prst="rect">
+            <a:avLst/>
+          </a:prstGeom>
+          <a:noFill/>
+          <a:ln w="19050">
+            <a:solidFill>
+              <a:schemeClr val="bg2">
+                <a:lumMod val="10000"/>
+              </a:schemeClr>
+            </a:solidFill>
+          </a:ln>
+        </p:spPr>
+        <p:txBody>
+          <a:bodyPr wrap="square" rtlCol="0">
+            <a:spAutoFit/>
+          </a:bodyPr>
+          <a:lstStyle/>
+          <a:p>
+            <a:r>
+              <a:rPr lang="ko-KR" altLang="en-US" sz="1600"/>
+              <a:t>뒤로가기</a:t>
+            </a:r>
+            <a:endParaRPr lang="ko-KR" altLang="en-US" sz="1600" dirty="0"/>
+          </a:p>
+        </p:txBody>
+      </p:sp>
+      <p:cxnSp>
+        <p:nvCxnSpPr>
+          <p:cNvPr id="46" name="직선 연결선 45">
+            <a:extLst>
+              <a:ext uri="{FF2B5EF4-FFF2-40B4-BE49-F238E27FC236}">
+                <a16:creationId xmlns:a16="http://schemas.microsoft.com/office/drawing/2014/main" id="{4262D123-4351-44CF-8F5E-C2AED5651B50}"/>
+              </a:ext>
+            </a:extLst>
+          </p:cNvPr>
+          <p:cNvCxnSpPr>
+            <a:stCxn id="33" idx="0"/>
+            <a:endCxn id="27" idx="2"/>
+          </p:cNvCxnSpPr>
+          <p:nvPr/>
+        </p:nvCxnSpPr>
+        <p:spPr>
+          <a:xfrm flipV="1">
+            <a:off x="4927933" y="1984488"/>
+            <a:ext cx="0" cy="367294"/>
+          </a:xfrm>
+          <a:prstGeom prst="line">
+            <a:avLst/>
+          </a:prstGeom>
+          <a:ln w="57150">
+            <a:solidFill>
+              <a:schemeClr val="tx1">
+                <a:lumMod val="95000"/>
+                <a:lumOff val="5000"/>
+              </a:schemeClr>
+            </a:solidFill>
+          </a:ln>
+        </p:spPr>
+        <p:style>
+          <a:lnRef idx="1">
+            <a:schemeClr val="accent1"/>
+          </a:lnRef>
+          <a:fillRef idx="0">
+            <a:schemeClr val="accent1"/>
+          </a:fillRef>
+          <a:effectRef idx="0">
+            <a:schemeClr val="accent1"/>
+          </a:effectRef>
+          <a:fontRef idx="minor">
+            <a:schemeClr val="tx1"/>
+          </a:fontRef>
+        </p:style>
+      </p:cxnSp>
+      <p:cxnSp>
+        <p:nvCxnSpPr>
+          <p:cNvPr id="48" name="직선 연결선 47">
+            <a:extLst>
+              <a:ext uri="{FF2B5EF4-FFF2-40B4-BE49-F238E27FC236}">
+                <a16:creationId xmlns:a16="http://schemas.microsoft.com/office/drawing/2014/main" id="{97A7B191-2946-4CED-BB80-7A6133501DFD}"/>
+              </a:ext>
+            </a:extLst>
+          </p:cNvPr>
+          <p:cNvCxnSpPr/>
+          <p:nvPr/>
+        </p:nvCxnSpPr>
+        <p:spPr>
+          <a:xfrm flipV="1">
+            <a:off x="6449977" y="1993672"/>
+            <a:ext cx="0" cy="367294"/>
+          </a:xfrm>
+          <a:prstGeom prst="line">
+            <a:avLst/>
+          </a:prstGeom>
+          <a:ln w="57150">
+            <a:solidFill>
+              <a:schemeClr val="tx1">
+                <a:lumMod val="95000"/>
+                <a:lumOff val="5000"/>
+              </a:schemeClr>
+            </a:solidFill>
+          </a:ln>
+        </p:spPr>
+        <p:style>
+          <a:lnRef idx="1">
+            <a:schemeClr val="accent1"/>
+          </a:lnRef>
+          <a:fillRef idx="0">
+            <a:schemeClr val="accent1"/>
+          </a:fillRef>
+          <a:effectRef idx="0">
+            <a:schemeClr val="accent1"/>
+          </a:effectRef>
+          <a:fontRef idx="minor">
+            <a:schemeClr val="tx1"/>
+          </a:fontRef>
+        </p:style>
+      </p:cxnSp>
+      <p:cxnSp>
+        <p:nvCxnSpPr>
+          <p:cNvPr id="49" name="직선 연결선 48">
+            <a:extLst>
+              <a:ext uri="{FF2B5EF4-FFF2-40B4-BE49-F238E27FC236}">
+                <a16:creationId xmlns:a16="http://schemas.microsoft.com/office/drawing/2014/main" id="{153BD51F-8698-4150-B76A-37B54500767F}"/>
+              </a:ext>
+            </a:extLst>
+          </p:cNvPr>
+          <p:cNvCxnSpPr>
+            <a:cxnSpLocks/>
+            <a:stCxn id="37" idx="0"/>
+            <a:endCxn id="30" idx="2"/>
+          </p:cNvCxnSpPr>
+          <p:nvPr/>
+        </p:nvCxnSpPr>
+        <p:spPr>
+          <a:xfrm flipV="1">
+            <a:off x="8323945" y="1968016"/>
+            <a:ext cx="0" cy="383766"/>
+          </a:xfrm>
+          <a:prstGeom prst="line">
+            <a:avLst/>
+          </a:prstGeom>
+          <a:ln w="57150">
+            <a:solidFill>
+              <a:schemeClr val="tx1">
+                <a:lumMod val="95000"/>
+                <a:lumOff val="5000"/>
+              </a:schemeClr>
+            </a:solidFill>
+          </a:ln>
+        </p:spPr>
+        <p:style>
+          <a:lnRef idx="1">
+            <a:schemeClr val="accent1"/>
+          </a:lnRef>
+          <a:fillRef idx="0">
+            <a:schemeClr val="accent1"/>
+          </a:fillRef>
+          <a:effectRef idx="0">
+            <a:schemeClr val="accent1"/>
+          </a:effectRef>
+          <a:fontRef idx="minor">
+            <a:schemeClr val="tx1"/>
+          </a:fontRef>
+        </p:style>
+      </p:cxnSp>
+      <p:cxnSp>
+        <p:nvCxnSpPr>
+          <p:cNvPr id="55" name="직선 연결선 54">
+            <a:extLst>
+              <a:ext uri="{FF2B5EF4-FFF2-40B4-BE49-F238E27FC236}">
+                <a16:creationId xmlns:a16="http://schemas.microsoft.com/office/drawing/2014/main" id="{AE15BBEB-A556-4E76-A8A8-6A7F0287E8BF}"/>
+              </a:ext>
+            </a:extLst>
+          </p:cNvPr>
+          <p:cNvCxnSpPr>
+            <a:cxnSpLocks/>
+          </p:cNvCxnSpPr>
+          <p:nvPr/>
+        </p:nvCxnSpPr>
+        <p:spPr>
+          <a:xfrm flipV="1">
+            <a:off x="9896160" y="1976252"/>
+            <a:ext cx="0" cy="383766"/>
+          </a:xfrm>
+          <a:prstGeom prst="line">
+            <a:avLst/>
+          </a:prstGeom>
+          <a:ln w="57150">
+            <a:solidFill>
+              <a:schemeClr val="tx1">
+                <a:lumMod val="95000"/>
+                <a:lumOff val="5000"/>
+              </a:schemeClr>
+            </a:solidFill>
+          </a:ln>
+        </p:spPr>
+        <p:style>
+          <a:lnRef idx="1">
+            <a:schemeClr val="accent1"/>
+          </a:lnRef>
+          <a:fillRef idx="0">
+            <a:schemeClr val="accent1"/>
+          </a:fillRef>
+          <a:effectRef idx="0">
+            <a:schemeClr val="accent1"/>
+          </a:effectRef>
+          <a:fontRef idx="minor">
+            <a:schemeClr val="tx1"/>
+          </a:fontRef>
+        </p:style>
+      </p:cxnSp>
+      <p:cxnSp>
+        <p:nvCxnSpPr>
+          <p:cNvPr id="56" name="직선 연결선 55">
+            <a:extLst>
+              <a:ext uri="{FF2B5EF4-FFF2-40B4-BE49-F238E27FC236}">
+                <a16:creationId xmlns:a16="http://schemas.microsoft.com/office/drawing/2014/main" id="{64BB0C0D-5C9E-41BB-AEA3-E03A61AF6F06}"/>
+              </a:ext>
+            </a:extLst>
+          </p:cNvPr>
+          <p:cNvCxnSpPr>
+            <a:cxnSpLocks/>
+          </p:cNvCxnSpPr>
+          <p:nvPr/>
+        </p:nvCxnSpPr>
+        <p:spPr>
+          <a:xfrm flipV="1">
+            <a:off x="11252412" y="1968016"/>
+            <a:ext cx="0" cy="383766"/>
+          </a:xfrm>
+          <a:prstGeom prst="line">
+            <a:avLst/>
+          </a:prstGeom>
+          <a:ln w="57150">
+            <a:solidFill>
+              <a:schemeClr val="tx1">
+                <a:lumMod val="95000"/>
+                <a:lumOff val="5000"/>
+              </a:schemeClr>
+            </a:solidFill>
+          </a:ln>
+        </p:spPr>
+        <p:style>
+          <a:lnRef idx="1">
+            <a:schemeClr val="accent1"/>
+          </a:lnRef>
+          <a:fillRef idx="0">
+            <a:schemeClr val="accent1"/>
+          </a:fillRef>
+          <a:effectRef idx="0">
+            <a:schemeClr val="accent1"/>
+          </a:effectRef>
+          <a:fontRef idx="minor">
+            <a:schemeClr val="tx1"/>
+          </a:fontRef>
+        </p:style>
+      </p:cxnSp>
+      <p:sp>
+        <p:nvSpPr>
+          <p:cNvPr id="57" name="TextBox 56">
+            <a:extLst>
+              <a:ext uri="{FF2B5EF4-FFF2-40B4-BE49-F238E27FC236}">
+                <a16:creationId xmlns:a16="http://schemas.microsoft.com/office/drawing/2014/main" id="{48C5550A-8C28-42B9-9FCA-B26DCB347FB0}"/>
+              </a:ext>
+            </a:extLst>
+          </p:cNvPr>
+          <p:cNvSpPr txBox="1"/>
+          <p:nvPr/>
+        </p:nvSpPr>
+        <p:spPr>
+          <a:xfrm>
+            <a:off x="-242625" y="4304443"/>
+            <a:ext cx="2338128" cy="584775"/>
+          </a:xfrm>
+          <a:prstGeom prst="rect">
+            <a:avLst/>
+          </a:prstGeom>
+          <a:noFill/>
+        </p:spPr>
+        <p:txBody>
+          <a:bodyPr wrap="square" rtlCol="0">
+            <a:spAutoFit/>
+          </a:bodyPr>
+          <a:lstStyle/>
+          <a:p>
+            <a:pPr algn="ctr"/>
+            <a:r>
+              <a:rPr lang="en-US" altLang="ko-KR" sz="3200" dirty="0"/>
+              <a:t>Member :</a:t>
+            </a:r>
+            <a:endParaRPr lang="ko-KR" altLang="en-US" sz="3200" dirty="0"/>
+          </a:p>
+        </p:txBody>
+      </p:sp>
+      <p:sp>
+        <p:nvSpPr>
+          <p:cNvPr id="58" name="TextBox 57">
+            <a:extLst>
+              <a:ext uri="{FF2B5EF4-FFF2-40B4-BE49-F238E27FC236}">
+                <a16:creationId xmlns:a16="http://schemas.microsoft.com/office/drawing/2014/main" id="{B866087D-0F92-4E6E-AE53-CEC802B3D9B2}"/>
+              </a:ext>
+            </a:extLst>
+          </p:cNvPr>
+          <p:cNvSpPr txBox="1"/>
+          <p:nvPr/>
+        </p:nvSpPr>
+        <p:spPr>
+          <a:xfrm>
+            <a:off x="2998611" y="4170325"/>
+            <a:ext cx="1451066" cy="1569660"/>
+          </a:xfrm>
+          <a:prstGeom prst="rect">
+            <a:avLst/>
+          </a:prstGeom>
+          <a:noFill/>
+          <a:ln w="19050">
+            <a:solidFill>
+              <a:schemeClr val="bg2">
+                <a:lumMod val="10000"/>
+              </a:schemeClr>
+            </a:solidFill>
+          </a:ln>
+        </p:spPr>
+        <p:txBody>
+          <a:bodyPr wrap="square" rtlCol="0">
+            <a:spAutoFit/>
+          </a:bodyPr>
+          <a:lstStyle/>
+          <a:p>
+            <a:pPr marL="285750" indent="-285750">
+              <a:buFont typeface="Arial" panose="020B0604020202020204" pitchFamily="34" charset="0"/>
+              <a:buChar char="•"/>
+            </a:pPr>
+            <a:r>
+              <a:rPr lang="en-US" altLang="ko-KR" sz="1200" dirty="0"/>
+              <a:t>Pico2d</a:t>
+            </a:r>
+          </a:p>
+          <a:p>
+            <a:pPr marL="285750" indent="-285750">
+              <a:buFont typeface="Arial" panose="020B0604020202020204" pitchFamily="34" charset="0"/>
+              <a:buChar char="•"/>
+            </a:pPr>
+            <a:r>
+              <a:rPr lang="en-US" altLang="ko-KR" sz="1200" dirty="0" err="1"/>
+              <a:t>Game_frame_work</a:t>
+            </a:r>
+            <a:endParaRPr lang="en-US" altLang="ko-KR" sz="1200" dirty="0"/>
+          </a:p>
+          <a:p>
+            <a:pPr marL="285750" indent="-285750">
+              <a:buFont typeface="Arial" panose="020B0604020202020204" pitchFamily="34" charset="0"/>
+              <a:buChar char="•"/>
+            </a:pPr>
+            <a:r>
+              <a:rPr lang="en-US" altLang="ko-KR" sz="1200" dirty="0" err="1"/>
+              <a:t>TimeToDelT</a:t>
+            </a:r>
+            <a:endParaRPr lang="en-US" altLang="ko-KR" sz="1200" dirty="0"/>
+          </a:p>
+          <a:p>
+            <a:pPr marL="285750" indent="-285750">
+              <a:buFont typeface="Arial" panose="020B0604020202020204" pitchFamily="34" charset="0"/>
+              <a:buChar char="•"/>
+            </a:pPr>
+            <a:r>
+              <a:rPr lang="en-US" altLang="ko-KR" sz="1200" dirty="0"/>
+              <a:t>Collision</a:t>
+            </a:r>
+          </a:p>
+          <a:p>
+            <a:pPr marL="285750" indent="-285750">
+              <a:buFont typeface="Arial" panose="020B0604020202020204" pitchFamily="34" charset="0"/>
+              <a:buChar char="•"/>
+            </a:pPr>
+            <a:r>
+              <a:rPr lang="en-US" altLang="ko-KR" sz="1200" dirty="0" err="1"/>
+              <a:t>Numpy</a:t>
+            </a:r>
+            <a:endParaRPr lang="en-US" altLang="ko-KR" sz="1200" dirty="0"/>
+          </a:p>
+          <a:p>
+            <a:pPr marL="285750" indent="-285750">
+              <a:buFont typeface="Arial" panose="020B0604020202020204" pitchFamily="34" charset="0"/>
+              <a:buChar char="•"/>
+            </a:pPr>
+            <a:r>
+              <a:rPr lang="en-US" altLang="ko-KR" sz="1200" dirty="0" err="1"/>
+              <a:t>Main_Scene</a:t>
+            </a:r>
+            <a:endParaRPr lang="en-US" altLang="ko-KR" sz="1200" dirty="0"/>
+          </a:p>
+          <a:p>
+            <a:pPr marL="285750" indent="-285750">
+              <a:buFont typeface="Arial" panose="020B0604020202020204" pitchFamily="34" charset="0"/>
+              <a:buChar char="•"/>
+            </a:pPr>
+            <a:r>
+              <a:rPr lang="en-US" altLang="ko-KR" sz="1200" dirty="0" err="1"/>
+              <a:t>Setting_scene</a:t>
+            </a:r>
+            <a:endParaRPr lang="en-US" altLang="ko-KR" sz="1200" dirty="0"/>
+          </a:p>
+        </p:txBody>
+      </p:sp>
+      <p:sp>
+        <p:nvSpPr>
+          <p:cNvPr id="59" name="TextBox 58">
+            <a:extLst>
+              <a:ext uri="{FF2B5EF4-FFF2-40B4-BE49-F238E27FC236}">
+                <a16:creationId xmlns:a16="http://schemas.microsoft.com/office/drawing/2014/main" id="{B0534736-3A61-4BAC-BE82-F6C3E2793A4E}"/>
+              </a:ext>
+            </a:extLst>
+          </p:cNvPr>
+          <p:cNvSpPr txBox="1"/>
+          <p:nvPr/>
+        </p:nvSpPr>
+        <p:spPr>
+          <a:xfrm>
+            <a:off x="4449677" y="4163193"/>
+            <a:ext cx="1451066" cy="646331"/>
+          </a:xfrm>
+          <a:prstGeom prst="rect">
+            <a:avLst/>
+          </a:prstGeom>
+          <a:noFill/>
+          <a:ln w="19050">
+            <a:solidFill>
+              <a:schemeClr val="bg2">
+                <a:lumMod val="10000"/>
+              </a:schemeClr>
+            </a:solidFill>
+          </a:ln>
+        </p:spPr>
+        <p:txBody>
+          <a:bodyPr wrap="square" rtlCol="0">
+            <a:spAutoFit/>
+          </a:bodyPr>
+          <a:lstStyle/>
+          <a:p>
+            <a:pPr marL="285750" indent="-285750">
+              <a:buFont typeface="Arial" panose="020B0604020202020204" pitchFamily="34" charset="0"/>
+              <a:buChar char="•"/>
+            </a:pPr>
+            <a:r>
+              <a:rPr lang="en-US" altLang="ko-KR" sz="1200" dirty="0" err="1"/>
+              <a:t>loading_scene</a:t>
+            </a:r>
+            <a:endParaRPr lang="en-US" altLang="ko-KR" sz="1200" dirty="0"/>
+          </a:p>
+          <a:p>
+            <a:pPr marL="285750" indent="-285750">
+              <a:buFont typeface="Arial" panose="020B0604020202020204" pitchFamily="34" charset="0"/>
+              <a:buChar char="•"/>
+            </a:pPr>
+            <a:r>
+              <a:rPr lang="en-US" altLang="ko-KR" sz="1200" dirty="0" err="1"/>
+              <a:t>Stage_scene</a:t>
+            </a:r>
+            <a:endParaRPr lang="en-US" altLang="ko-KR" sz="1200" dirty="0"/>
+          </a:p>
+          <a:p>
+            <a:pPr marL="285750" indent="-285750">
+              <a:buFont typeface="Arial" panose="020B0604020202020204" pitchFamily="34" charset="0"/>
+              <a:buChar char="•"/>
+            </a:pPr>
+            <a:r>
+              <a:rPr lang="en-US" altLang="ko-KR" sz="1200" dirty="0" err="1"/>
+              <a:t>Rank_Scene</a:t>
+            </a:r>
+            <a:endParaRPr lang="en-US" altLang="ko-KR" sz="1200" dirty="0"/>
+          </a:p>
+        </p:txBody>
+      </p:sp>
+      <p:sp>
+        <p:nvSpPr>
+          <p:cNvPr id="60" name="TextBox 59">
+            <a:extLst>
+              <a:ext uri="{FF2B5EF4-FFF2-40B4-BE49-F238E27FC236}">
+                <a16:creationId xmlns:a16="http://schemas.microsoft.com/office/drawing/2014/main" id="{2B6D4B70-357E-4108-83CC-777ACAA88097}"/>
+              </a:ext>
+            </a:extLst>
+          </p:cNvPr>
+          <p:cNvSpPr txBox="1"/>
+          <p:nvPr/>
+        </p:nvSpPr>
+        <p:spPr>
+          <a:xfrm>
+            <a:off x="1828800" y="4177457"/>
+            <a:ext cx="1169811" cy="1015663"/>
+          </a:xfrm>
+          <a:prstGeom prst="rect">
+            <a:avLst/>
+          </a:prstGeom>
+          <a:noFill/>
+          <a:ln w="19050">
+            <a:solidFill>
+              <a:schemeClr val="bg2">
+                <a:lumMod val="10000"/>
+              </a:schemeClr>
+            </a:solidFill>
+          </a:ln>
+        </p:spPr>
+        <p:txBody>
+          <a:bodyPr wrap="square" rtlCol="0">
+            <a:spAutoFit/>
+          </a:bodyPr>
+          <a:lstStyle/>
+          <a:p>
+            <a:pPr marL="285750" indent="-285750">
+              <a:buFont typeface="Arial" panose="020B0604020202020204" pitchFamily="34" charset="0"/>
+              <a:buChar char="•"/>
+            </a:pPr>
+            <a:r>
+              <a:rPr lang="en-US" altLang="ko-KR" sz="1200" dirty="0"/>
+              <a:t>Pico2d</a:t>
+            </a:r>
+          </a:p>
+          <a:p>
+            <a:pPr marL="285750" indent="-285750">
+              <a:buFont typeface="Arial" panose="020B0604020202020204" pitchFamily="34" charset="0"/>
+              <a:buChar char="•"/>
+            </a:pPr>
+            <a:r>
+              <a:rPr lang="en-US" altLang="ko-KR" sz="1200" dirty="0" err="1"/>
+              <a:t>Game_frame_work</a:t>
+            </a:r>
+            <a:endParaRPr lang="en-US" altLang="ko-KR" sz="1200" dirty="0"/>
+          </a:p>
+          <a:p>
+            <a:pPr marL="285750" indent="-285750">
+              <a:buFont typeface="Arial" panose="020B0604020202020204" pitchFamily="34" charset="0"/>
+              <a:buChar char="•"/>
+            </a:pPr>
+            <a:r>
+              <a:rPr lang="en-US" altLang="ko-KR" sz="1200" dirty="0" err="1"/>
+              <a:t>loading_scene</a:t>
+            </a:r>
+            <a:endParaRPr lang="en-US" altLang="ko-KR" sz="1200" dirty="0"/>
+          </a:p>
+        </p:txBody>
+      </p:sp>
+      <p:sp>
+        <p:nvSpPr>
+          <p:cNvPr id="61" name="TextBox 60">
+            <a:extLst>
+              <a:ext uri="{FF2B5EF4-FFF2-40B4-BE49-F238E27FC236}">
+                <a16:creationId xmlns:a16="http://schemas.microsoft.com/office/drawing/2014/main" id="{C0442C8E-4BE3-44BD-A973-C59034493948}"/>
+              </a:ext>
+            </a:extLst>
+          </p:cNvPr>
+          <p:cNvSpPr txBox="1"/>
+          <p:nvPr/>
+        </p:nvSpPr>
+        <p:spPr>
+          <a:xfrm>
+            <a:off x="5900743" y="4139547"/>
+            <a:ext cx="1451065" cy="830997"/>
+          </a:xfrm>
+          <a:prstGeom prst="rect">
+            <a:avLst/>
+          </a:prstGeom>
+          <a:noFill/>
+          <a:ln w="19050">
+            <a:solidFill>
+              <a:schemeClr val="bg2">
+                <a:lumMod val="10000"/>
+              </a:schemeClr>
+            </a:solidFill>
+          </a:ln>
+        </p:spPr>
+        <p:txBody>
+          <a:bodyPr wrap="square" rtlCol="0">
+            <a:spAutoFit/>
+          </a:bodyPr>
+          <a:lstStyle/>
+          <a:p>
+            <a:pPr marL="285750" indent="-285750">
+              <a:buFont typeface="Arial" panose="020B0604020202020204" pitchFamily="34" charset="0"/>
+              <a:buChar char="•"/>
+            </a:pPr>
+            <a:r>
+              <a:rPr lang="en-US" altLang="ko-KR" sz="1200" dirty="0" err="1"/>
+              <a:t>loading_scene</a:t>
+            </a:r>
+            <a:endParaRPr lang="en-US" altLang="ko-KR" sz="1200" dirty="0"/>
+          </a:p>
+          <a:p>
+            <a:pPr marL="285750" indent="-285750">
+              <a:buFont typeface="Arial" panose="020B0604020202020204" pitchFamily="34" charset="0"/>
+              <a:buChar char="•"/>
+            </a:pPr>
+            <a:r>
+              <a:rPr lang="en-US" altLang="ko-KR" sz="1200" dirty="0" err="1"/>
+              <a:t>Ingame_scene</a:t>
+            </a:r>
+            <a:endParaRPr lang="en-US" altLang="ko-KR" sz="1200" dirty="0"/>
+          </a:p>
+          <a:p>
+            <a:pPr marL="285750" indent="-285750">
+              <a:buFont typeface="Arial" panose="020B0604020202020204" pitchFamily="34" charset="0"/>
+              <a:buChar char="•"/>
+            </a:pPr>
+            <a:r>
+              <a:rPr lang="en-US" altLang="ko-KR" sz="1200" dirty="0"/>
+              <a:t>player</a:t>
+            </a:r>
+          </a:p>
+          <a:p>
+            <a:pPr marL="285750" indent="-285750">
+              <a:buFont typeface="Arial" panose="020B0604020202020204" pitchFamily="34" charset="0"/>
+              <a:buChar char="•"/>
+            </a:pPr>
+            <a:r>
+              <a:rPr lang="en-US" altLang="ko-KR" sz="1200" dirty="0"/>
+              <a:t>Enemy</a:t>
+            </a:r>
+          </a:p>
+        </p:txBody>
+      </p:sp>
+      <p:sp>
+        <p:nvSpPr>
+          <p:cNvPr id="62" name="TextBox 61">
+            <a:extLst>
+              <a:ext uri="{FF2B5EF4-FFF2-40B4-BE49-F238E27FC236}">
+                <a16:creationId xmlns:a16="http://schemas.microsoft.com/office/drawing/2014/main" id="{30835CF7-2DA5-4BFE-871A-3625CCF7F369}"/>
+              </a:ext>
+            </a:extLst>
+          </p:cNvPr>
+          <p:cNvSpPr txBox="1"/>
+          <p:nvPr/>
+        </p:nvSpPr>
+        <p:spPr>
+          <a:xfrm>
+            <a:off x="7551266" y="4139547"/>
+            <a:ext cx="1489907" cy="461665"/>
+          </a:xfrm>
+          <a:prstGeom prst="rect">
+            <a:avLst/>
+          </a:prstGeom>
+          <a:noFill/>
+          <a:ln w="19050">
+            <a:solidFill>
+              <a:schemeClr val="bg2">
+                <a:lumMod val="10000"/>
+              </a:schemeClr>
+            </a:solidFill>
+          </a:ln>
+        </p:spPr>
+        <p:txBody>
+          <a:bodyPr wrap="square" rtlCol="0">
+            <a:spAutoFit/>
+          </a:bodyPr>
+          <a:lstStyle/>
+          <a:p>
+            <a:pPr marL="285750" indent="-285750">
+              <a:buFont typeface="Arial" panose="020B0604020202020204" pitchFamily="34" charset="0"/>
+              <a:buChar char="•"/>
+            </a:pPr>
+            <a:r>
+              <a:rPr lang="en-US" altLang="ko-KR" sz="1200" dirty="0" err="1"/>
+              <a:t>Loading_scene</a:t>
+            </a:r>
+            <a:endParaRPr lang="en-US" altLang="ko-KR" sz="1200" dirty="0"/>
+          </a:p>
+          <a:p>
+            <a:pPr marL="285750" indent="-285750">
+              <a:buFont typeface="Arial" panose="020B0604020202020204" pitchFamily="34" charset="0"/>
+              <a:buChar char="•"/>
+            </a:pPr>
+            <a:r>
+              <a:rPr lang="en-US" altLang="ko-KR" sz="1200" dirty="0" err="1"/>
+              <a:t>Stage_scene</a:t>
+            </a:r>
+            <a:endParaRPr lang="en-US" altLang="ko-KR" sz="1200" dirty="0"/>
+          </a:p>
+        </p:txBody>
+      </p:sp>
+      <p:sp>
+        <p:nvSpPr>
+          <p:cNvPr id="63" name="TextBox 62">
+            <a:extLst>
+              <a:ext uri="{FF2B5EF4-FFF2-40B4-BE49-F238E27FC236}">
+                <a16:creationId xmlns:a16="http://schemas.microsoft.com/office/drawing/2014/main" id="{C5F8E80D-5C62-4386-B665-74873740DF8C}"/>
+              </a:ext>
+            </a:extLst>
+          </p:cNvPr>
+          <p:cNvSpPr txBox="1"/>
+          <p:nvPr/>
+        </p:nvSpPr>
+        <p:spPr>
+          <a:xfrm>
+            <a:off x="9174066" y="4135166"/>
+            <a:ext cx="1489907" cy="646331"/>
+          </a:xfrm>
+          <a:prstGeom prst="rect">
+            <a:avLst/>
+          </a:prstGeom>
+          <a:noFill/>
+          <a:ln w="19050">
+            <a:solidFill>
+              <a:schemeClr val="bg2">
+                <a:lumMod val="10000"/>
+              </a:schemeClr>
+            </a:solidFill>
+          </a:ln>
+        </p:spPr>
+        <p:txBody>
+          <a:bodyPr wrap="square" rtlCol="0">
+            <a:spAutoFit/>
+          </a:bodyPr>
+          <a:lstStyle/>
+          <a:p>
+            <a:pPr marL="285750" indent="-285750">
+              <a:buFont typeface="Arial" panose="020B0604020202020204" pitchFamily="34" charset="0"/>
+              <a:buChar char="•"/>
+            </a:pPr>
+            <a:r>
+              <a:rPr lang="en-US" altLang="ko-KR" sz="1200" dirty="0" err="1"/>
+              <a:t>Loading_scene</a:t>
+            </a:r>
+            <a:endParaRPr lang="en-US" altLang="ko-KR" sz="1200" dirty="0"/>
+          </a:p>
+          <a:p>
+            <a:pPr marL="285750" indent="-285750">
+              <a:buFont typeface="Arial" panose="020B0604020202020204" pitchFamily="34" charset="0"/>
+              <a:buChar char="•"/>
+            </a:pPr>
+            <a:r>
+              <a:rPr lang="en-US" altLang="ko-KR" sz="1200" dirty="0" err="1"/>
+              <a:t>Main_scene</a:t>
+            </a:r>
+            <a:endParaRPr lang="en-US" altLang="ko-KR" sz="1200" dirty="0"/>
+          </a:p>
+          <a:p>
+            <a:pPr marL="285750" indent="-285750">
+              <a:buFont typeface="Arial" panose="020B0604020202020204" pitchFamily="34" charset="0"/>
+              <a:buChar char="•"/>
+            </a:pPr>
+            <a:r>
+              <a:rPr lang="en-US" altLang="ko-KR" sz="1200" dirty="0" err="1"/>
+              <a:t>Ingame_scene</a:t>
+            </a:r>
+            <a:endParaRPr lang="en-US" altLang="ko-KR" sz="1200" dirty="0"/>
+          </a:p>
+        </p:txBody>
+      </p:sp>
+      <p:sp>
+        <p:nvSpPr>
+          <p:cNvPr id="64" name="TextBox 63">
+            <a:extLst>
+              <a:ext uri="{FF2B5EF4-FFF2-40B4-BE49-F238E27FC236}">
+                <a16:creationId xmlns:a16="http://schemas.microsoft.com/office/drawing/2014/main" id="{239BBCF4-0137-489D-A8F2-EE76F03D10DE}"/>
+              </a:ext>
+            </a:extLst>
+          </p:cNvPr>
+          <p:cNvSpPr txBox="1"/>
+          <p:nvPr/>
+        </p:nvSpPr>
+        <p:spPr>
+          <a:xfrm>
+            <a:off x="10702093" y="4135166"/>
+            <a:ext cx="1489907" cy="461665"/>
+          </a:xfrm>
+          <a:prstGeom prst="rect">
+            <a:avLst/>
+          </a:prstGeom>
+          <a:noFill/>
+          <a:ln w="19050">
+            <a:solidFill>
+              <a:schemeClr val="bg2">
+                <a:lumMod val="10000"/>
+              </a:schemeClr>
+            </a:solidFill>
+          </a:ln>
+        </p:spPr>
+        <p:txBody>
+          <a:bodyPr wrap="square" rtlCol="0">
+            <a:spAutoFit/>
+          </a:bodyPr>
+          <a:lstStyle/>
+          <a:p>
+            <a:pPr marL="285750" indent="-285750">
+              <a:buFont typeface="Arial" panose="020B0604020202020204" pitchFamily="34" charset="0"/>
+              <a:buChar char="•"/>
+            </a:pPr>
+            <a:r>
+              <a:rPr lang="en-US" altLang="ko-KR" sz="1200" dirty="0" err="1"/>
+              <a:t>Loading_scene</a:t>
+            </a:r>
+            <a:endParaRPr lang="en-US" altLang="ko-KR" sz="1200" dirty="0"/>
+          </a:p>
+          <a:p>
+            <a:pPr marL="285750" indent="-285750">
+              <a:buFont typeface="Arial" panose="020B0604020202020204" pitchFamily="34" charset="0"/>
+              <a:buChar char="•"/>
+            </a:pPr>
+            <a:r>
+              <a:rPr lang="en-US" altLang="ko-KR" sz="1200" dirty="0" err="1"/>
+              <a:t>Main_scene</a:t>
+            </a:r>
+            <a:endParaRPr lang="en-US" altLang="ko-KR" sz="1200" dirty="0"/>
+          </a:p>
+        </p:txBody>
+      </p:sp>
+      <p:cxnSp>
+        <p:nvCxnSpPr>
+          <p:cNvPr id="67" name="직선 연결선 66">
+            <a:extLst>
+              <a:ext uri="{FF2B5EF4-FFF2-40B4-BE49-F238E27FC236}">
+                <a16:creationId xmlns:a16="http://schemas.microsoft.com/office/drawing/2014/main" id="{92841137-192A-4BE6-9029-DD4864F8FFC9}"/>
+              </a:ext>
+            </a:extLst>
+          </p:cNvPr>
+          <p:cNvCxnSpPr>
+            <a:cxnSpLocks/>
+          </p:cNvCxnSpPr>
+          <p:nvPr/>
+        </p:nvCxnSpPr>
+        <p:spPr>
+          <a:xfrm flipH="1" flipV="1">
+            <a:off x="2564733" y="1968016"/>
+            <a:ext cx="9025" cy="2209441"/>
+          </a:xfrm>
+          <a:prstGeom prst="line">
+            <a:avLst/>
+          </a:prstGeom>
+          <a:ln w="57150">
+            <a:solidFill>
+              <a:schemeClr val="tx1">
+                <a:lumMod val="95000"/>
+                <a:lumOff val="5000"/>
+              </a:schemeClr>
+            </a:solidFill>
+          </a:ln>
+        </p:spPr>
+        <p:style>
+          <a:lnRef idx="1">
+            <a:schemeClr val="accent1"/>
+          </a:lnRef>
+          <a:fillRef idx="0">
+            <a:schemeClr val="accent1"/>
+          </a:fillRef>
+          <a:effectRef idx="0">
+            <a:schemeClr val="accent1"/>
+          </a:effectRef>
+          <a:fontRef idx="minor">
+            <a:schemeClr val="tx1"/>
+          </a:fontRef>
+        </p:style>
+      </p:cxnSp>
+      <p:cxnSp>
+        <p:nvCxnSpPr>
+          <p:cNvPr id="69" name="직선 연결선 68">
+            <a:extLst>
+              <a:ext uri="{FF2B5EF4-FFF2-40B4-BE49-F238E27FC236}">
+                <a16:creationId xmlns:a16="http://schemas.microsoft.com/office/drawing/2014/main" id="{7285CD8C-9FA4-4C27-A984-833217F31325}"/>
+              </a:ext>
+            </a:extLst>
+          </p:cNvPr>
+          <p:cNvCxnSpPr>
+            <a:cxnSpLocks/>
+          </p:cNvCxnSpPr>
+          <p:nvPr/>
+        </p:nvCxnSpPr>
+        <p:spPr>
+          <a:xfrm flipH="1" flipV="1">
+            <a:off x="3727892" y="1953752"/>
+            <a:ext cx="9025" cy="2209441"/>
+          </a:xfrm>
+          <a:prstGeom prst="line">
+            <a:avLst/>
+          </a:prstGeom>
+          <a:ln w="57150">
+            <a:solidFill>
+              <a:schemeClr val="tx1">
+                <a:lumMod val="95000"/>
+                <a:lumOff val="5000"/>
+              </a:schemeClr>
+            </a:solidFill>
+          </a:ln>
+        </p:spPr>
+        <p:style>
+          <a:lnRef idx="1">
+            <a:schemeClr val="accent1"/>
+          </a:lnRef>
+          <a:fillRef idx="0">
+            <a:schemeClr val="accent1"/>
+          </a:fillRef>
+          <a:effectRef idx="0">
+            <a:schemeClr val="accent1"/>
+          </a:effectRef>
+          <a:fontRef idx="minor">
+            <a:schemeClr val="tx1"/>
+          </a:fontRef>
+        </p:style>
+      </p:cxnSp>
+      <p:cxnSp>
+        <p:nvCxnSpPr>
+          <p:cNvPr id="70" name="직선 연결선 69">
+            <a:extLst>
+              <a:ext uri="{FF2B5EF4-FFF2-40B4-BE49-F238E27FC236}">
+                <a16:creationId xmlns:a16="http://schemas.microsoft.com/office/drawing/2014/main" id="{8D9B5DDA-3D0F-413B-8CFB-54D4DF7F7773}"/>
+              </a:ext>
+            </a:extLst>
+          </p:cNvPr>
+          <p:cNvCxnSpPr>
+            <a:cxnSpLocks/>
+          </p:cNvCxnSpPr>
+          <p:nvPr/>
+        </p:nvCxnSpPr>
+        <p:spPr>
+          <a:xfrm flipV="1">
+            <a:off x="4927932" y="3429000"/>
+            <a:ext cx="0" cy="706166"/>
+          </a:xfrm>
+          <a:prstGeom prst="line">
+            <a:avLst/>
+          </a:prstGeom>
+          <a:ln w="57150">
+            <a:solidFill>
+              <a:schemeClr val="tx1">
+                <a:lumMod val="95000"/>
+                <a:lumOff val="5000"/>
+              </a:schemeClr>
+            </a:solidFill>
+          </a:ln>
+        </p:spPr>
+        <p:style>
+          <a:lnRef idx="1">
+            <a:schemeClr val="accent1"/>
+          </a:lnRef>
+          <a:fillRef idx="0">
+            <a:schemeClr val="accent1"/>
+          </a:fillRef>
+          <a:effectRef idx="0">
+            <a:schemeClr val="accent1"/>
+          </a:effectRef>
+          <a:fontRef idx="minor">
+            <a:schemeClr val="tx1"/>
+          </a:fontRef>
+        </p:style>
+      </p:cxnSp>
+      <p:cxnSp>
+        <p:nvCxnSpPr>
+          <p:cNvPr id="72" name="직선 연결선 71">
+            <a:extLst>
+              <a:ext uri="{FF2B5EF4-FFF2-40B4-BE49-F238E27FC236}">
+                <a16:creationId xmlns:a16="http://schemas.microsoft.com/office/drawing/2014/main" id="{4B5252DE-695C-4AD4-8F56-1E027CD3E84E}"/>
+              </a:ext>
+            </a:extLst>
+          </p:cNvPr>
+          <p:cNvCxnSpPr>
+            <a:cxnSpLocks/>
+          </p:cNvCxnSpPr>
+          <p:nvPr/>
+        </p:nvCxnSpPr>
+        <p:spPr>
+          <a:xfrm flipV="1">
+            <a:off x="6449977" y="3221145"/>
+            <a:ext cx="0" cy="914021"/>
+          </a:xfrm>
+          <a:prstGeom prst="line">
+            <a:avLst/>
+          </a:prstGeom>
+          <a:ln w="57150">
+            <a:solidFill>
+              <a:schemeClr val="tx1">
+                <a:lumMod val="95000"/>
+                <a:lumOff val="5000"/>
+              </a:schemeClr>
+            </a:solidFill>
+          </a:ln>
+        </p:spPr>
+        <p:style>
+          <a:lnRef idx="1">
+            <a:schemeClr val="accent1"/>
+          </a:lnRef>
+          <a:fillRef idx="0">
+            <a:schemeClr val="accent1"/>
+          </a:fillRef>
+          <a:effectRef idx="0">
+            <a:schemeClr val="accent1"/>
+          </a:effectRef>
+          <a:fontRef idx="minor">
+            <a:schemeClr val="tx1"/>
+          </a:fontRef>
+        </p:style>
+      </p:cxnSp>
+      <p:cxnSp>
+        <p:nvCxnSpPr>
+          <p:cNvPr id="75" name="직선 연결선 74">
+            <a:extLst>
+              <a:ext uri="{FF2B5EF4-FFF2-40B4-BE49-F238E27FC236}">
+                <a16:creationId xmlns:a16="http://schemas.microsoft.com/office/drawing/2014/main" id="{29FBEA46-5FE1-4E27-9385-B681C38AE88C}"/>
+              </a:ext>
+            </a:extLst>
+          </p:cNvPr>
+          <p:cNvCxnSpPr>
+            <a:cxnSpLocks/>
+          </p:cNvCxnSpPr>
+          <p:nvPr/>
+        </p:nvCxnSpPr>
+        <p:spPr>
+          <a:xfrm flipV="1">
+            <a:off x="8426354" y="3429000"/>
+            <a:ext cx="0" cy="706166"/>
+          </a:xfrm>
+          <a:prstGeom prst="line">
+            <a:avLst/>
+          </a:prstGeom>
+          <a:ln w="57150">
+            <a:solidFill>
+              <a:schemeClr val="tx1">
+                <a:lumMod val="95000"/>
+                <a:lumOff val="5000"/>
+              </a:schemeClr>
+            </a:solidFill>
+          </a:ln>
+        </p:spPr>
+        <p:style>
+          <a:lnRef idx="1">
+            <a:schemeClr val="accent1"/>
+          </a:lnRef>
+          <a:fillRef idx="0">
+            <a:schemeClr val="accent1"/>
+          </a:fillRef>
+          <a:effectRef idx="0">
+            <a:schemeClr val="accent1"/>
+          </a:effectRef>
+          <a:fontRef idx="minor">
+            <a:schemeClr val="tx1"/>
+          </a:fontRef>
+        </p:style>
+      </p:cxnSp>
+      <p:cxnSp>
+        <p:nvCxnSpPr>
+          <p:cNvPr id="80" name="직선 연결선 79">
+            <a:extLst>
+              <a:ext uri="{FF2B5EF4-FFF2-40B4-BE49-F238E27FC236}">
+                <a16:creationId xmlns:a16="http://schemas.microsoft.com/office/drawing/2014/main" id="{6BE893D5-64D5-4F6E-9A92-2C74AC6829CA}"/>
+              </a:ext>
+            </a:extLst>
+          </p:cNvPr>
+          <p:cNvCxnSpPr>
+            <a:cxnSpLocks/>
+            <a:stCxn id="63" idx="0"/>
+            <a:endCxn id="39" idx="2"/>
+          </p:cNvCxnSpPr>
+          <p:nvPr/>
+        </p:nvCxnSpPr>
+        <p:spPr>
+          <a:xfrm flipV="1">
+            <a:off x="9919020" y="3182779"/>
+            <a:ext cx="1" cy="952387"/>
+          </a:xfrm>
+          <a:prstGeom prst="line">
+            <a:avLst/>
+          </a:prstGeom>
+          <a:ln w="57150">
+            <a:solidFill>
+              <a:schemeClr val="tx1">
+                <a:lumMod val="95000"/>
+                <a:lumOff val="5000"/>
+              </a:schemeClr>
+            </a:solidFill>
+          </a:ln>
+        </p:spPr>
+        <p:style>
+          <a:lnRef idx="1">
+            <a:schemeClr val="accent1"/>
+          </a:lnRef>
+          <a:fillRef idx="0">
+            <a:schemeClr val="accent1"/>
+          </a:fillRef>
+          <a:effectRef idx="0">
+            <a:schemeClr val="accent1"/>
+          </a:effectRef>
+          <a:fontRef idx="minor">
+            <a:schemeClr val="tx1"/>
+          </a:fontRef>
+        </p:style>
+      </p:cxnSp>
+      <p:cxnSp>
+        <p:nvCxnSpPr>
+          <p:cNvPr id="83" name="직선 연결선 82">
+            <a:extLst>
+              <a:ext uri="{FF2B5EF4-FFF2-40B4-BE49-F238E27FC236}">
+                <a16:creationId xmlns:a16="http://schemas.microsoft.com/office/drawing/2014/main" id="{46094E7C-04F7-41D0-B647-D303954F867B}"/>
+              </a:ext>
+            </a:extLst>
+          </p:cNvPr>
+          <p:cNvCxnSpPr>
+            <a:cxnSpLocks/>
+          </p:cNvCxnSpPr>
+          <p:nvPr/>
+        </p:nvCxnSpPr>
+        <p:spPr>
+          <a:xfrm flipV="1">
+            <a:off x="11308680" y="2699521"/>
+            <a:ext cx="6469" cy="1470804"/>
+          </a:xfrm>
+          <a:prstGeom prst="line">
+            <a:avLst/>
+          </a:prstGeom>
+          <a:ln w="57150">
+            <a:solidFill>
+              <a:schemeClr val="tx1">
+                <a:lumMod val="95000"/>
+                <a:lumOff val="5000"/>
+              </a:schemeClr>
+            </a:solidFill>
+          </a:ln>
+        </p:spPr>
+        <p:style>
+          <a:lnRef idx="1">
+            <a:schemeClr val="accent1"/>
+          </a:lnRef>
+          <a:fillRef idx="0">
+            <a:schemeClr val="accent1"/>
+          </a:fillRef>
+          <a:effectRef idx="0">
+            <a:schemeClr val="accent1"/>
+          </a:effectRef>
+          <a:fontRef idx="minor">
+            <a:schemeClr val="tx1"/>
+          </a:fontRef>
+        </p:style>
+      </p:cxnSp>
+      <p:sp>
+        <p:nvSpPr>
+          <p:cNvPr id="85" name="이등변 삼각형 84">
+            <a:extLst>
+              <a:ext uri="{FF2B5EF4-FFF2-40B4-BE49-F238E27FC236}">
+                <a16:creationId xmlns:a16="http://schemas.microsoft.com/office/drawing/2014/main" id="{3C498D9A-0F0A-4BF0-86E6-4538131B1D8F}"/>
+              </a:ext>
+            </a:extLst>
+          </p:cNvPr>
+          <p:cNvSpPr/>
+          <p:nvPr/>
+        </p:nvSpPr>
+        <p:spPr>
+          <a:xfrm rot="5400000">
+            <a:off x="3055264" y="1605932"/>
+            <a:ext cx="271316" cy="233893"/>
+          </a:xfrm>
+          <a:prstGeom prst="triangle">
+            <a:avLst/>
+          </a:prstGeom>
+          <a:solidFill>
+            <a:schemeClr val="tx1">
+              <a:lumMod val="95000"/>
+              <a:lumOff val="5000"/>
+            </a:schemeClr>
+          </a:solidFill>
+        </p:spPr>
+        <p:style>
+          <a:lnRef idx="2">
+            <a:schemeClr val="accent1">
+              <a:shade val="50000"/>
+            </a:schemeClr>
+          </a:lnRef>
+          <a:fillRef idx="1">
+            <a:schemeClr val="accent1"/>
+          </a:fillRef>
+          <a:effectRef idx="0">
+            <a:schemeClr val="accent1"/>
+          </a:effectRef>
+          <a:fontRef idx="minor">
+            <a:schemeClr val="lt1"/>
+          </a:fontRef>
+        </p:style>
+        <p:txBody>
+          <a:bodyPr rtlCol="0" anchor="ctr"/>
+          <a:lstStyle/>
+          <a:p>
+            <a:pPr algn="ctr"/>
+            <a:endParaRPr lang="ko-KR" altLang="en-US"/>
+          </a:p>
+        </p:txBody>
+      </p:sp>
+      <p:sp>
+        <p:nvSpPr>
+          <p:cNvPr id="86" name="이등변 삼각형 85">
+            <a:extLst>
+              <a:ext uri="{FF2B5EF4-FFF2-40B4-BE49-F238E27FC236}">
+                <a16:creationId xmlns:a16="http://schemas.microsoft.com/office/drawing/2014/main" id="{87B9EB32-F97B-4FD0-86F0-936E3267FFED}"/>
+              </a:ext>
+            </a:extLst>
+          </p:cNvPr>
+          <p:cNvSpPr/>
+          <p:nvPr/>
+        </p:nvSpPr>
+        <p:spPr>
+          <a:xfrm rot="5400000">
+            <a:off x="4220522" y="1453802"/>
+            <a:ext cx="271316" cy="233893"/>
+          </a:xfrm>
+          <a:prstGeom prst="triangle">
+            <a:avLst/>
+          </a:prstGeom>
+          <a:solidFill>
+            <a:schemeClr val="tx1">
+              <a:lumMod val="95000"/>
+              <a:lumOff val="5000"/>
+            </a:schemeClr>
+          </a:solidFill>
+        </p:spPr>
+        <p:style>
+          <a:lnRef idx="2">
+            <a:schemeClr val="accent1">
+              <a:shade val="50000"/>
+            </a:schemeClr>
+          </a:lnRef>
+          <a:fillRef idx="1">
+            <a:schemeClr val="accent1"/>
+          </a:fillRef>
+          <a:effectRef idx="0">
+            <a:schemeClr val="accent1"/>
+          </a:effectRef>
+          <a:fontRef idx="minor">
+            <a:schemeClr val="lt1"/>
+          </a:fontRef>
+        </p:style>
+        <p:txBody>
+          <a:bodyPr rtlCol="0" anchor="ctr"/>
+          <a:lstStyle/>
+          <a:p>
+            <a:pPr algn="ctr"/>
+            <a:endParaRPr lang="ko-KR" altLang="en-US"/>
+          </a:p>
+        </p:txBody>
+      </p:sp>
+      <p:sp>
+        <p:nvSpPr>
+          <p:cNvPr id="87" name="이등변 삼각형 86">
+            <a:extLst>
+              <a:ext uri="{FF2B5EF4-FFF2-40B4-BE49-F238E27FC236}">
+                <a16:creationId xmlns:a16="http://schemas.microsoft.com/office/drawing/2014/main" id="{06B6E2BD-8176-4C18-851C-C1B91F6CDE18}"/>
+              </a:ext>
+            </a:extLst>
+          </p:cNvPr>
+          <p:cNvSpPr/>
+          <p:nvPr/>
+        </p:nvSpPr>
+        <p:spPr>
+          <a:xfrm rot="5400000">
+            <a:off x="5395763" y="1461018"/>
+            <a:ext cx="271316" cy="233893"/>
+          </a:xfrm>
+          <a:prstGeom prst="triangle">
+            <a:avLst/>
+          </a:prstGeom>
+          <a:solidFill>
+            <a:schemeClr val="tx1">
+              <a:lumMod val="95000"/>
+              <a:lumOff val="5000"/>
+            </a:schemeClr>
+          </a:solidFill>
+        </p:spPr>
+        <p:style>
+          <a:lnRef idx="2">
+            <a:schemeClr val="accent1">
+              <a:shade val="50000"/>
+            </a:schemeClr>
+          </a:lnRef>
+          <a:fillRef idx="1">
+            <a:schemeClr val="accent1"/>
+          </a:fillRef>
+          <a:effectRef idx="0">
+            <a:schemeClr val="accent1"/>
+          </a:effectRef>
+          <a:fontRef idx="minor">
+            <a:schemeClr val="lt1"/>
+          </a:fontRef>
+        </p:style>
+        <p:txBody>
+          <a:bodyPr rtlCol="0" anchor="ctr"/>
+          <a:lstStyle/>
+          <a:p>
+            <a:pPr algn="ctr"/>
+            <a:endParaRPr lang="ko-KR" altLang="en-US"/>
+          </a:p>
+        </p:txBody>
+      </p:sp>
+      <p:sp>
+        <p:nvSpPr>
+          <p:cNvPr id="88" name="이등변 삼각형 87">
+            <a:extLst>
+              <a:ext uri="{FF2B5EF4-FFF2-40B4-BE49-F238E27FC236}">
+                <a16:creationId xmlns:a16="http://schemas.microsoft.com/office/drawing/2014/main" id="{4DACA3DC-5D8A-4734-AB5D-AFE8EF1E942C}"/>
+              </a:ext>
+            </a:extLst>
+          </p:cNvPr>
+          <p:cNvSpPr/>
+          <p:nvPr/>
+        </p:nvSpPr>
+        <p:spPr>
+          <a:xfrm rot="5400000">
+            <a:off x="7271517" y="1451585"/>
+            <a:ext cx="271316" cy="233893"/>
+          </a:xfrm>
+          <a:prstGeom prst="triangle">
+            <a:avLst/>
+          </a:prstGeom>
+          <a:solidFill>
+            <a:schemeClr val="tx1">
+              <a:lumMod val="95000"/>
+              <a:lumOff val="5000"/>
+            </a:schemeClr>
+          </a:solidFill>
+        </p:spPr>
+        <p:style>
+          <a:lnRef idx="2">
+            <a:schemeClr val="accent1">
+              <a:shade val="50000"/>
+            </a:schemeClr>
+          </a:lnRef>
+          <a:fillRef idx="1">
+            <a:schemeClr val="accent1"/>
+          </a:fillRef>
+          <a:effectRef idx="0">
+            <a:schemeClr val="accent1"/>
+          </a:effectRef>
+          <a:fontRef idx="minor">
+            <a:schemeClr val="lt1"/>
+          </a:fontRef>
+        </p:style>
+        <p:txBody>
+          <a:bodyPr rtlCol="0" anchor="ctr"/>
+          <a:lstStyle/>
+          <a:p>
+            <a:pPr algn="ctr"/>
+            <a:endParaRPr lang="ko-KR" altLang="en-US"/>
+          </a:p>
+        </p:txBody>
+      </p:sp>
+      <p:sp>
+        <p:nvSpPr>
+          <p:cNvPr id="89" name="이등변 삼각형 88">
+            <a:extLst>
+              <a:ext uri="{FF2B5EF4-FFF2-40B4-BE49-F238E27FC236}">
+                <a16:creationId xmlns:a16="http://schemas.microsoft.com/office/drawing/2014/main" id="{075A0392-E110-4E7B-BE3F-62688DC322DC}"/>
+              </a:ext>
+            </a:extLst>
+          </p:cNvPr>
+          <p:cNvSpPr/>
+          <p:nvPr/>
+        </p:nvSpPr>
+        <p:spPr>
+          <a:xfrm rot="5400000">
+            <a:off x="9148217" y="1451585"/>
+            <a:ext cx="271316" cy="233893"/>
+          </a:xfrm>
+          <a:prstGeom prst="triangle">
+            <a:avLst/>
+          </a:prstGeom>
+          <a:solidFill>
+            <a:schemeClr val="tx1">
+              <a:lumMod val="95000"/>
+              <a:lumOff val="5000"/>
+            </a:schemeClr>
+          </a:solidFill>
+        </p:spPr>
+        <p:style>
+          <a:lnRef idx="2">
+            <a:schemeClr val="accent1">
+              <a:shade val="50000"/>
+            </a:schemeClr>
+          </a:lnRef>
+          <a:fillRef idx="1">
+            <a:schemeClr val="accent1"/>
+          </a:fillRef>
+          <a:effectRef idx="0">
+            <a:schemeClr val="accent1"/>
+          </a:effectRef>
+          <a:fontRef idx="minor">
+            <a:schemeClr val="lt1"/>
+          </a:fontRef>
+        </p:style>
+        <p:txBody>
+          <a:bodyPr rtlCol="0" anchor="ctr"/>
+          <a:lstStyle/>
+          <a:p>
+            <a:pPr algn="ctr"/>
+            <a:endParaRPr lang="ko-KR" altLang="en-US"/>
+          </a:p>
+        </p:txBody>
+      </p:sp>
+      <p:sp>
+        <p:nvSpPr>
+          <p:cNvPr id="90" name="이등변 삼각형 89">
+            <a:extLst>
+              <a:ext uri="{FF2B5EF4-FFF2-40B4-BE49-F238E27FC236}">
+                <a16:creationId xmlns:a16="http://schemas.microsoft.com/office/drawing/2014/main" id="{AFEDC138-B589-4B03-814C-DDA8089994D4}"/>
+              </a:ext>
+            </a:extLst>
+          </p:cNvPr>
+          <p:cNvSpPr/>
+          <p:nvPr/>
+        </p:nvSpPr>
+        <p:spPr>
+          <a:xfrm rot="10800000">
+            <a:off x="11043833" y="1205588"/>
+            <a:ext cx="271316" cy="233893"/>
+          </a:xfrm>
+          <a:prstGeom prst="triangle">
+            <a:avLst/>
+          </a:prstGeom>
+          <a:solidFill>
+            <a:schemeClr val="tx1">
+              <a:lumMod val="95000"/>
+              <a:lumOff val="5000"/>
+            </a:schemeClr>
+          </a:solidFill>
+        </p:spPr>
+        <p:style>
+          <a:lnRef idx="2">
+            <a:schemeClr val="accent1">
+              <a:shade val="50000"/>
+            </a:schemeClr>
+          </a:lnRef>
+          <a:fillRef idx="1">
+            <a:schemeClr val="accent1"/>
+          </a:fillRef>
+          <a:effectRef idx="0">
+            <a:schemeClr val="accent1"/>
+          </a:effectRef>
+          <a:fontRef idx="minor">
+            <a:schemeClr val="lt1"/>
+          </a:fontRef>
+        </p:style>
+        <p:txBody>
+          <a:bodyPr rtlCol="0" anchor="ctr"/>
+          <a:lstStyle/>
+          <a:p>
+            <a:pPr algn="ctr"/>
+            <a:endParaRPr lang="ko-KR" altLang="en-US"/>
+          </a:p>
+        </p:txBody>
+      </p:sp>
+      <p:sp>
+        <p:nvSpPr>
+          <p:cNvPr id="91" name="직사각형 90">
+            <a:extLst>
+              <a:ext uri="{FF2B5EF4-FFF2-40B4-BE49-F238E27FC236}">
+                <a16:creationId xmlns:a16="http://schemas.microsoft.com/office/drawing/2014/main" id="{E642C69E-EBD9-4901-943A-6A3B97AF2DBF}"/>
+              </a:ext>
+            </a:extLst>
+          </p:cNvPr>
+          <p:cNvSpPr/>
+          <p:nvPr/>
+        </p:nvSpPr>
+        <p:spPr>
+          <a:xfrm>
+            <a:off x="5112038" y="1060637"/>
+            <a:ext cx="6203111" cy="181422"/>
+          </a:xfrm>
+          <a:prstGeom prst="rect">
+            <a:avLst/>
+          </a:prstGeom>
+          <a:solidFill>
+            <a:schemeClr val="tx1">
+              <a:lumMod val="95000"/>
+              <a:lumOff val="5000"/>
+            </a:schemeClr>
+          </a:solidFill>
+          <a:ln>
+            <a:solidFill>
+              <a:schemeClr val="tx1">
+                <a:lumMod val="95000"/>
+                <a:lumOff val="5000"/>
+              </a:schemeClr>
+            </a:solidFill>
+          </a:ln>
+        </p:spPr>
+        <p:style>
+          <a:lnRef idx="2">
+            <a:schemeClr val="accent1">
+              <a:shade val="50000"/>
+            </a:schemeClr>
+          </a:lnRef>
+          <a:fillRef idx="1">
+            <a:schemeClr val="accent1"/>
+          </a:fillRef>
+          <a:effectRef idx="0">
+            <a:schemeClr val="accent1"/>
+          </a:effectRef>
+          <a:fontRef idx="minor">
+            <a:schemeClr val="lt1"/>
+          </a:fontRef>
+        </p:style>
+        <p:txBody>
+          <a:bodyPr rtlCol="0" anchor="ctr"/>
+          <a:lstStyle/>
+          <a:p>
+            <a:pPr algn="ctr"/>
+            <a:endParaRPr lang="ko-KR" altLang="en-US"/>
+          </a:p>
+        </p:txBody>
+      </p:sp>
+      <p:sp>
+        <p:nvSpPr>
+          <p:cNvPr id="92" name="이등변 삼각형 91">
+            <a:extLst>
+              <a:ext uri="{FF2B5EF4-FFF2-40B4-BE49-F238E27FC236}">
+                <a16:creationId xmlns:a16="http://schemas.microsoft.com/office/drawing/2014/main" id="{1B250A96-6254-4B5E-9B44-01F4AD915323}"/>
+              </a:ext>
+            </a:extLst>
+          </p:cNvPr>
+          <p:cNvSpPr/>
+          <p:nvPr/>
+        </p:nvSpPr>
+        <p:spPr>
+          <a:xfrm rot="16200000">
+            <a:off x="9190208" y="1712016"/>
+            <a:ext cx="271316" cy="233893"/>
+          </a:xfrm>
+          <a:prstGeom prst="triangle">
+            <a:avLst/>
+          </a:prstGeom>
+          <a:solidFill>
+            <a:srgbClr val="FF0000"/>
+          </a:solidFill>
+        </p:spPr>
+        <p:style>
+          <a:lnRef idx="2">
+            <a:schemeClr val="accent1">
+              <a:shade val="50000"/>
+            </a:schemeClr>
+          </a:lnRef>
+          <a:fillRef idx="1">
+            <a:schemeClr val="accent1"/>
+          </a:fillRef>
+          <a:effectRef idx="0">
+            <a:schemeClr val="accent1"/>
+          </a:effectRef>
+          <a:fontRef idx="minor">
+            <a:schemeClr val="lt1"/>
+          </a:fontRef>
+        </p:style>
+        <p:txBody>
+          <a:bodyPr rtlCol="0" anchor="ctr"/>
+          <a:lstStyle/>
+          <a:p>
+            <a:pPr algn="ctr"/>
+            <a:endParaRPr lang="ko-KR" altLang="en-US"/>
+          </a:p>
+        </p:txBody>
+      </p:sp>
+      <p:sp>
+        <p:nvSpPr>
+          <p:cNvPr id="93" name="직사각형 92">
+            <a:extLst>
+              <a:ext uri="{FF2B5EF4-FFF2-40B4-BE49-F238E27FC236}">
+                <a16:creationId xmlns:a16="http://schemas.microsoft.com/office/drawing/2014/main" id="{10BACDC9-FA92-4CA0-906E-8AA3C8EE9981}"/>
+              </a:ext>
+            </a:extLst>
+          </p:cNvPr>
+          <p:cNvSpPr/>
+          <p:nvPr/>
+        </p:nvSpPr>
+        <p:spPr>
+          <a:xfrm rot="5400000">
+            <a:off x="4945567" y="1181770"/>
+            <a:ext cx="377290" cy="135024"/>
+          </a:xfrm>
+          <a:prstGeom prst="rect">
+            <a:avLst/>
+          </a:prstGeom>
+          <a:solidFill>
+            <a:schemeClr val="tx1">
+              <a:lumMod val="95000"/>
+              <a:lumOff val="5000"/>
+            </a:schemeClr>
+          </a:solidFill>
+          <a:ln>
+            <a:solidFill>
+              <a:schemeClr val="tx1">
+                <a:lumMod val="95000"/>
+                <a:lumOff val="5000"/>
+              </a:schemeClr>
+            </a:solidFill>
+          </a:ln>
+        </p:spPr>
+        <p:style>
+          <a:lnRef idx="2">
+            <a:schemeClr val="accent1">
+              <a:shade val="50000"/>
+            </a:schemeClr>
+          </a:lnRef>
+          <a:fillRef idx="1">
+            <a:schemeClr val="accent1"/>
+          </a:fillRef>
+          <a:effectRef idx="0">
+            <a:schemeClr val="accent1"/>
+          </a:effectRef>
+          <a:fontRef idx="minor">
+            <a:schemeClr val="lt1"/>
+          </a:fontRef>
+        </p:style>
+        <p:txBody>
+          <a:bodyPr rtlCol="0" anchor="ctr"/>
+          <a:lstStyle/>
+          <a:p>
+            <a:pPr algn="ctr"/>
+            <a:endParaRPr lang="ko-KR" altLang="en-US"/>
+          </a:p>
+        </p:txBody>
+      </p:sp>
+      <p:sp>
+        <p:nvSpPr>
+          <p:cNvPr id="94" name="이등변 삼각형 93">
+            <a:extLst>
+              <a:ext uri="{FF2B5EF4-FFF2-40B4-BE49-F238E27FC236}">
+                <a16:creationId xmlns:a16="http://schemas.microsoft.com/office/drawing/2014/main" id="{0D322E9D-5391-44C2-9A8A-C86D4D27D348}"/>
+              </a:ext>
+            </a:extLst>
+          </p:cNvPr>
+          <p:cNvSpPr/>
+          <p:nvPr/>
+        </p:nvSpPr>
+        <p:spPr>
+          <a:xfrm rot="16200000">
+            <a:off x="7248540" y="1719792"/>
+            <a:ext cx="271316" cy="233893"/>
+          </a:xfrm>
+          <a:prstGeom prst="triangle">
+            <a:avLst/>
+          </a:prstGeom>
+          <a:solidFill>
+            <a:srgbClr val="FF0000"/>
+          </a:solidFill>
+        </p:spPr>
+        <p:style>
+          <a:lnRef idx="2">
+            <a:schemeClr val="accent1">
+              <a:shade val="50000"/>
+            </a:schemeClr>
+          </a:lnRef>
+          <a:fillRef idx="1">
+            <a:schemeClr val="accent1"/>
+          </a:fillRef>
+          <a:effectRef idx="0">
+            <a:schemeClr val="accent1"/>
+          </a:effectRef>
+          <a:fontRef idx="minor">
+            <a:schemeClr val="lt1"/>
+          </a:fontRef>
+        </p:style>
+        <p:txBody>
+          <a:bodyPr rtlCol="0" anchor="ctr"/>
+          <a:lstStyle/>
+          <a:p>
+            <a:pPr algn="ctr"/>
+            <a:endParaRPr lang="ko-KR" altLang="en-US"/>
+          </a:p>
+        </p:txBody>
+      </p:sp>
+      <p:sp>
+        <p:nvSpPr>
+          <p:cNvPr id="95" name="이등변 삼각형 94">
+            <a:extLst>
+              <a:ext uri="{FF2B5EF4-FFF2-40B4-BE49-F238E27FC236}">
+                <a16:creationId xmlns:a16="http://schemas.microsoft.com/office/drawing/2014/main" id="{5C26F162-2E91-46ED-B9FC-DDD92A7813C0}"/>
+              </a:ext>
+            </a:extLst>
+          </p:cNvPr>
+          <p:cNvSpPr/>
+          <p:nvPr/>
+        </p:nvSpPr>
+        <p:spPr>
+          <a:xfrm rot="16200000">
+            <a:off x="5367134" y="1741067"/>
+            <a:ext cx="271316" cy="233893"/>
+          </a:xfrm>
+          <a:prstGeom prst="triangle">
+            <a:avLst/>
+          </a:prstGeom>
+          <a:solidFill>
+            <a:srgbClr val="FF0000"/>
+          </a:solidFill>
+        </p:spPr>
+        <p:style>
+          <a:lnRef idx="2">
+            <a:schemeClr val="accent1">
+              <a:shade val="50000"/>
+            </a:schemeClr>
+          </a:lnRef>
+          <a:fillRef idx="1">
+            <a:schemeClr val="accent1"/>
+          </a:fillRef>
+          <a:effectRef idx="0">
+            <a:schemeClr val="accent1"/>
+          </a:effectRef>
+          <a:fontRef idx="minor">
+            <a:schemeClr val="lt1"/>
+          </a:fontRef>
+        </p:style>
+        <p:txBody>
+          <a:bodyPr rtlCol="0" anchor="ctr"/>
+          <a:lstStyle/>
+          <a:p>
+            <a:pPr algn="ctr"/>
+            <a:endParaRPr lang="ko-KR" altLang="en-US"/>
+          </a:p>
+        </p:txBody>
+      </p:sp>
+      <p:sp>
+        <p:nvSpPr>
+          <p:cNvPr id="96" name="이등변 삼각형 95">
+            <a:extLst>
+              <a:ext uri="{FF2B5EF4-FFF2-40B4-BE49-F238E27FC236}">
+                <a16:creationId xmlns:a16="http://schemas.microsoft.com/office/drawing/2014/main" id="{20D81C29-CCCC-4561-9CDD-1C36604A1457}"/>
+              </a:ext>
+            </a:extLst>
+          </p:cNvPr>
+          <p:cNvSpPr/>
+          <p:nvPr/>
+        </p:nvSpPr>
+        <p:spPr>
+          <a:xfrm>
+            <a:off x="10786864" y="1198980"/>
+            <a:ext cx="271316" cy="233893"/>
+          </a:xfrm>
+          <a:prstGeom prst="triangle">
+            <a:avLst/>
+          </a:prstGeom>
+          <a:solidFill>
+            <a:srgbClr val="FF0000"/>
+          </a:solidFill>
+        </p:spPr>
+        <p:style>
+          <a:lnRef idx="2">
+            <a:schemeClr val="accent1">
+              <a:shade val="50000"/>
+            </a:schemeClr>
+          </a:lnRef>
+          <a:fillRef idx="1">
+            <a:schemeClr val="accent1"/>
+          </a:fillRef>
+          <a:effectRef idx="0">
+            <a:schemeClr val="accent1"/>
+          </a:effectRef>
+          <a:fontRef idx="minor">
+            <a:schemeClr val="lt1"/>
+          </a:fontRef>
+        </p:style>
+        <p:txBody>
+          <a:bodyPr rtlCol="0" anchor="ctr"/>
+          <a:lstStyle/>
+          <a:p>
+            <a:pPr algn="ctr"/>
+            <a:endParaRPr lang="ko-KR" altLang="en-US"/>
+          </a:p>
+        </p:txBody>
+      </p:sp>
+      <p:sp>
+        <p:nvSpPr>
+          <p:cNvPr id="102" name="직사각형 101">
+            <a:extLst>
+              <a:ext uri="{FF2B5EF4-FFF2-40B4-BE49-F238E27FC236}">
+                <a16:creationId xmlns:a16="http://schemas.microsoft.com/office/drawing/2014/main" id="{0371C682-A052-47DE-8B26-2F1C293F1D18}"/>
+              </a:ext>
+            </a:extLst>
+          </p:cNvPr>
+          <p:cNvSpPr/>
+          <p:nvPr/>
+        </p:nvSpPr>
+        <p:spPr>
+          <a:xfrm>
+            <a:off x="5204141" y="1112207"/>
+            <a:ext cx="250842" cy="97023"/>
+          </a:xfrm>
+          <a:prstGeom prst="rect">
+            <a:avLst/>
+          </a:prstGeom>
+          <a:solidFill>
+            <a:srgbClr val="FF0000"/>
+          </a:solidFill>
+          <a:ln>
+            <a:solidFill>
+              <a:schemeClr val="tx1">
+                <a:lumMod val="95000"/>
+                <a:lumOff val="5000"/>
+              </a:schemeClr>
+            </a:solidFill>
+          </a:ln>
+        </p:spPr>
+        <p:style>
+          <a:lnRef idx="2">
+            <a:schemeClr val="accent1">
+              <a:shade val="50000"/>
+            </a:schemeClr>
+          </a:lnRef>
+          <a:fillRef idx="1">
+            <a:schemeClr val="accent1"/>
+          </a:fillRef>
+          <a:effectRef idx="0">
+            <a:schemeClr val="accent1"/>
+          </a:effectRef>
+          <a:fontRef idx="minor">
+            <a:schemeClr val="lt1"/>
+          </a:fontRef>
+        </p:style>
+        <p:txBody>
+          <a:bodyPr rtlCol="0" anchor="ctr"/>
+          <a:lstStyle/>
+          <a:p>
+            <a:pPr algn="ctr"/>
+            <a:endParaRPr lang="ko-KR" altLang="en-US"/>
+          </a:p>
+        </p:txBody>
+      </p:sp>
+      <p:sp>
+        <p:nvSpPr>
+          <p:cNvPr id="103" name="직사각형 102">
+            <a:extLst>
+              <a:ext uri="{FF2B5EF4-FFF2-40B4-BE49-F238E27FC236}">
+                <a16:creationId xmlns:a16="http://schemas.microsoft.com/office/drawing/2014/main" id="{6F7AB50E-3881-46C7-8C11-62D9D9DA5E23}"/>
+              </a:ext>
+            </a:extLst>
+          </p:cNvPr>
+          <p:cNvSpPr/>
+          <p:nvPr/>
+        </p:nvSpPr>
+        <p:spPr>
+          <a:xfrm>
+            <a:off x="6696702" y="1108565"/>
+            <a:ext cx="250842" cy="97023"/>
+          </a:xfrm>
+          <a:prstGeom prst="rect">
+            <a:avLst/>
+          </a:prstGeom>
+          <a:solidFill>
+            <a:srgbClr val="FF0000"/>
+          </a:solidFill>
+          <a:ln>
+            <a:solidFill>
+              <a:schemeClr val="tx1">
+                <a:lumMod val="95000"/>
+                <a:lumOff val="5000"/>
+              </a:schemeClr>
+            </a:solidFill>
+          </a:ln>
+        </p:spPr>
+        <p:style>
+          <a:lnRef idx="2">
+            <a:schemeClr val="accent1">
+              <a:shade val="50000"/>
+            </a:schemeClr>
+          </a:lnRef>
+          <a:fillRef idx="1">
+            <a:schemeClr val="accent1"/>
+          </a:fillRef>
+          <a:effectRef idx="0">
+            <a:schemeClr val="accent1"/>
+          </a:effectRef>
+          <a:fontRef idx="minor">
+            <a:schemeClr val="lt1"/>
+          </a:fontRef>
+        </p:style>
+        <p:txBody>
+          <a:bodyPr rtlCol="0" anchor="ctr"/>
+          <a:lstStyle/>
+          <a:p>
+            <a:pPr algn="ctr"/>
+            <a:endParaRPr lang="ko-KR" altLang="en-US"/>
+          </a:p>
+        </p:txBody>
+      </p:sp>
+      <p:sp>
+        <p:nvSpPr>
+          <p:cNvPr id="104" name="직사각형 103">
+            <a:extLst>
+              <a:ext uri="{FF2B5EF4-FFF2-40B4-BE49-F238E27FC236}">
+                <a16:creationId xmlns:a16="http://schemas.microsoft.com/office/drawing/2014/main" id="{DEBBBFF5-702E-485A-AED8-8198EF2D26E9}"/>
+              </a:ext>
+            </a:extLst>
+          </p:cNvPr>
+          <p:cNvSpPr/>
+          <p:nvPr/>
+        </p:nvSpPr>
+        <p:spPr>
+          <a:xfrm>
+            <a:off x="5696362" y="1101957"/>
+            <a:ext cx="250842" cy="97023"/>
+          </a:xfrm>
+          <a:prstGeom prst="rect">
+            <a:avLst/>
+          </a:prstGeom>
+          <a:solidFill>
+            <a:srgbClr val="FF0000"/>
+          </a:solidFill>
+          <a:ln>
+            <a:solidFill>
+              <a:schemeClr val="tx1">
+                <a:lumMod val="95000"/>
+                <a:lumOff val="5000"/>
+              </a:schemeClr>
+            </a:solidFill>
+          </a:ln>
+        </p:spPr>
+        <p:style>
+          <a:lnRef idx="2">
+            <a:schemeClr val="accent1">
+              <a:shade val="50000"/>
+            </a:schemeClr>
+          </a:lnRef>
+          <a:fillRef idx="1">
+            <a:schemeClr val="accent1"/>
+          </a:fillRef>
+          <a:effectRef idx="0">
+            <a:schemeClr val="accent1"/>
+          </a:effectRef>
+          <a:fontRef idx="minor">
+            <a:schemeClr val="lt1"/>
+          </a:fontRef>
+        </p:style>
+        <p:txBody>
+          <a:bodyPr rtlCol="0" anchor="ctr"/>
+          <a:lstStyle/>
+          <a:p>
+            <a:pPr algn="ctr"/>
+            <a:endParaRPr lang="ko-KR" altLang="en-US"/>
+          </a:p>
+        </p:txBody>
+      </p:sp>
+      <p:sp>
+        <p:nvSpPr>
+          <p:cNvPr id="105" name="직사각형 104">
+            <a:extLst>
+              <a:ext uri="{FF2B5EF4-FFF2-40B4-BE49-F238E27FC236}">
+                <a16:creationId xmlns:a16="http://schemas.microsoft.com/office/drawing/2014/main" id="{15D8239C-F562-4987-8B76-FB2280CBF250}"/>
+              </a:ext>
+            </a:extLst>
+          </p:cNvPr>
+          <p:cNvSpPr/>
+          <p:nvPr/>
+        </p:nvSpPr>
+        <p:spPr>
+          <a:xfrm>
+            <a:off x="6196532" y="1100522"/>
+            <a:ext cx="250842" cy="97023"/>
+          </a:xfrm>
+          <a:prstGeom prst="rect">
+            <a:avLst/>
+          </a:prstGeom>
+          <a:solidFill>
+            <a:srgbClr val="FF0000"/>
+          </a:solidFill>
+          <a:ln>
+            <a:solidFill>
+              <a:schemeClr val="tx1">
+                <a:lumMod val="95000"/>
+                <a:lumOff val="5000"/>
+              </a:schemeClr>
+            </a:solidFill>
+          </a:ln>
+        </p:spPr>
+        <p:style>
+          <a:lnRef idx="2">
+            <a:schemeClr val="accent1">
+              <a:shade val="50000"/>
+            </a:schemeClr>
+          </a:lnRef>
+          <a:fillRef idx="1">
+            <a:schemeClr val="accent1"/>
+          </a:fillRef>
+          <a:effectRef idx="0">
+            <a:schemeClr val="accent1"/>
+          </a:effectRef>
+          <a:fontRef idx="minor">
+            <a:schemeClr val="lt1"/>
+          </a:fontRef>
+        </p:style>
+        <p:txBody>
+          <a:bodyPr rtlCol="0" anchor="ctr"/>
+          <a:lstStyle/>
+          <a:p>
+            <a:pPr algn="ctr"/>
+            <a:endParaRPr lang="ko-KR" altLang="en-US"/>
+          </a:p>
+        </p:txBody>
+      </p:sp>
+      <p:sp>
+        <p:nvSpPr>
+          <p:cNvPr id="106" name="직사각형 105">
+            <a:extLst>
+              <a:ext uri="{FF2B5EF4-FFF2-40B4-BE49-F238E27FC236}">
+                <a16:creationId xmlns:a16="http://schemas.microsoft.com/office/drawing/2014/main" id="{1C07A69F-77DD-4815-B670-A94592C8B539}"/>
+              </a:ext>
+            </a:extLst>
+          </p:cNvPr>
+          <p:cNvSpPr/>
+          <p:nvPr/>
+        </p:nvSpPr>
+        <p:spPr>
+          <a:xfrm>
+            <a:off x="7197804" y="1107310"/>
+            <a:ext cx="250842" cy="97023"/>
+          </a:xfrm>
+          <a:prstGeom prst="rect">
+            <a:avLst/>
+          </a:prstGeom>
+          <a:solidFill>
+            <a:srgbClr val="FF0000"/>
+          </a:solidFill>
+          <a:ln>
+            <a:solidFill>
+              <a:schemeClr val="tx1">
+                <a:lumMod val="95000"/>
+                <a:lumOff val="5000"/>
+              </a:schemeClr>
+            </a:solidFill>
+          </a:ln>
+        </p:spPr>
+        <p:style>
+          <a:lnRef idx="2">
+            <a:schemeClr val="accent1">
+              <a:shade val="50000"/>
+            </a:schemeClr>
+          </a:lnRef>
+          <a:fillRef idx="1">
+            <a:schemeClr val="accent1"/>
+          </a:fillRef>
+          <a:effectRef idx="0">
+            <a:schemeClr val="accent1"/>
+          </a:effectRef>
+          <a:fontRef idx="minor">
+            <a:schemeClr val="lt1"/>
+          </a:fontRef>
+        </p:style>
+        <p:txBody>
+          <a:bodyPr rtlCol="0" anchor="ctr"/>
+          <a:lstStyle/>
+          <a:p>
+            <a:pPr algn="ctr"/>
+            <a:endParaRPr lang="ko-KR" altLang="en-US"/>
+          </a:p>
+        </p:txBody>
+      </p:sp>
+      <p:sp>
+        <p:nvSpPr>
+          <p:cNvPr id="107" name="직사각형 106">
+            <a:extLst>
+              <a:ext uri="{FF2B5EF4-FFF2-40B4-BE49-F238E27FC236}">
+                <a16:creationId xmlns:a16="http://schemas.microsoft.com/office/drawing/2014/main" id="{CD23E6D9-ECE3-4AA6-A7D8-08F0E0656DC7}"/>
+              </a:ext>
+            </a:extLst>
+          </p:cNvPr>
+          <p:cNvSpPr/>
+          <p:nvPr/>
+        </p:nvSpPr>
+        <p:spPr>
+          <a:xfrm>
+            <a:off x="8690365" y="1103668"/>
+            <a:ext cx="250842" cy="97023"/>
+          </a:xfrm>
+          <a:prstGeom prst="rect">
+            <a:avLst/>
+          </a:prstGeom>
+          <a:solidFill>
+            <a:srgbClr val="FF0000"/>
+          </a:solidFill>
+          <a:ln>
+            <a:solidFill>
+              <a:schemeClr val="tx1">
+                <a:lumMod val="95000"/>
+                <a:lumOff val="5000"/>
+              </a:schemeClr>
+            </a:solidFill>
+          </a:ln>
+        </p:spPr>
+        <p:style>
+          <a:lnRef idx="2">
+            <a:schemeClr val="accent1">
+              <a:shade val="50000"/>
+            </a:schemeClr>
+          </a:lnRef>
+          <a:fillRef idx="1">
+            <a:schemeClr val="accent1"/>
+          </a:fillRef>
+          <a:effectRef idx="0">
+            <a:schemeClr val="accent1"/>
+          </a:effectRef>
+          <a:fontRef idx="minor">
+            <a:schemeClr val="lt1"/>
+          </a:fontRef>
+        </p:style>
+        <p:txBody>
+          <a:bodyPr rtlCol="0" anchor="ctr"/>
+          <a:lstStyle/>
+          <a:p>
+            <a:pPr algn="ctr"/>
+            <a:endParaRPr lang="ko-KR" altLang="en-US"/>
+          </a:p>
+        </p:txBody>
+      </p:sp>
+      <p:sp>
+        <p:nvSpPr>
+          <p:cNvPr id="108" name="직사각형 107">
+            <a:extLst>
+              <a:ext uri="{FF2B5EF4-FFF2-40B4-BE49-F238E27FC236}">
+                <a16:creationId xmlns:a16="http://schemas.microsoft.com/office/drawing/2014/main" id="{D3757E8A-92CF-4B68-B09E-E47BC4622F9E}"/>
+              </a:ext>
+            </a:extLst>
+          </p:cNvPr>
+          <p:cNvSpPr/>
+          <p:nvPr/>
+        </p:nvSpPr>
+        <p:spPr>
+          <a:xfrm>
+            <a:off x="7690025" y="1097060"/>
+            <a:ext cx="250842" cy="97023"/>
+          </a:xfrm>
+          <a:prstGeom prst="rect">
+            <a:avLst/>
+          </a:prstGeom>
+          <a:solidFill>
+            <a:srgbClr val="FF0000"/>
+          </a:solidFill>
+          <a:ln>
+            <a:solidFill>
+              <a:schemeClr val="tx1">
+                <a:lumMod val="95000"/>
+                <a:lumOff val="5000"/>
+              </a:schemeClr>
+            </a:solidFill>
+          </a:ln>
+        </p:spPr>
+        <p:style>
+          <a:lnRef idx="2">
+            <a:schemeClr val="accent1">
+              <a:shade val="50000"/>
+            </a:schemeClr>
+          </a:lnRef>
+          <a:fillRef idx="1">
+            <a:schemeClr val="accent1"/>
+          </a:fillRef>
+          <a:effectRef idx="0">
+            <a:schemeClr val="accent1"/>
+          </a:effectRef>
+          <a:fontRef idx="minor">
+            <a:schemeClr val="lt1"/>
+          </a:fontRef>
+        </p:style>
+        <p:txBody>
+          <a:bodyPr rtlCol="0" anchor="ctr"/>
+          <a:lstStyle/>
+          <a:p>
+            <a:pPr algn="ctr"/>
+            <a:endParaRPr lang="ko-KR" altLang="en-US"/>
+          </a:p>
+        </p:txBody>
+      </p:sp>
+      <p:sp>
+        <p:nvSpPr>
+          <p:cNvPr id="109" name="직사각형 108">
+            <a:extLst>
+              <a:ext uri="{FF2B5EF4-FFF2-40B4-BE49-F238E27FC236}">
+                <a16:creationId xmlns:a16="http://schemas.microsoft.com/office/drawing/2014/main" id="{9DEE91F6-7452-48C0-B809-B6DB9BF0DC80}"/>
+              </a:ext>
+            </a:extLst>
+          </p:cNvPr>
+          <p:cNvSpPr/>
+          <p:nvPr/>
+        </p:nvSpPr>
+        <p:spPr>
+          <a:xfrm>
+            <a:off x="8190195" y="1095625"/>
+            <a:ext cx="250842" cy="97023"/>
+          </a:xfrm>
+          <a:prstGeom prst="rect">
+            <a:avLst/>
+          </a:prstGeom>
+          <a:solidFill>
+            <a:srgbClr val="FF0000"/>
+          </a:solidFill>
+          <a:ln>
+            <a:solidFill>
+              <a:schemeClr val="tx1">
+                <a:lumMod val="95000"/>
+                <a:lumOff val="5000"/>
+              </a:schemeClr>
+            </a:solidFill>
+          </a:ln>
+        </p:spPr>
+        <p:style>
+          <a:lnRef idx="2">
+            <a:schemeClr val="accent1">
+              <a:shade val="50000"/>
+            </a:schemeClr>
+          </a:lnRef>
+          <a:fillRef idx="1">
+            <a:schemeClr val="accent1"/>
+          </a:fillRef>
+          <a:effectRef idx="0">
+            <a:schemeClr val="accent1"/>
+          </a:effectRef>
+          <a:fontRef idx="minor">
+            <a:schemeClr val="lt1"/>
+          </a:fontRef>
+        </p:style>
+        <p:txBody>
+          <a:bodyPr rtlCol="0" anchor="ctr"/>
+          <a:lstStyle/>
+          <a:p>
+            <a:pPr algn="ctr"/>
+            <a:endParaRPr lang="ko-KR" altLang="en-US"/>
+          </a:p>
+        </p:txBody>
+      </p:sp>
+      <p:sp>
+        <p:nvSpPr>
+          <p:cNvPr id="110" name="직사각형 109">
+            <a:extLst>
+              <a:ext uri="{FF2B5EF4-FFF2-40B4-BE49-F238E27FC236}">
+                <a16:creationId xmlns:a16="http://schemas.microsoft.com/office/drawing/2014/main" id="{2D1BA14F-6CD6-42CE-BFB9-8F35775B0EC1}"/>
+              </a:ext>
+            </a:extLst>
+          </p:cNvPr>
+          <p:cNvSpPr/>
+          <p:nvPr/>
+        </p:nvSpPr>
+        <p:spPr>
+          <a:xfrm>
+            <a:off x="9190889" y="1103003"/>
+            <a:ext cx="250842" cy="97023"/>
+          </a:xfrm>
+          <a:prstGeom prst="rect">
+            <a:avLst/>
+          </a:prstGeom>
+          <a:solidFill>
+            <a:srgbClr val="FF0000"/>
+          </a:solidFill>
+          <a:ln>
+            <a:solidFill>
+              <a:schemeClr val="tx1">
+                <a:lumMod val="95000"/>
+                <a:lumOff val="5000"/>
+              </a:schemeClr>
+            </a:solidFill>
+          </a:ln>
+        </p:spPr>
+        <p:style>
+          <a:lnRef idx="2">
+            <a:schemeClr val="accent1">
+              <a:shade val="50000"/>
+            </a:schemeClr>
+          </a:lnRef>
+          <a:fillRef idx="1">
+            <a:schemeClr val="accent1"/>
+          </a:fillRef>
+          <a:effectRef idx="0">
+            <a:schemeClr val="accent1"/>
+          </a:effectRef>
+          <a:fontRef idx="minor">
+            <a:schemeClr val="lt1"/>
+          </a:fontRef>
+        </p:style>
+        <p:txBody>
+          <a:bodyPr rtlCol="0" anchor="ctr"/>
+          <a:lstStyle/>
+          <a:p>
+            <a:pPr algn="ctr"/>
+            <a:endParaRPr lang="ko-KR" altLang="en-US"/>
+          </a:p>
+        </p:txBody>
+      </p:sp>
+      <p:sp>
+        <p:nvSpPr>
+          <p:cNvPr id="111" name="직사각형 110">
+            <a:extLst>
+              <a:ext uri="{FF2B5EF4-FFF2-40B4-BE49-F238E27FC236}">
+                <a16:creationId xmlns:a16="http://schemas.microsoft.com/office/drawing/2014/main" id="{F169A4B8-85E7-4AB2-BD7E-607980C6709A}"/>
+              </a:ext>
+            </a:extLst>
+          </p:cNvPr>
+          <p:cNvSpPr/>
+          <p:nvPr/>
+        </p:nvSpPr>
+        <p:spPr>
+          <a:xfrm>
+            <a:off x="10683450" y="1099361"/>
+            <a:ext cx="250842" cy="97023"/>
+          </a:xfrm>
+          <a:prstGeom prst="rect">
+            <a:avLst/>
+          </a:prstGeom>
+          <a:solidFill>
+            <a:srgbClr val="FF0000"/>
+          </a:solidFill>
+          <a:ln>
+            <a:solidFill>
+              <a:schemeClr val="tx1">
+                <a:lumMod val="95000"/>
+                <a:lumOff val="5000"/>
+              </a:schemeClr>
+            </a:solidFill>
+          </a:ln>
+        </p:spPr>
+        <p:style>
+          <a:lnRef idx="2">
+            <a:schemeClr val="accent1">
+              <a:shade val="50000"/>
+            </a:schemeClr>
+          </a:lnRef>
+          <a:fillRef idx="1">
+            <a:schemeClr val="accent1"/>
+          </a:fillRef>
+          <a:effectRef idx="0">
+            <a:schemeClr val="accent1"/>
+          </a:effectRef>
+          <a:fontRef idx="minor">
+            <a:schemeClr val="lt1"/>
+          </a:fontRef>
+        </p:style>
+        <p:txBody>
+          <a:bodyPr rtlCol="0" anchor="ctr"/>
+          <a:lstStyle/>
+          <a:p>
+            <a:pPr algn="ctr"/>
+            <a:endParaRPr lang="ko-KR" altLang="en-US"/>
+          </a:p>
+        </p:txBody>
+      </p:sp>
+      <p:sp>
+        <p:nvSpPr>
+          <p:cNvPr id="112" name="직사각형 111">
+            <a:extLst>
+              <a:ext uri="{FF2B5EF4-FFF2-40B4-BE49-F238E27FC236}">
+                <a16:creationId xmlns:a16="http://schemas.microsoft.com/office/drawing/2014/main" id="{DD626ABC-8167-4036-9F59-777C2502161F}"/>
+              </a:ext>
+            </a:extLst>
+          </p:cNvPr>
+          <p:cNvSpPr/>
+          <p:nvPr/>
+        </p:nvSpPr>
+        <p:spPr>
+          <a:xfrm>
+            <a:off x="9683110" y="1092753"/>
+            <a:ext cx="250842" cy="97023"/>
+          </a:xfrm>
+          <a:prstGeom prst="rect">
+            <a:avLst/>
+          </a:prstGeom>
+          <a:solidFill>
+            <a:srgbClr val="FF0000"/>
+          </a:solidFill>
+          <a:ln>
+            <a:solidFill>
+              <a:schemeClr val="tx1">
+                <a:lumMod val="95000"/>
+                <a:lumOff val="5000"/>
+              </a:schemeClr>
+            </a:solidFill>
+          </a:ln>
+        </p:spPr>
+        <p:style>
+          <a:lnRef idx="2">
+            <a:schemeClr val="accent1">
+              <a:shade val="50000"/>
+            </a:schemeClr>
+          </a:lnRef>
+          <a:fillRef idx="1">
+            <a:schemeClr val="accent1"/>
+          </a:fillRef>
+          <a:effectRef idx="0">
+            <a:schemeClr val="accent1"/>
+          </a:effectRef>
+          <a:fontRef idx="minor">
+            <a:schemeClr val="lt1"/>
+          </a:fontRef>
+        </p:style>
+        <p:txBody>
+          <a:bodyPr rtlCol="0" anchor="ctr"/>
+          <a:lstStyle/>
+          <a:p>
+            <a:pPr algn="ctr"/>
+            <a:endParaRPr lang="ko-KR" altLang="en-US"/>
+          </a:p>
+        </p:txBody>
+      </p:sp>
+      <p:sp>
+        <p:nvSpPr>
+          <p:cNvPr id="113" name="직사각형 112">
+            <a:extLst>
+              <a:ext uri="{FF2B5EF4-FFF2-40B4-BE49-F238E27FC236}">
+                <a16:creationId xmlns:a16="http://schemas.microsoft.com/office/drawing/2014/main" id="{8A41609D-F133-4E1C-AD73-A4AE54FB02FB}"/>
+              </a:ext>
+            </a:extLst>
+          </p:cNvPr>
+          <p:cNvSpPr/>
+          <p:nvPr/>
+        </p:nvSpPr>
+        <p:spPr>
+          <a:xfrm>
+            <a:off x="10183280" y="1091318"/>
+            <a:ext cx="250842" cy="97023"/>
+          </a:xfrm>
+          <a:prstGeom prst="rect">
+            <a:avLst/>
+          </a:prstGeom>
+          <a:solidFill>
+            <a:srgbClr val="FF0000"/>
+          </a:solidFill>
+          <a:ln>
+            <a:solidFill>
+              <a:schemeClr val="tx1">
+                <a:lumMod val="95000"/>
+                <a:lumOff val="5000"/>
+              </a:schemeClr>
+            </a:solidFill>
+          </a:ln>
+        </p:spPr>
+        <p:style>
+          <a:lnRef idx="2">
+            <a:schemeClr val="accent1">
+              <a:shade val="50000"/>
+            </a:schemeClr>
+          </a:lnRef>
+          <a:fillRef idx="1">
+            <a:schemeClr val="accent1"/>
+          </a:fillRef>
+          <a:effectRef idx="0">
+            <a:schemeClr val="accent1"/>
+          </a:effectRef>
+          <a:fontRef idx="minor">
+            <a:schemeClr val="lt1"/>
+          </a:fontRef>
+        </p:style>
+        <p:txBody>
+          <a:bodyPr rtlCol="0" anchor="ctr"/>
+          <a:lstStyle/>
+          <a:p>
+            <a:pPr algn="ctr"/>
+            <a:endParaRPr lang="ko-KR" altLang="en-US"/>
+          </a:p>
+        </p:txBody>
+      </p:sp>
+    </p:spTree>
+    <p:extLst>
+      <p:ext uri="{BB962C8B-B14F-4D97-AF65-F5344CB8AC3E}">
+        <p14:creationId xmlns:p14="http://schemas.microsoft.com/office/powerpoint/2010/main" val="135543269"/>
+      </p:ext>
+    </p:extLst>
+  </p:cSld>
+  <p:clrMapOvr>
+    <a:masterClrMapping/>
+  </p:clrMapOvr>
+</p:sld>
+</file>
+
+<file path=ppt/slides/slide7.xml><?xml version="1.0" encoding="utf-8"?>
+<p:sld xmlns:a="http://schemas.openxmlformats.org/drawingml/2006/main" xmlns:r="http://schemas.openxmlformats.org/officeDocument/2006/relationships" xmlns:p="http://schemas.openxmlformats.org/presentationml/2006/main">
+  <p:cSld>
+    <p:spTree>
+      <p:nvGrpSpPr>
+        <p:cNvPr id="1" name=""/>
+        <p:cNvGrpSpPr/>
+        <p:nvPr/>
+      </p:nvGrpSpPr>
+      <p:grpSpPr>
+        <a:xfrm>
+          <a:off x="0" y="0"/>
+          <a:ext cx="0" cy="0"/>
+          <a:chOff x="0" y="0"/>
+          <a:chExt cx="0" cy="0"/>
+        </a:xfrm>
+      </p:grpSpPr>
       <p:graphicFrame>
         <p:nvGraphicFramePr>
           <p:cNvPr id="4" name="내용 개체 틀 3">
@@ -20011,7 +24494,909 @@
 </p:sld>
 </file>
 
-<file path=ppt/slides/slide7.xml><?xml version="1.0" encoding="utf-8"?>
+<file path=ppt/slides/slide8.xml><?xml version="1.0" encoding="utf-8"?>
+<p:sld xmlns:a="http://schemas.openxmlformats.org/drawingml/2006/main" xmlns:r="http://schemas.openxmlformats.org/officeDocument/2006/relationships" xmlns:p="http://schemas.openxmlformats.org/presentationml/2006/main">
+  <p:cSld>
+    <p:spTree>
+      <p:nvGrpSpPr>
+        <p:cNvPr id="1" name=""/>
+        <p:cNvGrpSpPr/>
+        <p:nvPr/>
+      </p:nvGrpSpPr>
+      <p:grpSpPr>
+        <a:xfrm>
+          <a:off x="0" y="0"/>
+          <a:ext cx="0" cy="0"/>
+          <a:chOff x="0" y="0"/>
+          <a:chExt cx="0" cy="0"/>
+        </a:xfrm>
+      </p:grpSpPr>
+      <p:graphicFrame>
+        <p:nvGraphicFramePr>
+          <p:cNvPr id="4" name="내용 개체 틀 3">
+            <a:extLst>
+              <a:ext uri="{FF2B5EF4-FFF2-40B4-BE49-F238E27FC236}">
+                <a16:creationId xmlns:a16="http://schemas.microsoft.com/office/drawing/2014/main" id="{6062FE13-71F7-4C44-A096-61BA7233B62F}"/>
+              </a:ext>
+            </a:extLst>
+          </p:cNvPr>
+          <p:cNvGraphicFramePr>
+            <a:graphicFrameLocks noGrp="1"/>
+          </p:cNvGraphicFramePr>
+          <p:nvPr>
+            <p:ph idx="1"/>
+            <p:extLst>
+              <p:ext uri="{D42A27DB-BD31-4B8C-83A1-F6EECF244321}">
+                <p14:modId xmlns:p14="http://schemas.microsoft.com/office/powerpoint/2010/main" val="4008460177"/>
+              </p:ext>
+            </p:extLst>
+          </p:nvPr>
+        </p:nvGraphicFramePr>
+        <p:xfrm>
+          <a:off x="0" y="840259"/>
+          <a:ext cx="12192000" cy="5974421"/>
+        </p:xfrm>
+        <a:graphic>
+          <a:graphicData uri="http://schemas.openxmlformats.org/drawingml/2006/table">
+            <a:tbl>
+              <a:tblPr firstRow="1" bandRow="1">
+                <a:tableStyleId>{5C22544A-7EE6-4342-B048-85BDC9FD1C3A}</a:tableStyleId>
+              </a:tblPr>
+              <a:tblGrid>
+                <a:gridCol w="1539112">
+                  <a:extLst>
+                    <a:ext uri="{9D8B030D-6E8A-4147-A177-3AD203B41FA5}">
+                      <a16:colId xmlns:a16="http://schemas.microsoft.com/office/drawing/2014/main" val="4088908340"/>
+                    </a:ext>
+                  </a:extLst>
+                </a:gridCol>
+                <a:gridCol w="4565126">
+                  <a:extLst>
+                    <a:ext uri="{9D8B030D-6E8A-4147-A177-3AD203B41FA5}">
+                      <a16:colId xmlns:a16="http://schemas.microsoft.com/office/drawing/2014/main" val="4241178600"/>
+                    </a:ext>
+                  </a:extLst>
+                </a:gridCol>
+                <a:gridCol w="6087762">
+                  <a:extLst>
+                    <a:ext uri="{9D8B030D-6E8A-4147-A177-3AD203B41FA5}">
+                      <a16:colId xmlns:a16="http://schemas.microsoft.com/office/drawing/2014/main" val="2033203392"/>
+                    </a:ext>
+                  </a:extLst>
+                </a:gridCol>
+              </a:tblGrid>
+              <a:tr h="370356">
+                <a:tc>
+                  <a:txBody>
+                    <a:bodyPr/>
+                    <a:lstStyle/>
+                    <a:p>
+                      <a:pPr algn="ctr" latinLnBrk="1"/>
+                      <a:r>
+                        <a:rPr lang="ko-KR" altLang="en-US" sz="1800" dirty="0"/>
+                        <a:t>내용</a:t>
+                      </a:r>
+                    </a:p>
+                  </a:txBody>
+                  <a:tcPr/>
+                </a:tc>
+                <a:tc>
+                  <a:txBody>
+                    <a:bodyPr/>
+                    <a:lstStyle/>
+                    <a:p>
+                      <a:pPr algn="ctr" latinLnBrk="1"/>
+                      <a:r>
+                        <a:rPr lang="ko-KR" altLang="en-US" sz="1800" dirty="0"/>
+                        <a:t>최소범위</a:t>
+                      </a:r>
+                    </a:p>
+                  </a:txBody>
+                  <a:tcPr/>
+                </a:tc>
+                <a:tc>
+                  <a:txBody>
+                    <a:bodyPr/>
+                    <a:lstStyle/>
+                    <a:p>
+                      <a:pPr algn="ctr" latinLnBrk="1"/>
+                      <a:r>
+                        <a:rPr lang="ko-KR" altLang="en-US" sz="1800" dirty="0"/>
+                        <a:t>추가범위</a:t>
+                      </a:r>
+                    </a:p>
+                  </a:txBody>
+                  <a:tcPr/>
+                </a:tc>
+                <a:extLst>
+                  <a:ext uri="{0D108BD9-81ED-4DB2-BD59-A6C34878D82A}">
+                    <a16:rowId xmlns:a16="http://schemas.microsoft.com/office/drawing/2014/main" val="2378687033"/>
+                  </a:ext>
+                </a:extLst>
+              </a:tr>
+              <a:tr h="524671">
+                <a:tc>
+                  <a:txBody>
+                    <a:bodyPr/>
+                    <a:lstStyle/>
+                    <a:p>
+                      <a:pPr algn="ctr" latinLnBrk="1"/>
+                      <a:r>
+                        <a:rPr lang="ko-KR" altLang="en-US" sz="1400" dirty="0"/>
+                        <a:t>캐릭터 </a:t>
+                      </a:r>
+                      <a:endParaRPr lang="en-US" altLang="ko-KR" sz="1400" dirty="0"/>
+                    </a:p>
+                    <a:p>
+                      <a:pPr algn="ctr" latinLnBrk="1"/>
+                      <a:r>
+                        <a:rPr lang="ko-KR" altLang="en-US" sz="1400" dirty="0"/>
+                        <a:t>컨트롤</a:t>
+                      </a:r>
+                    </a:p>
+                  </a:txBody>
+                  <a:tcPr/>
+                </a:tc>
+                <a:tc>
+                  <a:txBody>
+                    <a:bodyPr/>
+                    <a:lstStyle/>
+                    <a:p>
+                      <a:pPr algn="ctr" latinLnBrk="1"/>
+                      <a:r>
+                        <a:rPr lang="ko-KR" altLang="en-US" sz="1400" dirty="0"/>
+                        <a:t>마우스를 따라 움직이는 포신과 </a:t>
+                      </a:r>
+                      <a:r>
+                        <a:rPr lang="en-US" altLang="ko-KR" sz="1400" dirty="0"/>
+                        <a:t>W,A,S,D</a:t>
+                      </a:r>
+                      <a:r>
+                        <a:rPr lang="ko-KR" altLang="en-US" sz="1400" dirty="0"/>
+                        <a:t>로 움직이는 몸체</a:t>
+                      </a:r>
+                    </a:p>
+                  </a:txBody>
+                  <a:tcPr/>
+                </a:tc>
+                <a:tc>
+                  <a:txBody>
+                    <a:bodyPr/>
+                    <a:lstStyle/>
+                    <a:p>
+                      <a:pPr algn="ctr" latinLnBrk="1"/>
+                      <a:r>
+                        <a:rPr lang="en-US" altLang="ko-KR" sz="1400" dirty="0"/>
+                        <a:t>Q,E </a:t>
+                      </a:r>
+                      <a:r>
+                        <a:rPr lang="ko-KR" altLang="en-US" sz="1400" dirty="0"/>
+                        <a:t>스페이스바 </a:t>
+                      </a:r>
+                      <a:r>
+                        <a:rPr lang="ko-KR" altLang="en-US" sz="1400" dirty="0" err="1"/>
+                        <a:t>우클릭</a:t>
+                      </a:r>
+                      <a:r>
+                        <a:rPr lang="ko-KR" altLang="en-US" sz="1400" dirty="0"/>
+                        <a:t> 의 사용으로 스킬 및 무기 사용 과 자연스러운 포신움직임</a:t>
+                      </a:r>
+                    </a:p>
+                  </a:txBody>
+                  <a:tcPr/>
+                </a:tc>
+                <a:extLst>
+                  <a:ext uri="{0D108BD9-81ED-4DB2-BD59-A6C34878D82A}">
+                    <a16:rowId xmlns:a16="http://schemas.microsoft.com/office/drawing/2014/main" val="3269451671"/>
+                  </a:ext>
+                </a:extLst>
+              </a:tr>
+              <a:tr h="651100">
+                <a:tc>
+                  <a:txBody>
+                    <a:bodyPr/>
+                    <a:lstStyle/>
+                    <a:p>
+                      <a:pPr algn="ctr" latinLnBrk="1"/>
+                      <a:r>
+                        <a:rPr lang="ko-KR" altLang="en-US" sz="1400" dirty="0"/>
+                        <a:t>캐릭터</a:t>
+                      </a:r>
+                      <a:endParaRPr lang="en-US" altLang="ko-KR" sz="1400" dirty="0"/>
+                    </a:p>
+                    <a:p>
+                      <a:pPr algn="ctr" latinLnBrk="1"/>
+                      <a:r>
+                        <a:rPr lang="ko-KR" altLang="en-US" sz="1400" dirty="0"/>
+                        <a:t>기술</a:t>
+                      </a:r>
+                    </a:p>
+                  </a:txBody>
+                  <a:tcPr/>
+                </a:tc>
+                <a:tc>
+                  <a:txBody>
+                    <a:bodyPr/>
+                    <a:lstStyle/>
+                    <a:p>
+                      <a:pPr algn="ctr" latinLnBrk="1"/>
+                      <a:r>
+                        <a:rPr lang="ko-KR" altLang="en-US" sz="1400" dirty="0"/>
+                        <a:t>마우스 방향에 맞춘 마우스 </a:t>
+                      </a:r>
+                      <a:r>
+                        <a:rPr lang="ko-KR" altLang="en-US" sz="1400" dirty="0" err="1"/>
+                        <a:t>좌클릭</a:t>
+                      </a:r>
+                      <a:r>
+                        <a:rPr lang="ko-KR" altLang="en-US" sz="1400" dirty="0"/>
+                        <a:t> 기본 무기사용</a:t>
+                      </a:r>
+                    </a:p>
+                  </a:txBody>
+                  <a:tcPr/>
+                </a:tc>
+                <a:tc>
+                  <a:txBody>
+                    <a:bodyPr/>
+                    <a:lstStyle/>
+                    <a:p>
+                      <a:pPr algn="ctr" latinLnBrk="1"/>
+                      <a:r>
+                        <a:rPr lang="ko-KR" altLang="en-US" sz="1400" dirty="0"/>
+                        <a:t>추가된 버튼들과 파츠들을 사용한 다양한 </a:t>
+                      </a:r>
+                      <a:r>
+                        <a:rPr lang="ko-KR" altLang="en-US" sz="1400" dirty="0" err="1"/>
+                        <a:t>이팩트</a:t>
+                      </a:r>
+                      <a:r>
+                        <a:rPr lang="ko-KR" altLang="en-US" sz="1400" dirty="0"/>
+                        <a:t> 효과</a:t>
+                      </a:r>
+                      <a:r>
+                        <a:rPr lang="en-US" altLang="ko-KR" sz="1400" dirty="0"/>
+                        <a:t>, </a:t>
+                      </a:r>
+                      <a:r>
+                        <a:rPr lang="ko-KR" altLang="en-US" sz="1400" dirty="0"/>
+                        <a:t>무기의 다양성</a:t>
+                      </a:r>
+                    </a:p>
+                  </a:txBody>
+                  <a:tcPr/>
+                </a:tc>
+                <a:extLst>
+                  <a:ext uri="{0D108BD9-81ED-4DB2-BD59-A6C34878D82A}">
+                    <a16:rowId xmlns:a16="http://schemas.microsoft.com/office/drawing/2014/main" val="272352955"/>
+                  </a:ext>
+                </a:extLst>
+              </a:tr>
+              <a:tr h="651100">
+                <a:tc>
+                  <a:txBody>
+                    <a:bodyPr/>
+                    <a:lstStyle/>
+                    <a:p>
+                      <a:pPr algn="ctr" latinLnBrk="1"/>
+                      <a:r>
+                        <a:rPr lang="ko-KR" altLang="en-US" sz="1400" dirty="0"/>
+                        <a:t>맵</a:t>
+                      </a:r>
+                    </a:p>
+                  </a:txBody>
+                  <a:tcPr/>
+                </a:tc>
+                <a:tc>
+                  <a:txBody>
+                    <a:bodyPr/>
+                    <a:lstStyle/>
+                    <a:p>
+                      <a:pPr algn="ctr" latinLnBrk="1"/>
+                      <a:r>
+                        <a:rPr lang="ko-KR" altLang="en-US" sz="1400" dirty="0"/>
+                        <a:t>스테이지 </a:t>
+                      </a:r>
+                      <a:r>
+                        <a:rPr lang="en-US" altLang="ko-KR" sz="1400" dirty="0"/>
+                        <a:t>1</a:t>
+                      </a:r>
+                      <a:r>
+                        <a:rPr lang="ko-KR" altLang="en-US" sz="1400" dirty="0"/>
+                        <a:t>에 시간이 지남에 따라 강해지는 적 출현</a:t>
+                      </a:r>
+                      <a:endParaRPr lang="en-US" altLang="ko-KR" sz="1400" dirty="0"/>
+                    </a:p>
+                    <a:p>
+                      <a:pPr algn="ctr" latinLnBrk="1"/>
+                      <a:r>
+                        <a:rPr lang="ko-KR" altLang="en-US" sz="1400" dirty="0"/>
+                        <a:t>최소 </a:t>
+                      </a:r>
+                      <a:r>
+                        <a:rPr lang="en-US" altLang="ko-KR" sz="1400" dirty="0"/>
+                        <a:t>2</a:t>
+                      </a:r>
+                      <a:r>
+                        <a:rPr lang="ko-KR" altLang="en-US" sz="1400" dirty="0"/>
+                        <a:t>개의 스테이지</a:t>
+                      </a:r>
+                    </a:p>
+                  </a:txBody>
+                  <a:tcPr/>
+                </a:tc>
+                <a:tc>
+                  <a:txBody>
+                    <a:bodyPr/>
+                    <a:lstStyle/>
+                    <a:p>
+                      <a:pPr algn="ctr" latinLnBrk="1"/>
+                      <a:r>
+                        <a:rPr lang="ko-KR" altLang="en-US" sz="1400" dirty="0"/>
+                        <a:t>환경이 변화하는 스테이지와 조금 더 돌아다닐 수 있는 맵</a:t>
+                      </a:r>
+                    </a:p>
+                  </a:txBody>
+                  <a:tcPr/>
+                </a:tc>
+                <a:extLst>
+                  <a:ext uri="{0D108BD9-81ED-4DB2-BD59-A6C34878D82A}">
+                    <a16:rowId xmlns:a16="http://schemas.microsoft.com/office/drawing/2014/main" val="3025104734"/>
+                  </a:ext>
+                </a:extLst>
+              </a:tr>
+              <a:tr h="651100">
+                <a:tc>
+                  <a:txBody>
+                    <a:bodyPr/>
+                    <a:lstStyle/>
+                    <a:p>
+                      <a:pPr algn="ctr" latinLnBrk="1"/>
+                      <a:r>
+                        <a:rPr lang="ko-KR" altLang="en-US" sz="1400" dirty="0"/>
+                        <a:t>적 </a:t>
+                      </a:r>
+                      <a:r>
+                        <a:rPr lang="en-US" altLang="ko-KR" sz="1400" dirty="0"/>
+                        <a:t>AI</a:t>
+                      </a:r>
+                      <a:endParaRPr lang="ko-KR" altLang="en-US" sz="1400" dirty="0"/>
+                    </a:p>
+                  </a:txBody>
+                  <a:tcPr/>
+                </a:tc>
+                <a:tc>
+                  <a:txBody>
+                    <a:bodyPr/>
+                    <a:lstStyle/>
+                    <a:p>
+                      <a:pPr algn="ctr" latinLnBrk="1"/>
+                      <a:r>
+                        <a:rPr lang="ko-KR" altLang="en-US" sz="1400" dirty="0"/>
+                        <a:t>아군캐릭터와 거리를 벌리기도 하면서 공격하고 아군캐릭터를 따라오는 </a:t>
+                      </a:r>
+                      <a:r>
+                        <a:rPr lang="en-US" altLang="ko-KR" sz="1400" dirty="0"/>
+                        <a:t>AI</a:t>
+                      </a:r>
+                      <a:endParaRPr lang="ko-KR" altLang="en-US" sz="1400" dirty="0"/>
+                    </a:p>
+                  </a:txBody>
+                  <a:tcPr/>
+                </a:tc>
+                <a:tc>
+                  <a:txBody>
+                    <a:bodyPr/>
+                    <a:lstStyle/>
+                    <a:p>
+                      <a:pPr algn="ctr" latinLnBrk="1"/>
+                      <a:r>
+                        <a:rPr lang="ko-KR" altLang="en-US" sz="1400" dirty="0"/>
+                        <a:t>하나의 </a:t>
+                      </a:r>
+                      <a:r>
+                        <a:rPr lang="ko-KR" altLang="en-US" sz="1400" dirty="0" err="1"/>
+                        <a:t>공격뿐만</a:t>
+                      </a:r>
+                      <a:r>
+                        <a:rPr lang="ko-KR" altLang="en-US" sz="1400" dirty="0"/>
+                        <a:t> 아니라 다양한 공격을 하고 </a:t>
+                      </a:r>
+                      <a:r>
+                        <a:rPr lang="ko-KR" altLang="en-US" sz="1400" dirty="0" err="1"/>
+                        <a:t>엄페물과</a:t>
+                      </a:r>
+                      <a:r>
+                        <a:rPr lang="ko-KR" altLang="en-US" sz="1400" dirty="0"/>
+                        <a:t> 기술도 사용하는 </a:t>
+                      </a:r>
+                      <a:r>
+                        <a:rPr lang="ko-KR" altLang="en-US" sz="1400" dirty="0" err="1"/>
+                        <a:t>똑똑한적</a:t>
+                      </a:r>
+                      <a:endParaRPr lang="ko-KR" altLang="en-US" sz="1400" dirty="0"/>
+                    </a:p>
+                  </a:txBody>
+                  <a:tcPr/>
+                </a:tc>
+                <a:extLst>
+                  <a:ext uri="{0D108BD9-81ED-4DB2-BD59-A6C34878D82A}">
+                    <a16:rowId xmlns:a16="http://schemas.microsoft.com/office/drawing/2014/main" val="1238141461"/>
+                  </a:ext>
+                </a:extLst>
+              </a:tr>
+              <a:tr h="651100">
+                <a:tc>
+                  <a:txBody>
+                    <a:bodyPr/>
+                    <a:lstStyle/>
+                    <a:p>
+                      <a:pPr algn="ctr" latinLnBrk="1"/>
+                      <a:r>
+                        <a:rPr lang="ko-KR" altLang="en-US" sz="1400" dirty="0"/>
+                        <a:t>난이도</a:t>
+                      </a:r>
+                    </a:p>
+                  </a:txBody>
+                  <a:tcPr/>
+                </a:tc>
+                <a:tc>
+                  <a:txBody>
+                    <a:bodyPr/>
+                    <a:lstStyle/>
+                    <a:p>
+                      <a:pPr algn="ctr" latinLnBrk="1"/>
+                      <a:r>
+                        <a:rPr lang="ko-KR" altLang="en-US" sz="1400" dirty="0"/>
+                        <a:t>난이도가 증가하면서 적의 체력증가 및 패턴 변경</a:t>
+                      </a:r>
+                    </a:p>
+                  </a:txBody>
+                  <a:tcPr/>
+                </a:tc>
+                <a:tc>
+                  <a:txBody>
+                    <a:bodyPr/>
+                    <a:lstStyle/>
+                    <a:p>
+                      <a:pPr algn="ctr" latinLnBrk="1"/>
+                      <a:r>
+                        <a:rPr lang="ko-KR" altLang="en-US" sz="1400" dirty="0"/>
+                        <a:t>적 </a:t>
+                      </a:r>
+                      <a:r>
+                        <a:rPr lang="en-US" altLang="ko-KR" sz="1400" dirty="0"/>
+                        <a:t>AI</a:t>
+                      </a:r>
+                      <a:r>
+                        <a:rPr lang="ko-KR" altLang="en-US" sz="1400" dirty="0"/>
+                        <a:t>상승과 </a:t>
+                      </a:r>
+                      <a:r>
+                        <a:rPr lang="ko-KR" altLang="en-US" sz="1400" dirty="0" err="1"/>
+                        <a:t>맵의</a:t>
+                      </a:r>
+                      <a:r>
+                        <a:rPr lang="ko-KR" altLang="en-US" sz="1400" dirty="0"/>
+                        <a:t> 크기 확장으로 인한 난이도 향상</a:t>
+                      </a:r>
+                      <a:endParaRPr lang="en-US" altLang="ko-KR" sz="1400" dirty="0"/>
+                    </a:p>
+                    <a:p>
+                      <a:pPr algn="ctr" latinLnBrk="1"/>
+                      <a:r>
+                        <a:rPr lang="ko-KR" altLang="en-US" sz="1400" dirty="0" err="1"/>
+                        <a:t>보스등의</a:t>
+                      </a:r>
+                      <a:r>
+                        <a:rPr lang="ko-KR" altLang="en-US" sz="1400" dirty="0"/>
+                        <a:t> 등장으로 인한 패턴 다양화</a:t>
+                      </a:r>
+                    </a:p>
+                  </a:txBody>
+                  <a:tcPr/>
+                </a:tc>
+                <a:extLst>
+                  <a:ext uri="{0D108BD9-81ED-4DB2-BD59-A6C34878D82A}">
+                    <a16:rowId xmlns:a16="http://schemas.microsoft.com/office/drawing/2014/main" val="79644564"/>
+                  </a:ext>
+                </a:extLst>
+              </a:tr>
+              <a:tr h="1172794">
+                <a:tc>
+                  <a:txBody>
+                    <a:bodyPr/>
+                    <a:lstStyle/>
+                    <a:p>
+                      <a:pPr algn="ctr" latinLnBrk="1"/>
+                      <a:r>
+                        <a:rPr lang="ko-KR" altLang="en-US" sz="1400" dirty="0"/>
+                        <a:t>게임기능</a:t>
+                      </a:r>
+                    </a:p>
+                  </a:txBody>
+                  <a:tcPr/>
+                </a:tc>
+                <a:tc>
+                  <a:txBody>
+                    <a:bodyPr/>
+                    <a:lstStyle/>
+                    <a:p>
+                      <a:pPr algn="ctr" latinLnBrk="1"/>
+                      <a:r>
+                        <a:rPr lang="ko-KR" altLang="en-US" sz="1400" dirty="0" err="1"/>
+                        <a:t>피격시</a:t>
+                      </a:r>
+                      <a:r>
+                        <a:rPr lang="ko-KR" altLang="en-US" sz="1400" dirty="0"/>
+                        <a:t> 체력감소</a:t>
+                      </a:r>
+                      <a:r>
+                        <a:rPr lang="en-US" altLang="ko-KR" sz="1400" dirty="0"/>
+                        <a:t>,</a:t>
+                      </a:r>
+                      <a:r>
+                        <a:rPr lang="ko-KR" altLang="en-US" sz="1400" dirty="0"/>
+                        <a:t> </a:t>
+                      </a:r>
+                      <a:r>
+                        <a:rPr lang="ko-KR" altLang="en-US" sz="1400" dirty="0" err="1"/>
+                        <a:t>맵에</a:t>
+                      </a:r>
+                      <a:r>
+                        <a:rPr lang="ko-KR" altLang="en-US" sz="1400" dirty="0"/>
+                        <a:t> 떨어지는 파츠를 먹음으로써 스킬 추가</a:t>
+                      </a:r>
+                      <a:r>
+                        <a:rPr lang="en-US" altLang="ko-KR" sz="1400" dirty="0"/>
+                        <a:t>(</a:t>
+                      </a:r>
+                      <a:r>
+                        <a:rPr lang="ko-KR" altLang="en-US" sz="1400" dirty="0"/>
+                        <a:t>최소 </a:t>
+                      </a:r>
+                      <a:r>
+                        <a:rPr lang="en-US" altLang="ko-KR" sz="1400" dirty="0"/>
+                        <a:t>2</a:t>
+                      </a:r>
+                      <a:r>
+                        <a:rPr lang="ko-KR" altLang="en-US" sz="1400" dirty="0"/>
+                        <a:t>개</a:t>
+                      </a:r>
+                      <a:r>
+                        <a:rPr lang="en-US" altLang="ko-KR" sz="1400" dirty="0"/>
+                        <a:t>) </a:t>
+                      </a:r>
+                      <a:r>
+                        <a:rPr lang="ko-KR" altLang="en-US" sz="1400" dirty="0"/>
+                        <a:t>및 모양변경</a:t>
+                      </a:r>
+                      <a:endParaRPr lang="en-US" altLang="ko-KR" sz="1400" dirty="0"/>
+                    </a:p>
+                    <a:p>
+                      <a:pPr algn="ctr" latinLnBrk="1"/>
+                      <a:r>
+                        <a:rPr lang="ko-KR" altLang="en-US" sz="1400" dirty="0"/>
+                        <a:t>적제거시 증가하는 포탄 개수</a:t>
+                      </a:r>
+                      <a:endParaRPr lang="en-US" altLang="ko-KR" sz="1400" dirty="0"/>
+                    </a:p>
+                    <a:p>
+                      <a:pPr algn="ctr" latinLnBrk="1"/>
+                      <a:endParaRPr lang="en-US" altLang="ko-KR" sz="1400" dirty="0"/>
+                    </a:p>
+                    <a:p>
+                      <a:pPr algn="ctr" latinLnBrk="1"/>
+                      <a:endParaRPr lang="en-US" altLang="ko-KR" sz="1400" dirty="0"/>
+                    </a:p>
+                  </a:txBody>
+                  <a:tcPr/>
+                </a:tc>
+                <a:tc>
+                  <a:txBody>
+                    <a:bodyPr/>
+                    <a:lstStyle/>
+                    <a:p>
+                      <a:pPr algn="ctr" latinLnBrk="1"/>
+                      <a:r>
+                        <a:rPr lang="ko-KR" altLang="en-US" sz="1400" dirty="0"/>
+                        <a:t>방어막 추가 및 레벨 증가</a:t>
+                      </a:r>
+                      <a:r>
+                        <a:rPr lang="en-US" altLang="ko-KR" sz="1400" dirty="0"/>
+                        <a:t>, </a:t>
+                      </a:r>
+                      <a:r>
+                        <a:rPr lang="ko-KR" altLang="en-US" sz="1400" dirty="0"/>
+                        <a:t>클래스 추가</a:t>
+                      </a:r>
+                      <a:endParaRPr lang="en-US" altLang="ko-KR" sz="1400" dirty="0"/>
+                    </a:p>
+                    <a:p>
+                      <a:pPr algn="ctr" latinLnBrk="1"/>
+                      <a:r>
+                        <a:rPr lang="ko-KR" altLang="en-US" sz="1400" dirty="0"/>
+                        <a:t>파츠의 추가 및 캐릭터를 기준으로 </a:t>
+                      </a:r>
+                      <a:r>
+                        <a:rPr lang="ko-KR" altLang="en-US" sz="1400" dirty="0" err="1"/>
+                        <a:t>원운동하는</a:t>
+                      </a:r>
+                      <a:r>
+                        <a:rPr lang="ko-KR" altLang="en-US" sz="1400" dirty="0"/>
+                        <a:t> 도우미 파츠 추가</a:t>
+                      </a:r>
+                      <a:endParaRPr lang="en-US" altLang="ko-KR" sz="1400" dirty="0"/>
+                    </a:p>
+                    <a:p>
+                      <a:pPr algn="ctr" latinLnBrk="1"/>
+                      <a:r>
+                        <a:rPr lang="ko-KR" altLang="en-US" sz="1400" dirty="0" err="1"/>
+                        <a:t>클리어시</a:t>
+                      </a:r>
+                      <a:r>
+                        <a:rPr lang="ko-KR" altLang="en-US" sz="1400" dirty="0"/>
+                        <a:t> 추가 되는 보상메뉴</a:t>
+                      </a:r>
+                    </a:p>
+                  </a:txBody>
+                  <a:tcPr/>
+                </a:tc>
+                <a:extLst>
+                  <a:ext uri="{0D108BD9-81ED-4DB2-BD59-A6C34878D82A}">
+                    <a16:rowId xmlns:a16="http://schemas.microsoft.com/office/drawing/2014/main" val="347144417"/>
+                  </a:ext>
+                </a:extLst>
+              </a:tr>
+              <a:tr h="651100">
+                <a:tc>
+                  <a:txBody>
+                    <a:bodyPr/>
+                    <a:lstStyle/>
+                    <a:p>
+                      <a:pPr algn="ctr" latinLnBrk="1"/>
+                      <a:r>
+                        <a:rPr lang="ko-KR" altLang="en-US" sz="1400" dirty="0"/>
+                        <a:t>사운드</a:t>
+                      </a:r>
+                    </a:p>
+                  </a:txBody>
+                  <a:tcPr/>
+                </a:tc>
+                <a:tc>
+                  <a:txBody>
+                    <a:bodyPr/>
+                    <a:lstStyle/>
+                    <a:p>
+                      <a:pPr algn="ctr" latinLnBrk="1"/>
+                      <a:r>
+                        <a:rPr lang="ko-KR" altLang="en-US" sz="1400" dirty="0"/>
+                        <a:t>포격소리 및 무한궤도 소리</a:t>
+                      </a:r>
+                      <a:r>
+                        <a:rPr lang="en-US" altLang="ko-KR" sz="1400" dirty="0"/>
+                        <a:t>, </a:t>
+                      </a:r>
+                      <a:r>
+                        <a:rPr lang="ko-KR" altLang="en-US" sz="1400" dirty="0"/>
+                        <a:t>적이 쏘는 </a:t>
+                      </a:r>
+                      <a:r>
+                        <a:rPr lang="ko-KR" altLang="en-US" sz="1400" dirty="0" err="1"/>
+                        <a:t>포탄음</a:t>
+                      </a:r>
+                      <a:r>
+                        <a:rPr lang="ko-KR" altLang="en-US" sz="1400" dirty="0"/>
+                        <a:t> 및 적들의 소리 </a:t>
+                      </a:r>
+                      <a:r>
+                        <a:rPr lang="en-US" altLang="ko-KR" sz="1400" dirty="0"/>
+                        <a:t>(7</a:t>
+                      </a:r>
+                      <a:r>
+                        <a:rPr lang="ko-KR" altLang="en-US" sz="1400" dirty="0"/>
+                        <a:t>개 이상</a:t>
+                      </a:r>
+                      <a:r>
+                        <a:rPr lang="en-US" altLang="ko-KR" sz="1400" dirty="0"/>
+                        <a:t>)</a:t>
+                      </a:r>
+                      <a:endParaRPr lang="ko-KR" altLang="en-US" sz="1400" dirty="0"/>
+                    </a:p>
+                  </a:txBody>
+                  <a:tcPr/>
+                </a:tc>
+                <a:tc>
+                  <a:txBody>
+                    <a:bodyPr/>
+                    <a:lstStyle/>
+                    <a:p>
+                      <a:pPr algn="ctr" latinLnBrk="1"/>
+                      <a:r>
+                        <a:rPr lang="ko-KR" altLang="en-US" sz="1400" dirty="0"/>
+                        <a:t>박진감 넘치는 전장을 표현하는 다양한 사운드 추가</a:t>
+                      </a:r>
+                    </a:p>
+                  </a:txBody>
+                  <a:tcPr/>
+                </a:tc>
+                <a:extLst>
+                  <a:ext uri="{0D108BD9-81ED-4DB2-BD59-A6C34878D82A}">
+                    <a16:rowId xmlns:a16="http://schemas.microsoft.com/office/drawing/2014/main" val="1220019241"/>
+                  </a:ext>
+                </a:extLst>
+              </a:tr>
+              <a:tr h="651100">
+                <a:tc>
+                  <a:txBody>
+                    <a:bodyPr/>
+                    <a:lstStyle/>
+                    <a:p>
+                      <a:pPr algn="ctr" latinLnBrk="1"/>
+                      <a:r>
+                        <a:rPr lang="ko-KR" altLang="en-US" sz="1400" dirty="0"/>
+                        <a:t>애니메이션</a:t>
+                      </a:r>
+                    </a:p>
+                  </a:txBody>
+                  <a:tcPr/>
+                </a:tc>
+                <a:tc>
+                  <a:txBody>
+                    <a:bodyPr/>
+                    <a:lstStyle/>
+                    <a:p>
+                      <a:pPr algn="ctr" latinLnBrk="1"/>
+                      <a:r>
+                        <a:rPr lang="ko-KR" altLang="en-US" sz="1400" dirty="0"/>
+                        <a:t>무한궤도의 움직임</a:t>
+                      </a:r>
+                      <a:r>
+                        <a:rPr lang="en-US" altLang="ko-KR" sz="1400" dirty="0"/>
+                        <a:t>, </a:t>
+                      </a:r>
+                      <a:r>
+                        <a:rPr lang="ko-KR" altLang="en-US" sz="1400" dirty="0"/>
+                        <a:t>추가된 파츠의 움직임</a:t>
+                      </a:r>
+                      <a:r>
+                        <a:rPr lang="en-US" altLang="ko-KR" sz="1400" dirty="0"/>
+                        <a:t>, </a:t>
+                      </a:r>
+                      <a:r>
+                        <a:rPr lang="ko-KR" altLang="en-US" sz="1400" dirty="0"/>
+                        <a:t>포신의 움직임</a:t>
+                      </a:r>
+                      <a:r>
+                        <a:rPr lang="en-US" altLang="ko-KR" sz="1400" dirty="0"/>
+                        <a:t>, </a:t>
+                      </a:r>
+                      <a:r>
+                        <a:rPr lang="ko-KR" altLang="en-US" sz="1400" dirty="0"/>
+                        <a:t>적들의 움직임</a:t>
+                      </a:r>
+                      <a:r>
+                        <a:rPr lang="en-US" altLang="ko-KR" sz="1400" dirty="0"/>
+                        <a:t>, </a:t>
+                      </a:r>
+                      <a:r>
+                        <a:rPr lang="ko-KR" altLang="en-US" sz="1400" dirty="0"/>
+                        <a:t>미사일의 움직임 등 </a:t>
+                      </a:r>
+                      <a:r>
+                        <a:rPr lang="en-US" altLang="ko-KR" sz="1400" dirty="0"/>
+                        <a:t>10</a:t>
+                      </a:r>
+                      <a:r>
+                        <a:rPr lang="ko-KR" altLang="en-US" sz="1400" dirty="0"/>
+                        <a:t>종 이상</a:t>
+                      </a:r>
+                    </a:p>
+                  </a:txBody>
+                  <a:tcPr/>
+                </a:tc>
+                <a:tc>
+                  <a:txBody>
+                    <a:bodyPr/>
+                    <a:lstStyle/>
+                    <a:p>
+                      <a:pPr algn="ctr" latinLnBrk="1"/>
+                      <a:r>
+                        <a:rPr lang="ko-KR" altLang="en-US" sz="1400" dirty="0"/>
+                        <a:t>추가된 </a:t>
+                      </a:r>
+                      <a:r>
+                        <a:rPr lang="en-US" altLang="ko-KR" sz="1400" dirty="0"/>
+                        <a:t>AI</a:t>
+                      </a:r>
+                      <a:r>
+                        <a:rPr lang="ko-KR" altLang="en-US" sz="1400" dirty="0"/>
+                        <a:t>와 패턴</a:t>
+                      </a:r>
+                      <a:r>
+                        <a:rPr lang="en-US" altLang="ko-KR" sz="1400" dirty="0"/>
+                        <a:t>, </a:t>
+                      </a:r>
+                      <a:r>
+                        <a:rPr lang="ko-KR" altLang="en-US" sz="1400" dirty="0"/>
+                        <a:t>추가된 클래스를 위한 다양한 애니메이션</a:t>
+                      </a:r>
+                    </a:p>
+                  </a:txBody>
+                  <a:tcPr/>
+                </a:tc>
+                <a:extLst>
+                  <a:ext uri="{0D108BD9-81ED-4DB2-BD59-A6C34878D82A}">
+                    <a16:rowId xmlns:a16="http://schemas.microsoft.com/office/drawing/2014/main" val="1370531636"/>
+                  </a:ext>
+                </a:extLst>
+              </a:tr>
+            </a:tbl>
+          </a:graphicData>
+        </a:graphic>
+      </p:graphicFrame>
+      <p:sp>
+        <p:nvSpPr>
+          <p:cNvPr id="5" name="TextBox 4">
+            <a:extLst>
+              <a:ext uri="{FF2B5EF4-FFF2-40B4-BE49-F238E27FC236}">
+                <a16:creationId xmlns:a16="http://schemas.microsoft.com/office/drawing/2014/main" id="{CA760021-725A-4467-AA4D-F774293BFC2A}"/>
+              </a:ext>
+            </a:extLst>
+          </p:cNvPr>
+          <p:cNvSpPr txBox="1"/>
+          <p:nvPr/>
+        </p:nvSpPr>
+        <p:spPr>
+          <a:xfrm>
+            <a:off x="838200" y="324853"/>
+            <a:ext cx="4576011" cy="369332"/>
+          </a:xfrm>
+          <a:prstGeom prst="rect">
+            <a:avLst/>
+          </a:prstGeom>
+          <a:noFill/>
+        </p:spPr>
+        <p:txBody>
+          <a:bodyPr wrap="square" rtlCol="0">
+            <a:spAutoFit/>
+          </a:bodyPr>
+          <a:lstStyle/>
+          <a:p>
+            <a:r>
+              <a:rPr lang="ko-KR" altLang="en-US" dirty="0"/>
+              <a:t>개발 범위</a:t>
+            </a:r>
+            <a:r>
+              <a:rPr lang="en-US" altLang="ko-KR" dirty="0"/>
+              <a:t>(</a:t>
+            </a:r>
+            <a:r>
+              <a:rPr lang="ko-KR" altLang="en-US" dirty="0"/>
+              <a:t>수정</a:t>
+            </a:r>
+            <a:r>
+              <a:rPr lang="en-US" altLang="ko-KR" dirty="0"/>
+              <a:t>)</a:t>
+            </a:r>
+            <a:endParaRPr lang="ko-KR" altLang="en-US" dirty="0"/>
+          </a:p>
+        </p:txBody>
+      </p:sp>
+    </p:spTree>
+    <p:extLst>
+      <p:ext uri="{BB962C8B-B14F-4D97-AF65-F5344CB8AC3E}">
+        <p14:creationId xmlns:p14="http://schemas.microsoft.com/office/powerpoint/2010/main" val="1436959658"/>
+      </p:ext>
+    </p:extLst>
+  </p:cSld>
+  <p:clrMapOvr>
+    <a:masterClrMapping/>
+  </p:clrMapOvr>
+</p:sld>
+</file>
+
+<file path=ppt/slides/slide9.xml><?xml version="1.0" encoding="utf-8"?>
 <p:sld xmlns:a="http://schemas.openxmlformats.org/drawingml/2006/main" xmlns:r="http://schemas.openxmlformats.org/officeDocument/2006/relationships" xmlns:p="http://schemas.openxmlformats.org/presentationml/2006/main">
   <p:cSld>
     <p:spTree>

--- a/2Dproject/20180925_2DprojectPPT_ver6_ppt.pptx
+++ b/2Dproject/20180925_2DprojectPPT_ver6_ppt.pptx
@@ -13829,19 +13829,6 @@
               <a:rPr lang="ko-KR" altLang="en-US" dirty="0"/>
               <a:t>개발 범위</a:t>
             </a:r>
-            <a:r>
-              <a:rPr lang="en-US" altLang="ko-KR" dirty="0"/>
-              <a:t>(</a:t>
-            </a:r>
-            <a:r>
-              <a:rPr lang="ko-KR" altLang="en-US" dirty="0"/>
-              <a:t>수정</a:t>
-            </a:r>
-            <a:r>
-              <a:rPr lang="en-US" altLang="ko-KR" dirty="0"/>
-              <a:t>)</a:t>
-            </a:r>
-            <a:endParaRPr lang="ko-KR" altLang="en-US" dirty="0"/>
           </a:p>
         </p:txBody>
       </p:sp>
@@ -25113,7 +25100,7 @@
         <p:spPr>
           <a:xfrm>
             <a:off x="9040091" y="488373"/>
-            <a:ext cx="2597642" cy="3139321"/>
+            <a:ext cx="2597642" cy="5355312"/>
           </a:xfrm>
           <a:prstGeom prst="rect">
             <a:avLst/>
@@ -25152,8 +25139,94 @@
               </a:rPr>
               <a:t>최종 목표는 인공지능에 따라서 자신이 놓친 곳에 대한 좌표를 가지고 그 근처에 좌표를 찍어서 움직이는 것을 목표로 잡았다</a:t>
             </a:r>
+            <a:endParaRPr lang="en-US" altLang="ko-KR" dirty="0">
+              <a:solidFill>
+                <a:schemeClr val="bg1"/>
+              </a:solidFill>
+            </a:endParaRPr>
+          </a:p>
+          <a:p>
+            <a:endParaRPr lang="en-US" altLang="ko-KR" dirty="0">
+              <a:solidFill>
+                <a:schemeClr val="bg1"/>
+              </a:solidFill>
+            </a:endParaRPr>
+          </a:p>
+          <a:p>
+            <a:r>
+              <a:rPr lang="ko-KR" altLang="en-US" dirty="0">
+                <a:solidFill>
+                  <a:schemeClr val="bg1"/>
+                </a:solidFill>
+              </a:rPr>
+              <a:t>한가지 문제점이 있는데</a:t>
+            </a:r>
             <a:r>
               <a:rPr lang="en-US" altLang="ko-KR" dirty="0">
+                <a:solidFill>
+                  <a:schemeClr val="bg1"/>
+                </a:solidFill>
+              </a:rPr>
+              <a:t> </a:t>
+            </a:r>
+            <a:r>
+              <a:rPr lang="ko-KR" altLang="en-US" dirty="0">
+                <a:solidFill>
+                  <a:schemeClr val="bg1"/>
+                </a:solidFill>
+              </a:rPr>
+              <a:t>갑자기 핑이 튀듯이 프레임이 </a:t>
+            </a:r>
+            <a:r>
+              <a:rPr lang="en-US" altLang="ko-KR" dirty="0">
+                <a:solidFill>
+                  <a:schemeClr val="bg1"/>
+                </a:solidFill>
+              </a:rPr>
+              <a:t>300</a:t>
+            </a:r>
+            <a:r>
+              <a:rPr lang="ko-KR" altLang="en-US" dirty="0">
+                <a:solidFill>
+                  <a:schemeClr val="bg1"/>
+                </a:solidFill>
+              </a:rPr>
+              <a:t>이 넘는 것이다</a:t>
+            </a:r>
+            <a:r>
+              <a:rPr lang="en-US" altLang="ko-KR" dirty="0">
+                <a:solidFill>
+                  <a:schemeClr val="bg1"/>
+                </a:solidFill>
+              </a:rPr>
+              <a:t>. </a:t>
+            </a:r>
+            <a:r>
+              <a:rPr lang="ko-KR" altLang="en-US" dirty="0">
+                <a:solidFill>
+                  <a:schemeClr val="bg1"/>
+                </a:solidFill>
+              </a:rPr>
+              <a:t>아마 지속적으로 함수를 호출하고 </a:t>
+            </a:r>
+            <a:r>
+              <a:rPr lang="ko-KR" altLang="en-US" dirty="0" err="1">
+                <a:solidFill>
+                  <a:schemeClr val="bg1"/>
+                </a:solidFill>
+              </a:rPr>
+              <a:t>랜덤값을</a:t>
+            </a:r>
+            <a:r>
+              <a:rPr lang="ko-KR" altLang="en-US" dirty="0">
+                <a:solidFill>
+                  <a:schemeClr val="bg1"/>
+                </a:solidFill>
+              </a:rPr>
+              <a:t> 받는 부분에서 걸리는 것 같다</a:t>
+            </a:r>
+            <a:r>
+              <a:rPr lang="en-US" altLang="ko-KR">
                 <a:solidFill>
                   <a:schemeClr val="bg1"/>
                 </a:solidFill>
